--- a/documentation/Exposition.pptx
+++ b/documentation/Exposition.pptx
@@ -6,14 +6,16 @@
   </p:sldMasterIdLst>
   <p:sldIdLst>
     <p:sldId id="256" r:id="rId2"/>
-    <p:sldId id="264" r:id="rId3"/>
-    <p:sldId id="257" r:id="rId4"/>
-    <p:sldId id="258" r:id="rId5"/>
-    <p:sldId id="262" r:id="rId6"/>
-    <p:sldId id="263" r:id="rId7"/>
-    <p:sldId id="261" r:id="rId8"/>
-    <p:sldId id="260" r:id="rId9"/>
-    <p:sldId id="259" r:id="rId10"/>
+    <p:sldId id="257" r:id="rId3"/>
+    <p:sldId id="258" r:id="rId4"/>
+    <p:sldId id="259" r:id="rId5"/>
+    <p:sldId id="260" r:id="rId6"/>
+    <p:sldId id="261" r:id="rId7"/>
+    <p:sldId id="262" r:id="rId8"/>
+    <p:sldId id="263" r:id="rId9"/>
+    <p:sldId id="264" r:id="rId10"/>
+    <p:sldId id="265" r:id="rId11"/>
+    <p:sldId id="266" r:id="rId12"/>
   </p:sldIdLst>
   <p:sldSz cx="12192000" cy="6858000"/>
   <p:notesSz cx="6858000" cy="9144000"/>
@@ -251,7 +253,7 @@
           <a:p>
             <a:fld id="{3D08EE77-4000-4F4A-A19B-16855A9ED7BD}" type="datetimeFigureOut">
               <a:rPr lang="es-ES" smtClean="0"/>
-              <a:t>29/11/2020</a:t>
+              <a:t>07/12/2020</a:t>
             </a:fld>
             <a:endParaRPr lang="es-ES"/>
           </a:p>
@@ -421,7 +423,7 @@
           <a:p>
             <a:fld id="{3D08EE77-4000-4F4A-A19B-16855A9ED7BD}" type="datetimeFigureOut">
               <a:rPr lang="es-ES" smtClean="0"/>
-              <a:t>29/11/2020</a:t>
+              <a:t>07/12/2020</a:t>
             </a:fld>
             <a:endParaRPr lang="es-ES"/>
           </a:p>
@@ -601,7 +603,7 @@
           <a:p>
             <a:fld id="{3D08EE77-4000-4F4A-A19B-16855A9ED7BD}" type="datetimeFigureOut">
               <a:rPr lang="es-ES" smtClean="0"/>
-              <a:t>29/11/2020</a:t>
+              <a:t>07/12/2020</a:t>
             </a:fld>
             <a:endParaRPr lang="es-ES"/>
           </a:p>
@@ -771,7 +773,7 @@
           <a:p>
             <a:fld id="{3D08EE77-4000-4F4A-A19B-16855A9ED7BD}" type="datetimeFigureOut">
               <a:rPr lang="es-ES" smtClean="0"/>
-              <a:t>29/11/2020</a:t>
+              <a:t>07/12/2020</a:t>
             </a:fld>
             <a:endParaRPr lang="es-ES"/>
           </a:p>
@@ -1017,7 +1019,7 @@
           <a:p>
             <a:fld id="{3D08EE77-4000-4F4A-A19B-16855A9ED7BD}" type="datetimeFigureOut">
               <a:rPr lang="es-ES" smtClean="0"/>
-              <a:t>29/11/2020</a:t>
+              <a:t>07/12/2020</a:t>
             </a:fld>
             <a:endParaRPr lang="es-ES"/>
           </a:p>
@@ -1249,7 +1251,7 @@
           <a:p>
             <a:fld id="{3D08EE77-4000-4F4A-A19B-16855A9ED7BD}" type="datetimeFigureOut">
               <a:rPr lang="es-ES" smtClean="0"/>
-              <a:t>29/11/2020</a:t>
+              <a:t>07/12/2020</a:t>
             </a:fld>
             <a:endParaRPr lang="es-ES"/>
           </a:p>
@@ -1616,7 +1618,7 @@
           <a:p>
             <a:fld id="{3D08EE77-4000-4F4A-A19B-16855A9ED7BD}" type="datetimeFigureOut">
               <a:rPr lang="es-ES" smtClean="0"/>
-              <a:t>29/11/2020</a:t>
+              <a:t>07/12/2020</a:t>
             </a:fld>
             <a:endParaRPr lang="es-ES"/>
           </a:p>
@@ -1734,7 +1736,7 @@
           <a:p>
             <a:fld id="{3D08EE77-4000-4F4A-A19B-16855A9ED7BD}" type="datetimeFigureOut">
               <a:rPr lang="es-ES" smtClean="0"/>
-              <a:t>29/11/2020</a:t>
+              <a:t>07/12/2020</a:t>
             </a:fld>
             <a:endParaRPr lang="es-ES"/>
           </a:p>
@@ -1829,7 +1831,7 @@
           <a:p>
             <a:fld id="{3D08EE77-4000-4F4A-A19B-16855A9ED7BD}" type="datetimeFigureOut">
               <a:rPr lang="es-ES" smtClean="0"/>
-              <a:t>29/11/2020</a:t>
+              <a:t>07/12/2020</a:t>
             </a:fld>
             <a:endParaRPr lang="es-ES"/>
           </a:p>
@@ -2106,7 +2108,7 @@
           <a:p>
             <a:fld id="{3D08EE77-4000-4F4A-A19B-16855A9ED7BD}" type="datetimeFigureOut">
               <a:rPr lang="es-ES" smtClean="0"/>
-              <a:t>29/11/2020</a:t>
+              <a:t>07/12/2020</a:t>
             </a:fld>
             <a:endParaRPr lang="es-ES"/>
           </a:p>
@@ -2359,7 +2361,7 @@
           <a:p>
             <a:fld id="{3D08EE77-4000-4F4A-A19B-16855A9ED7BD}" type="datetimeFigureOut">
               <a:rPr lang="es-ES" smtClean="0"/>
-              <a:t>29/11/2020</a:t>
+              <a:t>07/12/2020</a:t>
             </a:fld>
             <a:endParaRPr lang="es-ES"/>
           </a:p>
@@ -2572,7 +2574,7 @@
           <a:p>
             <a:fld id="{3D08EE77-4000-4F4A-A19B-16855A9ED7BD}" type="datetimeFigureOut">
               <a:rPr lang="es-ES" smtClean="0"/>
-              <a:t>29/11/2020</a:t>
+              <a:t>07/12/2020</a:t>
             </a:fld>
             <a:endParaRPr lang="es-ES"/>
           </a:p>
@@ -3003,446 +3005,906 @@
       </p:grpSpPr>
       <p:sp>
         <p:nvSpPr>
-          <p:cNvPr id="4" name="CuadroTexto 3"/>
-          <p:cNvSpPr txBox="1"/>
+          <p:cNvPr id="5" name="CustomShape 1"/>
+          <p:cNvSpPr/>
           <p:nvPr/>
         </p:nvSpPr>
         <p:spPr>
           <a:xfrm>
-            <a:off x="0" y="1141591"/>
-            <a:ext cx="6091645" cy="1446550"/>
+            <a:off x="0" y="1141560"/>
+            <a:ext cx="6090840" cy="1445760"/>
           </a:xfrm>
           <a:prstGeom prst="rect">
             <a:avLst/>
           </a:prstGeom>
           <a:noFill/>
+          <a:ln>
+            <a:noFill/>
+          </a:ln>
         </p:spPr>
-        <p:txBody>
-          <a:bodyPr wrap="square" rtlCol="0">
-            <a:spAutoFit/>
+        <p:style>
+          <a:lnRef idx="0">
+            <a:scrgbClr r="0" g="0" b="0"/>
+          </a:lnRef>
+          <a:fillRef idx="0">
+            <a:scrgbClr r="0" g="0" b="0"/>
+          </a:fillRef>
+          <a:effectRef idx="0">
+            <a:scrgbClr r="0" g="0" b="0"/>
+          </a:effectRef>
+          <a:fontRef idx="minor"/>
+        </p:style>
+        <p:txBody>
+          <a:bodyPr lIns="90000" tIns="45000" rIns="90000" bIns="45000">
+            <a:noAutofit/>
           </a:bodyPr>
           <a:lstStyle/>
           <a:p>
-            <a:pPr algn="ctr"/>
-            <a:r>
-              <a:rPr lang="es-ES" sz="8800" dirty="0" smtClean="0">
+            <a:pPr algn="ctr">
+              <a:lnSpc>
+                <a:spcPct val="100000"/>
+              </a:lnSpc>
+            </a:pPr>
+            <a:r>
+              <a:rPr lang="es-ES" sz="8800" b="0" strike="noStrike" spc="-1" dirty="0">
                 <a:solidFill>
                   <a:srgbClr val="E8E8E8"/>
                 </a:solidFill>
+                <a:latin typeface="Calibri"/>
+                <a:ea typeface="Calibri"/>
               </a:rPr>
               <a:t>Discordia</a:t>
             </a:r>
-            <a:endParaRPr lang="es-ES" dirty="0">
-              <a:solidFill>
-                <a:srgbClr val="E8E8E8"/>
-              </a:solidFill>
+            <a:endParaRPr lang="es-ES" sz="8800" b="0" strike="noStrike" spc="-1" dirty="0">
+              <a:latin typeface="Arial"/>
             </a:endParaRPr>
           </a:p>
         </p:txBody>
       </p:sp>
       <p:sp>
         <p:nvSpPr>
-          <p:cNvPr id="6" name="Rectángulo 5"/>
+          <p:cNvPr id="7" name="CustomShape 2"/>
           <p:cNvSpPr/>
           <p:nvPr/>
         </p:nvSpPr>
         <p:spPr>
           <a:xfrm>
-            <a:off x="6434942" y="696755"/>
-            <a:ext cx="5367131" cy="5624745"/>
+            <a:off x="6435000" y="696600"/>
+            <a:ext cx="5366520" cy="5623920"/>
           </a:xfrm>
           <a:prstGeom prst="rect">
             <a:avLst/>
           </a:prstGeom>
+          <a:noFill/>
+          <a:ln>
+            <a:noFill/>
+          </a:ln>
         </p:spPr>
-        <p:txBody>
-          <a:bodyPr wrap="square">
-            <a:spAutoFit/>
+        <p:style>
+          <a:lnRef idx="0">
+            <a:scrgbClr r="0" g="0" b="0"/>
+          </a:lnRef>
+          <a:fillRef idx="0">
+            <a:scrgbClr r="0" g="0" b="0"/>
+          </a:fillRef>
+          <a:effectRef idx="0">
+            <a:scrgbClr r="0" g="0" b="0"/>
+          </a:effectRef>
+          <a:fontRef idx="minor"/>
+        </p:style>
+        <p:txBody>
+          <a:bodyPr lIns="90000" tIns="45000" rIns="90000" bIns="45000">
+            <a:noAutofit/>
           </a:bodyPr>
           <a:lstStyle/>
           <a:p>
-            <a:pPr marL="342900" lvl="0" indent="-342900">
+            <a:pPr marL="343080" indent="-342360">
               <a:lnSpc>
                 <a:spcPct val="107000"/>
               </a:lnSpc>
-              <a:spcAft>
-                <a:spcPts val="0"/>
-              </a:spcAft>
-              <a:buFont typeface="Calibri" panose="020F0502020204030204" pitchFamily="34" charset="0"/>
+              <a:buClr>
+                <a:srgbClr val="000000"/>
+              </a:buClr>
+              <a:buFont typeface="Calibri"/>
               <a:buChar char="-"/>
             </a:pPr>
             <a:r>
-              <a:rPr lang="en-GB" sz="2400" dirty="0" smtClean="0">
-                <a:latin typeface="Calibri" panose="020F0502020204030204" pitchFamily="34" charset="0"/>
-                <a:ea typeface="Calibri" panose="020F0502020204030204" pitchFamily="34" charset="0"/>
-                <a:cs typeface="Times New Roman" panose="02020603050405020304" pitchFamily="18" charset="0"/>
+              <a:rPr lang="es-ES" sz="2400" b="0" strike="noStrike" spc="-1" dirty="0" err="1">
+                <a:solidFill>
+                  <a:srgbClr val="000000"/>
+                </a:solidFill>
+                <a:latin typeface="Calibri"/>
+                <a:ea typeface="Calibri"/>
               </a:rPr>
-              <a:t>Requirements specification</a:t>
-            </a:r>
-            <a:r>
-              <a:rPr lang="en-GB" sz="2400" dirty="0" smtClean="0">
-                <a:latin typeface="Calibri" panose="020F0502020204030204" pitchFamily="34" charset="0"/>
-                <a:ea typeface="Calibri" panose="020F0502020204030204" pitchFamily="34" charset="0"/>
-                <a:cs typeface="Times New Roman" panose="02020603050405020304" pitchFamily="18" charset="0"/>
+              <a:t>Requirements</a:t>
+            </a:r>
+            <a:r>
+              <a:rPr lang="es-ES" sz="2400" b="0" strike="noStrike" spc="-1" dirty="0">
+                <a:solidFill>
+                  <a:srgbClr val="000000"/>
+                </a:solidFill>
+                <a:latin typeface="Calibri"/>
+                <a:ea typeface="Calibri"/>
+              </a:rPr>
+              <a:t> </a:t>
+            </a:r>
+            <a:r>
+              <a:rPr lang="es-ES" sz="2400" b="0" strike="noStrike" spc="-1" dirty="0" err="1">
+                <a:solidFill>
+                  <a:srgbClr val="000000"/>
+                </a:solidFill>
+                <a:latin typeface="Calibri"/>
+                <a:ea typeface="Calibri"/>
+              </a:rPr>
+              <a:t>specification</a:t>
+            </a:r>
+            <a:r>
+              <a:rPr lang="es-ES" sz="2400" b="0" strike="noStrike" spc="-1" dirty="0">
+                <a:solidFill>
+                  <a:srgbClr val="000000"/>
+                </a:solidFill>
+                <a:latin typeface="Calibri"/>
+                <a:ea typeface="Calibri"/>
               </a:rPr>
               <a:t>.</a:t>
             </a:r>
-            <a:endParaRPr lang="en-GB" sz="2400" dirty="0" smtClean="0">
-              <a:latin typeface="Calibri" panose="020F0502020204030204" pitchFamily="34" charset="0"/>
-              <a:ea typeface="Calibri" panose="020F0502020204030204" pitchFamily="34" charset="0"/>
-              <a:cs typeface="Times New Roman" panose="02020603050405020304" pitchFamily="18" charset="0"/>
+            <a:endParaRPr lang="es-ES" sz="2400" b="0" strike="noStrike" spc="-1" dirty="0">
+              <a:latin typeface="Arial"/>
             </a:endParaRPr>
           </a:p>
           <a:p>
-            <a:pPr lvl="0">
+            <a:pPr marL="457200">
               <a:lnSpc>
                 <a:spcPct val="107000"/>
               </a:lnSpc>
-              <a:spcAft>
-                <a:spcPts val="0"/>
-              </a:spcAft>
             </a:pPr>
-            <a:endParaRPr lang="es-ES" sz="2400" dirty="0">
-              <a:latin typeface="Calibri" panose="020F0502020204030204" pitchFamily="34" charset="0"/>
-              <a:ea typeface="Calibri" panose="020F0502020204030204" pitchFamily="34" charset="0"/>
-              <a:cs typeface="Times New Roman" panose="02020603050405020304" pitchFamily="18" charset="0"/>
+            <a:endParaRPr lang="es-ES" sz="2400" b="0" strike="noStrike" spc="-1" dirty="0">
+              <a:latin typeface="Arial"/>
             </a:endParaRPr>
           </a:p>
           <a:p>
-            <a:pPr marL="342900" lvl="0" indent="-342900">
+            <a:pPr marL="457200" indent="-380160">
               <a:lnSpc>
                 <a:spcPct val="107000"/>
               </a:lnSpc>
-              <a:spcAft>
-                <a:spcPts val="0"/>
-              </a:spcAft>
-              <a:buFont typeface="Calibri" panose="020F0502020204030204" pitchFamily="34" charset="0"/>
+              <a:buClr>
+                <a:srgbClr val="000000"/>
+              </a:buClr>
+              <a:buFont typeface="Calibri"/>
               <a:buChar char="-"/>
             </a:pPr>
             <a:r>
-              <a:rPr lang="en-GB" sz="2400" dirty="0" smtClean="0">
-                <a:latin typeface="Calibri" panose="020F0502020204030204" pitchFamily="34" charset="0"/>
-                <a:ea typeface="Calibri" panose="020F0502020204030204" pitchFamily="34" charset="0"/>
-                <a:cs typeface="Times New Roman" panose="02020603050405020304" pitchFamily="18" charset="0"/>
+              <a:rPr lang="es-ES" sz="2400" b="0" strike="noStrike" spc="-1" dirty="0" err="1">
+                <a:solidFill>
+                  <a:srgbClr val="000000"/>
+                </a:solidFill>
+                <a:latin typeface="Calibri"/>
+                <a:ea typeface="Calibri"/>
               </a:rPr>
-              <a:t>E </a:t>
-            </a:r>
-            <a:r>
-              <a:rPr lang="en-GB" sz="2400" dirty="0">
-                <a:latin typeface="Calibri" panose="020F0502020204030204" pitchFamily="34" charset="0"/>
-                <a:ea typeface="Calibri" panose="020F0502020204030204" pitchFamily="34" charset="0"/>
-                <a:cs typeface="Times New Roman" panose="02020603050405020304" pitchFamily="18" charset="0"/>
+              <a:t>Screen</a:t>
+            </a:r>
+            <a:r>
+              <a:rPr lang="es-ES" sz="2400" b="0" strike="noStrike" spc="-1" dirty="0">
+                <a:solidFill>
+                  <a:srgbClr val="000000"/>
+                </a:solidFill>
+                <a:latin typeface="Calibri"/>
+                <a:ea typeface="Calibri"/>
               </a:rPr>
-              <a:t>/ R </a:t>
-            </a:r>
-            <a:r>
-              <a:rPr lang="en-GB" sz="2400" dirty="0" smtClean="0">
-                <a:latin typeface="Calibri" panose="020F0502020204030204" pitchFamily="34" charset="0"/>
-                <a:ea typeface="Calibri" panose="020F0502020204030204" pitchFamily="34" charset="0"/>
-                <a:cs typeface="Times New Roman" panose="02020603050405020304" pitchFamily="18" charset="0"/>
+              <a:t> </a:t>
+            </a:r>
+            <a:r>
+              <a:rPr lang="es-ES" sz="2400" b="0" strike="noStrike" spc="-1" dirty="0" err="1">
+                <a:solidFill>
+                  <a:srgbClr val="000000"/>
+                </a:solidFill>
+                <a:latin typeface="Calibri"/>
+                <a:ea typeface="Calibri"/>
               </a:rPr>
-              <a:t>scheme</a:t>
-            </a:r>
-          </a:p>
-          <a:p>
-            <a:pPr lvl="0">
+              <a:t>map</a:t>
+            </a:r>
+            <a:endParaRPr lang="es-ES" sz="2400" b="0" strike="noStrike" spc="-1" dirty="0">
+              <a:latin typeface="Arial"/>
+            </a:endParaRPr>
+          </a:p>
+          <a:p>
+            <a:pPr>
               <a:lnSpc>
                 <a:spcPct val="107000"/>
               </a:lnSpc>
-              <a:spcAft>
-                <a:spcPts val="0"/>
-              </a:spcAft>
             </a:pPr>
-            <a:endParaRPr lang="es-ES" sz="2400" dirty="0">
-              <a:latin typeface="Calibri" panose="020F0502020204030204" pitchFamily="34" charset="0"/>
-              <a:ea typeface="Calibri" panose="020F0502020204030204" pitchFamily="34" charset="0"/>
-              <a:cs typeface="Times New Roman" panose="02020603050405020304" pitchFamily="18" charset="0"/>
+            <a:endParaRPr lang="es-ES" sz="2400" b="0" strike="noStrike" spc="-1" dirty="0">
+              <a:latin typeface="Arial"/>
             </a:endParaRPr>
           </a:p>
           <a:p>
-            <a:pPr marL="342900" lvl="0" indent="-342900">
+            <a:pPr marL="343080" indent="-342360">
               <a:lnSpc>
                 <a:spcPct val="107000"/>
               </a:lnSpc>
-              <a:spcAft>
-                <a:spcPts val="0"/>
-              </a:spcAft>
-              <a:buFont typeface="Calibri" panose="020F0502020204030204" pitchFamily="34" charset="0"/>
+              <a:buClr>
+                <a:srgbClr val="000000"/>
+              </a:buClr>
+              <a:buFont typeface="Calibri"/>
               <a:buChar char="-"/>
             </a:pPr>
             <a:r>
-              <a:rPr lang="en-US" sz="2400" dirty="0" smtClean="0">
-                <a:latin typeface="Calibri" panose="020F0502020204030204" pitchFamily="34" charset="0"/>
-                <a:ea typeface="Calibri" panose="020F0502020204030204" pitchFamily="34" charset="0"/>
-                <a:cs typeface="Times New Roman" panose="02020603050405020304" pitchFamily="18" charset="0"/>
+              <a:rPr lang="es-ES" sz="2400" b="0" strike="noStrike" spc="-1" dirty="0">
+                <a:solidFill>
+                  <a:srgbClr val="000000"/>
+                </a:solidFill>
+                <a:latin typeface="Calibri"/>
+                <a:ea typeface="Calibri"/>
               </a:rPr>
-              <a:t>Logical </a:t>
-            </a:r>
-            <a:r>
-              <a:rPr lang="en-US" sz="2400" dirty="0">
-                <a:latin typeface="Calibri" panose="020F0502020204030204" pitchFamily="34" charset="0"/>
-                <a:ea typeface="Calibri" panose="020F0502020204030204" pitchFamily="34" charset="0"/>
-                <a:cs typeface="Times New Roman" panose="02020603050405020304" pitchFamily="18" charset="0"/>
+              <a:t>E / R </a:t>
+            </a:r>
+            <a:r>
+              <a:rPr lang="es-ES" sz="2400" b="0" strike="noStrike" spc="-1" dirty="0" err="1">
+                <a:solidFill>
+                  <a:srgbClr val="000000"/>
+                </a:solidFill>
+                <a:latin typeface="Calibri"/>
+                <a:ea typeface="Calibri"/>
               </a:rPr>
-              <a:t>model of the database</a:t>
-            </a:r>
-            <a:r>
-              <a:rPr lang="en-US" sz="2400" dirty="0" smtClean="0">
-                <a:latin typeface="Calibri" panose="020F0502020204030204" pitchFamily="34" charset="0"/>
-                <a:ea typeface="Calibri" panose="020F0502020204030204" pitchFamily="34" charset="0"/>
-                <a:cs typeface="Times New Roman" panose="02020603050405020304" pitchFamily="18" charset="0"/>
-              </a:rPr>
-              <a:t>.</a:t>
-            </a:r>
-          </a:p>
-          <a:p>
-            <a:pPr lvl="0">
+              <a:t>scheme</a:t>
+            </a:r>
+            <a:endParaRPr lang="es-ES" sz="2400" b="0" strike="noStrike" spc="-1" dirty="0">
+              <a:latin typeface="Arial"/>
+            </a:endParaRPr>
+          </a:p>
+          <a:p>
+            <a:pPr>
               <a:lnSpc>
                 <a:spcPct val="107000"/>
               </a:lnSpc>
-              <a:spcAft>
-                <a:spcPts val="0"/>
-              </a:spcAft>
             </a:pPr>
-            <a:endParaRPr lang="es-ES" sz="2400" dirty="0">
-              <a:latin typeface="Calibri" panose="020F0502020204030204" pitchFamily="34" charset="0"/>
-              <a:ea typeface="Calibri" panose="020F0502020204030204" pitchFamily="34" charset="0"/>
-              <a:cs typeface="Times New Roman" panose="02020603050405020304" pitchFamily="18" charset="0"/>
+            <a:endParaRPr lang="es-ES" sz="2400" b="0" strike="noStrike" spc="-1" dirty="0">
+              <a:latin typeface="Arial"/>
             </a:endParaRPr>
           </a:p>
           <a:p>
-            <a:pPr marL="342900" lvl="0" indent="-342900">
+            <a:pPr marL="343080" indent="-342360">
               <a:lnSpc>
                 <a:spcPct val="107000"/>
               </a:lnSpc>
-              <a:spcAft>
-                <a:spcPts val="0"/>
-              </a:spcAft>
-              <a:buFont typeface="Calibri" panose="020F0502020204030204" pitchFamily="34" charset="0"/>
+              <a:buClr>
+                <a:srgbClr val="000000"/>
+              </a:buClr>
+              <a:buFont typeface="Calibri"/>
               <a:buChar char="-"/>
             </a:pPr>
             <a:r>
-              <a:rPr lang="en-GB" sz="2400" dirty="0" smtClean="0">
-                <a:latin typeface="Calibri" panose="020F0502020204030204" pitchFamily="34" charset="0"/>
-                <a:ea typeface="Calibri" panose="020F0502020204030204" pitchFamily="34" charset="0"/>
-                <a:cs typeface="Times New Roman" panose="02020603050405020304" pitchFamily="18" charset="0"/>
+              <a:rPr lang="es-ES" sz="2400" b="0" strike="noStrike" spc="-1" dirty="0" err="1">
+                <a:solidFill>
+                  <a:srgbClr val="000000"/>
+                </a:solidFill>
+                <a:latin typeface="Calibri"/>
+                <a:ea typeface="Calibri"/>
               </a:rPr>
-              <a:t>Diagram </a:t>
-            </a:r>
-            <a:r>
-              <a:rPr lang="en-GB" sz="2400" dirty="0">
-                <a:latin typeface="Calibri" panose="020F0502020204030204" pitchFamily="34" charset="0"/>
-                <a:ea typeface="Calibri" panose="020F0502020204030204" pitchFamily="34" charset="0"/>
-                <a:cs typeface="Times New Roman" panose="02020603050405020304" pitchFamily="18" charset="0"/>
+              <a:t>Logical</a:t>
+            </a:r>
+            <a:r>
+              <a:rPr lang="es-ES" sz="2400" b="0" strike="noStrike" spc="-1" dirty="0">
+                <a:solidFill>
+                  <a:srgbClr val="000000"/>
+                </a:solidFill>
+                <a:latin typeface="Calibri"/>
+                <a:ea typeface="Calibri"/>
               </a:rPr>
-              <a:t>of the </a:t>
-            </a:r>
-            <a:r>
-              <a:rPr lang="en-GB" sz="2400" dirty="0" smtClean="0">
-                <a:latin typeface="Calibri" panose="020F0502020204030204" pitchFamily="34" charset="0"/>
-                <a:ea typeface="Calibri" panose="020F0502020204030204" pitchFamily="34" charset="0"/>
-                <a:cs typeface="Times New Roman" panose="02020603050405020304" pitchFamily="18" charset="0"/>
+              <a:t> </a:t>
+            </a:r>
+            <a:r>
+              <a:rPr lang="es-ES" sz="2400" b="0" strike="noStrike" spc="-1" dirty="0" err="1">
+                <a:solidFill>
+                  <a:srgbClr val="000000"/>
+                </a:solidFill>
+                <a:latin typeface="Calibri"/>
+                <a:ea typeface="Calibri"/>
               </a:rPr>
-              <a:t>database.</a:t>
-            </a:r>
-          </a:p>
-          <a:p>
-            <a:pPr lvl="0">
+              <a:t>model</a:t>
+            </a:r>
+            <a:r>
+              <a:rPr lang="es-ES" sz="2400" b="0" strike="noStrike" spc="-1" dirty="0">
+                <a:solidFill>
+                  <a:srgbClr val="000000"/>
+                </a:solidFill>
+                <a:latin typeface="Calibri"/>
+                <a:ea typeface="Calibri"/>
+              </a:rPr>
+              <a:t> of </a:t>
+            </a:r>
+            <a:r>
+              <a:rPr lang="es-ES" sz="2400" b="0" strike="noStrike" spc="-1" dirty="0" err="1">
+                <a:solidFill>
+                  <a:srgbClr val="000000"/>
+                </a:solidFill>
+                <a:latin typeface="Calibri"/>
+                <a:ea typeface="Calibri"/>
+              </a:rPr>
+              <a:t>the</a:t>
+            </a:r>
+            <a:r>
+              <a:rPr lang="es-ES" sz="2400" b="0" strike="noStrike" spc="-1" dirty="0">
+                <a:solidFill>
+                  <a:srgbClr val="000000"/>
+                </a:solidFill>
+                <a:latin typeface="Calibri"/>
+                <a:ea typeface="Calibri"/>
+              </a:rPr>
+              <a:t> </a:t>
+            </a:r>
+            <a:r>
+              <a:rPr lang="es-ES" sz="2400" b="0" strike="noStrike" spc="-1" dirty="0" err="1">
+                <a:solidFill>
+                  <a:srgbClr val="000000"/>
+                </a:solidFill>
+                <a:latin typeface="Calibri"/>
+                <a:ea typeface="Calibri"/>
+              </a:rPr>
+              <a:t>database</a:t>
+            </a:r>
+            <a:r>
+              <a:rPr lang="es-ES" sz="2400" b="0" strike="noStrike" spc="-1" dirty="0">
+                <a:solidFill>
+                  <a:srgbClr val="000000"/>
+                </a:solidFill>
+                <a:latin typeface="Calibri"/>
+                <a:ea typeface="Calibri"/>
+              </a:rPr>
+              <a:t>.</a:t>
+            </a:r>
+            <a:endParaRPr lang="es-ES" sz="2400" b="0" strike="noStrike" spc="-1" dirty="0">
+              <a:latin typeface="Arial"/>
+            </a:endParaRPr>
+          </a:p>
+          <a:p>
+            <a:pPr>
               <a:lnSpc>
                 <a:spcPct val="107000"/>
               </a:lnSpc>
-              <a:spcAft>
-                <a:spcPts val="0"/>
-              </a:spcAft>
             </a:pPr>
-            <a:endParaRPr lang="en-GB" sz="2400" dirty="0" smtClean="0">
-              <a:latin typeface="Calibri" panose="020F0502020204030204" pitchFamily="34" charset="0"/>
-              <a:ea typeface="Calibri" panose="020F0502020204030204" pitchFamily="34" charset="0"/>
-              <a:cs typeface="Times New Roman" panose="02020603050405020304" pitchFamily="18" charset="0"/>
+            <a:endParaRPr lang="es-ES" sz="2400" b="0" strike="noStrike" spc="-1" dirty="0">
+              <a:latin typeface="Arial"/>
             </a:endParaRPr>
           </a:p>
           <a:p>
-            <a:pPr marL="342900" lvl="0" indent="-342900">
+            <a:pPr marL="343080" indent="-342360">
               <a:lnSpc>
                 <a:spcPct val="107000"/>
               </a:lnSpc>
-              <a:spcAft>
-                <a:spcPts val="0"/>
-              </a:spcAft>
-              <a:buFont typeface="Calibri" panose="020F0502020204030204" pitchFamily="34" charset="0"/>
+              <a:buClr>
+                <a:srgbClr val="000000"/>
+              </a:buClr>
+              <a:buFont typeface="Calibri"/>
               <a:buChar char="-"/>
             </a:pPr>
             <a:r>
-              <a:rPr lang="es-ES" sz="2400" dirty="0" err="1">
-                <a:latin typeface="Calibri" panose="020F0502020204030204" pitchFamily="34" charset="0"/>
-                <a:ea typeface="Calibri" panose="020F0502020204030204" pitchFamily="34" charset="0"/>
-                <a:cs typeface="Times New Roman" panose="02020603050405020304" pitchFamily="18" charset="0"/>
+              <a:rPr lang="es-ES" sz="2400" b="0" strike="noStrike" spc="-1" dirty="0" err="1">
+                <a:solidFill>
+                  <a:srgbClr val="000000"/>
+                </a:solidFill>
+                <a:latin typeface="Calibri"/>
+                <a:ea typeface="Calibri"/>
               </a:rPr>
-              <a:t>Screen</a:t>
-            </a:r>
-            <a:r>
-              <a:rPr lang="es-ES" sz="2400" dirty="0">
-                <a:latin typeface="Calibri" panose="020F0502020204030204" pitchFamily="34" charset="0"/>
-                <a:ea typeface="Calibri" panose="020F0502020204030204" pitchFamily="34" charset="0"/>
-                <a:cs typeface="Times New Roman" panose="02020603050405020304" pitchFamily="18" charset="0"/>
+              <a:t>Summary</a:t>
+            </a:r>
+            <a:r>
+              <a:rPr lang="es-ES" sz="2400" b="0" strike="noStrike" spc="-1" dirty="0">
+                <a:solidFill>
+                  <a:srgbClr val="000000"/>
+                </a:solidFill>
+                <a:latin typeface="Calibri"/>
+                <a:ea typeface="Calibri"/>
               </a:rPr>
               <a:t> </a:t>
             </a:r>
             <a:r>
-              <a:rPr lang="es-ES" sz="2400" dirty="0" err="1" smtClean="0">
-                <a:latin typeface="Calibri" panose="020F0502020204030204" pitchFamily="34" charset="0"/>
-                <a:ea typeface="Calibri" panose="020F0502020204030204" pitchFamily="34" charset="0"/>
-                <a:cs typeface="Times New Roman" panose="02020603050405020304" pitchFamily="18" charset="0"/>
+              <a:rPr lang="es-ES" sz="2400" b="0" strike="noStrike" spc="-1" dirty="0" err="1">
+                <a:solidFill>
+                  <a:srgbClr val="000000"/>
+                </a:solidFill>
+                <a:latin typeface="Calibri"/>
+                <a:ea typeface="Calibri"/>
               </a:rPr>
-              <a:t>map</a:t>
-            </a:r>
-            <a:endParaRPr lang="es-ES" sz="2400" dirty="0" smtClean="0">
-              <a:latin typeface="Calibri" panose="020F0502020204030204" pitchFamily="34" charset="0"/>
-              <a:ea typeface="Calibri" panose="020F0502020204030204" pitchFamily="34" charset="0"/>
-              <a:cs typeface="Times New Roman" panose="02020603050405020304" pitchFamily="18" charset="0"/>
+              <a:t>table</a:t>
+            </a:r>
+            <a:endParaRPr lang="es-ES" sz="2400" b="0" strike="noStrike" spc="-1" dirty="0">
+              <a:latin typeface="Arial"/>
             </a:endParaRPr>
           </a:p>
           <a:p>
-            <a:pPr lvl="0">
+            <a:pPr>
               <a:lnSpc>
                 <a:spcPct val="107000"/>
               </a:lnSpc>
-              <a:spcAft>
-                <a:spcPts val="0"/>
-              </a:spcAft>
             </a:pPr>
-            <a:endParaRPr lang="es-ES" sz="2400" dirty="0" smtClean="0">
-              <a:latin typeface="Calibri" panose="020F0502020204030204" pitchFamily="34" charset="0"/>
-              <a:ea typeface="Calibri" panose="020F0502020204030204" pitchFamily="34" charset="0"/>
-              <a:cs typeface="Times New Roman" panose="02020603050405020304" pitchFamily="18" charset="0"/>
+            <a:endParaRPr lang="es-ES" sz="2400" b="0" strike="noStrike" spc="-1" dirty="0">
+              <a:latin typeface="Arial"/>
             </a:endParaRPr>
           </a:p>
           <a:p>
-            <a:pPr marL="342900" lvl="0" indent="-342900">
+            <a:pPr marL="343080" indent="-342360">
               <a:lnSpc>
                 <a:spcPct val="107000"/>
               </a:lnSpc>
-              <a:spcAft>
-                <a:spcPts val="0"/>
-              </a:spcAft>
-              <a:buFont typeface="Calibri" panose="020F0502020204030204" pitchFamily="34" charset="0"/>
+              <a:buClr>
+                <a:srgbClr val="000000"/>
+              </a:buClr>
+              <a:buFont typeface="Calibri"/>
               <a:buChar char="-"/>
             </a:pPr>
             <a:r>
-              <a:rPr lang="es-ES" sz="2400" dirty="0" err="1">
-                <a:latin typeface="Calibri" panose="020F0502020204030204" pitchFamily="34" charset="0"/>
-                <a:ea typeface="Calibri" panose="020F0502020204030204" pitchFamily="34" charset="0"/>
-                <a:cs typeface="Times New Roman" panose="02020603050405020304" pitchFamily="18" charset="0"/>
+              <a:rPr lang="es-ES" sz="2400" b="0" strike="noStrike" spc="-1" dirty="0">
+                <a:solidFill>
+                  <a:srgbClr val="000000"/>
+                </a:solidFill>
+                <a:latin typeface="Calibri"/>
+                <a:ea typeface="Calibri"/>
               </a:rPr>
-              <a:t>Summary</a:t>
-            </a:r>
-            <a:r>
-              <a:rPr lang="es-ES" sz="2400" dirty="0">
-                <a:latin typeface="Calibri" panose="020F0502020204030204" pitchFamily="34" charset="0"/>
-                <a:ea typeface="Calibri" panose="020F0502020204030204" pitchFamily="34" charset="0"/>
-                <a:cs typeface="Times New Roman" panose="02020603050405020304" pitchFamily="18" charset="0"/>
+              <a:t>A </a:t>
+            </a:r>
+            <a:r>
+              <a:rPr lang="es-ES" sz="2400" b="0" strike="noStrike" spc="-1" dirty="0" err="1">
+                <a:solidFill>
+                  <a:srgbClr val="000000"/>
+                </a:solidFill>
+                <a:latin typeface="Calibri"/>
+                <a:ea typeface="Calibri"/>
+              </a:rPr>
+              <a:t>description</a:t>
+            </a:r>
+            <a:r>
+              <a:rPr lang="es-ES" sz="2400" b="0" strike="noStrike" spc="-1" dirty="0">
+                <a:solidFill>
+                  <a:srgbClr val="000000"/>
+                </a:solidFill>
+                <a:latin typeface="Calibri"/>
+                <a:ea typeface="Calibri"/>
+              </a:rPr>
+              <a:t> of </a:t>
+            </a:r>
+            <a:r>
+              <a:rPr lang="es-ES" sz="2400" b="0" strike="noStrike" spc="-1" dirty="0" err="1">
+                <a:solidFill>
+                  <a:srgbClr val="000000"/>
+                </a:solidFill>
+                <a:latin typeface="Calibri"/>
+                <a:ea typeface="Calibri"/>
+              </a:rPr>
+              <a:t>the</a:t>
+            </a:r>
+            <a:r>
+              <a:rPr lang="es-ES" sz="2400" b="0" strike="noStrike" spc="-1" dirty="0">
+                <a:solidFill>
+                  <a:srgbClr val="000000"/>
+                </a:solidFill>
+                <a:latin typeface="Calibri"/>
+                <a:ea typeface="Calibri"/>
+              </a:rPr>
+              <a:t> data </a:t>
+            </a:r>
+            <a:r>
+              <a:rPr lang="es-ES" sz="2400" b="0" strike="noStrike" spc="-1" dirty="0" err="1">
+                <a:solidFill>
+                  <a:srgbClr val="000000"/>
+                </a:solidFill>
+                <a:latin typeface="Calibri"/>
+                <a:ea typeface="Calibri"/>
+              </a:rPr>
+              <a:t>loaded</a:t>
+            </a:r>
+            <a:r>
+              <a:rPr lang="es-ES" sz="2400" b="0" strike="noStrike" spc="-1" dirty="0">
+                <a:solidFill>
+                  <a:srgbClr val="000000"/>
+                </a:solidFill>
+                <a:latin typeface="Calibri"/>
+                <a:ea typeface="Calibri"/>
               </a:rPr>
               <a:t> </a:t>
             </a:r>
             <a:r>
-              <a:rPr lang="es-ES" sz="2400" dirty="0" err="1" smtClean="0">
-                <a:latin typeface="Calibri" panose="020F0502020204030204" pitchFamily="34" charset="0"/>
-                <a:ea typeface="Calibri" panose="020F0502020204030204" pitchFamily="34" charset="0"/>
-                <a:cs typeface="Times New Roman" panose="02020603050405020304" pitchFamily="18" charset="0"/>
+              <a:rPr lang="es-ES" sz="2400" b="0" strike="noStrike" spc="-1" dirty="0" err="1">
+                <a:solidFill>
+                  <a:srgbClr val="000000"/>
+                </a:solidFill>
+                <a:latin typeface="Calibri"/>
+                <a:ea typeface="Calibri"/>
               </a:rPr>
-              <a:t>table</a:t>
-            </a:r>
-            <a:endParaRPr lang="es-ES" sz="2400" dirty="0" smtClean="0">
-              <a:latin typeface="Calibri" panose="020F0502020204030204" pitchFamily="34" charset="0"/>
-              <a:ea typeface="Calibri" panose="020F0502020204030204" pitchFamily="34" charset="0"/>
-              <a:cs typeface="Times New Roman" panose="02020603050405020304" pitchFamily="18" charset="0"/>
-            </a:endParaRPr>
-          </a:p>
-          <a:p>
-            <a:pPr lvl="0">
-              <a:lnSpc>
-                <a:spcPct val="107000"/>
-              </a:lnSpc>
-              <a:spcAft>
-                <a:spcPts val="0"/>
-              </a:spcAft>
-            </a:pPr>
-            <a:endParaRPr lang="es-ES" sz="2400" dirty="0">
-              <a:latin typeface="Calibri" panose="020F0502020204030204" pitchFamily="34" charset="0"/>
-              <a:ea typeface="Calibri" panose="020F0502020204030204" pitchFamily="34" charset="0"/>
-              <a:cs typeface="Times New Roman" panose="02020603050405020304" pitchFamily="18" charset="0"/>
-            </a:endParaRPr>
-          </a:p>
-          <a:p>
-            <a:pPr marL="342900" lvl="0" indent="-342900">
-              <a:lnSpc>
-                <a:spcPct val="107000"/>
-              </a:lnSpc>
-              <a:spcAft>
-                <a:spcPts val="800"/>
-              </a:spcAft>
-              <a:buFont typeface="Calibri" panose="020F0502020204030204" pitchFamily="34" charset="0"/>
-              <a:buChar char="-"/>
-            </a:pPr>
-            <a:r>
-              <a:rPr lang="en-US" sz="2400" dirty="0" smtClean="0">
-                <a:latin typeface="Calibri" panose="020F0502020204030204" pitchFamily="34" charset="0"/>
-                <a:ea typeface="Calibri" panose="020F0502020204030204" pitchFamily="34" charset="0"/>
-                <a:cs typeface="Times New Roman" panose="02020603050405020304" pitchFamily="18" charset="0"/>
+              <a:t>into</a:t>
+            </a:r>
+            <a:r>
+              <a:rPr lang="es-ES" sz="2400" b="0" strike="noStrike" spc="-1" dirty="0">
+                <a:solidFill>
+                  <a:srgbClr val="000000"/>
+                </a:solidFill>
+                <a:latin typeface="Calibri"/>
+                <a:ea typeface="Calibri"/>
               </a:rPr>
-              <a:t>A description </a:t>
-            </a:r>
-            <a:r>
-              <a:rPr lang="en-US" sz="2400" dirty="0">
-                <a:latin typeface="Calibri" panose="020F0502020204030204" pitchFamily="34" charset="0"/>
-                <a:ea typeface="Calibri" panose="020F0502020204030204" pitchFamily="34" charset="0"/>
-                <a:cs typeface="Times New Roman" panose="02020603050405020304" pitchFamily="18" charset="0"/>
+              <a:t> </a:t>
+            </a:r>
+            <a:r>
+              <a:rPr lang="es-ES" sz="2400" b="0" strike="noStrike" spc="-1" dirty="0" err="1">
+                <a:solidFill>
+                  <a:srgbClr val="000000"/>
+                </a:solidFill>
+                <a:latin typeface="Calibri"/>
+                <a:ea typeface="Calibri"/>
               </a:rPr>
-              <a:t>of the data loaded into the database</a:t>
-            </a:r>
-            <a:endParaRPr lang="es-ES" sz="2400" dirty="0">
-              <a:effectLst/>
-              <a:latin typeface="Calibri" panose="020F0502020204030204" pitchFamily="34" charset="0"/>
-              <a:ea typeface="Calibri" panose="020F0502020204030204" pitchFamily="34" charset="0"/>
-              <a:cs typeface="Times New Roman" panose="02020603050405020304" pitchFamily="18" charset="0"/>
+              <a:t>the</a:t>
+            </a:r>
+            <a:r>
+              <a:rPr lang="es-ES" sz="2400" b="0" strike="noStrike" spc="-1" dirty="0">
+                <a:solidFill>
+                  <a:srgbClr val="000000"/>
+                </a:solidFill>
+                <a:latin typeface="Calibri"/>
+                <a:ea typeface="Calibri"/>
+              </a:rPr>
+              <a:t> </a:t>
+            </a:r>
+            <a:r>
+              <a:rPr lang="es-ES" sz="2400" b="0" strike="noStrike" spc="-1" dirty="0" err="1">
+                <a:solidFill>
+                  <a:srgbClr val="000000"/>
+                </a:solidFill>
+                <a:latin typeface="Calibri"/>
+                <a:ea typeface="Calibri"/>
+              </a:rPr>
+              <a:t>database</a:t>
+            </a:r>
+            <a:endParaRPr lang="es-ES" sz="2400" b="0" strike="noStrike" spc="-1" dirty="0">
+              <a:latin typeface="Arial"/>
             </a:endParaRPr>
           </a:p>
         </p:txBody>
       </p:sp>
       <p:pic>
         <p:nvPicPr>
-          <p:cNvPr id="2" name="Imagen 1"/>
-          <p:cNvPicPr>
-            <a:picLocks noChangeAspect="1"/>
-          </p:cNvPicPr>
+          <p:cNvPr id="8" name="Google Shape;86;p13"/>
+          <p:cNvPicPr/>
           <p:nvPr/>
         </p:nvPicPr>
         <p:blipFill>
-          <a:blip r:embed="rId2" cstate="print">
-            <a:extLst>
-              <a:ext uri="{28A0092B-C50C-407E-A947-70E740481C1C}">
-                <a14:useLocalDpi xmlns:a14="http://schemas.microsoft.com/office/drawing/2010/main" val="0"/>
-              </a:ext>
-            </a:extLst>
-          </a:blip>
-          <a:stretch>
-            <a:fillRect/>
-          </a:stretch>
+          <a:blip r:embed="rId2"/>
+          <a:stretch/>
         </p:blipFill>
         <p:spPr>
           <a:xfrm>
-            <a:off x="1900790" y="2814052"/>
-            <a:ext cx="2290063" cy="1940828"/>
+            <a:off x="1900800" y="2814120"/>
+            <a:ext cx="2289240" cy="1940040"/>
           </a:xfrm>
           <a:prstGeom prst="rect">
             <a:avLst/>
           </a:prstGeom>
+          <a:ln>
+            <a:noFill/>
+          </a:ln>
         </p:spPr>
       </p:pic>
     </p:spTree>
     <p:extLst>
       <p:ext uri="{BB962C8B-B14F-4D97-AF65-F5344CB8AC3E}">
         <p14:creationId xmlns:p14="http://schemas.microsoft.com/office/powerpoint/2010/main" val="3336135692"/>
+      </p:ext>
+    </p:extLst>
+  </p:cSld>
+  <p:clrMapOvr>
+    <a:masterClrMapping/>
+  </p:clrMapOvr>
+  <p:timing>
+    <p:tnLst>
+      <p:par>
+        <p:cTn id="1" dur="indefinite" restart="never" nodeType="tmRoot"/>
+      </p:par>
+    </p:tnLst>
+  </p:timing>
+</p:sld>
+</file>
+
+<file path=ppt/slides/slide10.xml><?xml version="1.0" encoding="utf-8"?>
+<p:sld xmlns:a="http://schemas.openxmlformats.org/drawingml/2006/main" xmlns:r="http://schemas.openxmlformats.org/officeDocument/2006/relationships" xmlns:p="http://schemas.openxmlformats.org/presentationml/2006/main">
+  <p:cSld>
+    <p:bg>
+      <p:bgPr>
+        <a:gradFill flip="none" rotWithShape="1">
+          <a:gsLst>
+            <a:gs pos="0">
+              <a:schemeClr val="tx2">
+                <a:lumMod val="75000"/>
+              </a:schemeClr>
+            </a:gs>
+            <a:gs pos="50000">
+              <a:schemeClr val="tx2">
+                <a:lumMod val="75000"/>
+              </a:schemeClr>
+            </a:gs>
+            <a:gs pos="50000">
+              <a:srgbClr val="E8E8E8"/>
+            </a:gs>
+          </a:gsLst>
+          <a:lin ang="0" scaled="1"/>
+          <a:tileRect/>
+        </a:gradFill>
+        <a:effectLst/>
+      </p:bgPr>
+    </p:bg>
+    <p:spTree>
+      <p:nvGrpSpPr>
+        <p:cNvPr id="1" name=""/>
+        <p:cNvGrpSpPr/>
+        <p:nvPr/>
+      </p:nvGrpSpPr>
+      <p:grpSpPr>
+        <a:xfrm>
+          <a:off x="0" y="0"/>
+          <a:ext cx="0" cy="0"/>
+          <a:chOff x="0" y="0"/>
+          <a:chExt cx="0" cy="0"/>
+        </a:xfrm>
+      </p:grpSpPr>
+      <p:sp>
+        <p:nvSpPr>
+          <p:cNvPr id="2" name="CustomShape 1"/>
+          <p:cNvSpPr/>
+          <p:nvPr/>
+        </p:nvSpPr>
+        <p:spPr>
+          <a:xfrm>
+            <a:off x="0" y="132840"/>
+            <a:ext cx="6090840" cy="1445760"/>
+          </a:xfrm>
+          <a:prstGeom prst="rect">
+            <a:avLst/>
+          </a:prstGeom>
+          <a:noFill/>
+          <a:ln>
+            <a:noFill/>
+          </a:ln>
+        </p:spPr>
+        <p:style>
+          <a:lnRef idx="0">
+            <a:scrgbClr r="0" g="0" b="0"/>
+          </a:lnRef>
+          <a:fillRef idx="0">
+            <a:scrgbClr r="0" g="0" b="0"/>
+          </a:fillRef>
+          <a:effectRef idx="0">
+            <a:scrgbClr r="0" g="0" b="0"/>
+          </a:effectRef>
+          <a:fontRef idx="minor"/>
+        </p:style>
+        <p:txBody>
+          <a:bodyPr lIns="90000" tIns="45000" rIns="90000" bIns="45000">
+            <a:noAutofit/>
+          </a:bodyPr>
+          <a:lstStyle/>
+          <a:p>
+            <a:pPr algn="ctr">
+              <a:lnSpc>
+                <a:spcPct val="100000"/>
+              </a:lnSpc>
+            </a:pPr>
+            <a:r>
+              <a:rPr lang="es-ES" sz="6000" b="0" strike="noStrike" spc="-1">
+                <a:solidFill>
+                  <a:srgbClr val="E8E8E8"/>
+                </a:solidFill>
+                <a:latin typeface="Calibri"/>
+                <a:ea typeface="Calibri"/>
+              </a:rPr>
+              <a:t>Message Table</a:t>
+            </a:r>
+            <a:endParaRPr lang="es-ES" sz="6000" b="0" strike="noStrike" spc="-1">
+              <a:latin typeface="Arial"/>
+            </a:endParaRPr>
+          </a:p>
+        </p:txBody>
+      </p:sp>
+      <p:pic>
+        <p:nvPicPr>
+          <p:cNvPr id="3" name="Google Shape;146;p23"/>
+          <p:cNvPicPr/>
+          <p:nvPr/>
+        </p:nvPicPr>
+        <p:blipFill>
+          <a:blip r:embed="rId2"/>
+          <a:stretch/>
+        </p:blipFill>
+        <p:spPr>
+          <a:xfrm>
+            <a:off x="2440914" y="1345518"/>
+            <a:ext cx="7299851" cy="5345900"/>
+          </a:xfrm>
+          <a:prstGeom prst="rect">
+            <a:avLst/>
+          </a:prstGeom>
+          <a:ln>
+            <a:noFill/>
+          </a:ln>
+        </p:spPr>
+      </p:pic>
+    </p:spTree>
+    <p:extLst>
+      <p:ext uri="{BB962C8B-B14F-4D97-AF65-F5344CB8AC3E}">
+        <p14:creationId xmlns:p14="http://schemas.microsoft.com/office/powerpoint/2010/main" val="3771867586"/>
+      </p:ext>
+    </p:extLst>
+  </p:cSld>
+  <p:clrMapOvr>
+    <a:masterClrMapping/>
+  </p:clrMapOvr>
+  <p:timing>
+    <p:tnLst>
+      <p:par>
+        <p:cTn id="1" dur="indefinite" restart="never" nodeType="tmRoot"/>
+      </p:par>
+    </p:tnLst>
+  </p:timing>
+</p:sld>
+</file>
+
+<file path=ppt/slides/slide11.xml><?xml version="1.0" encoding="utf-8"?>
+<p:sld xmlns:a="http://schemas.openxmlformats.org/drawingml/2006/main" xmlns:r="http://schemas.openxmlformats.org/officeDocument/2006/relationships" xmlns:p="http://schemas.openxmlformats.org/presentationml/2006/main">
+  <p:cSld>
+    <p:bg>
+      <p:bgPr>
+        <a:gradFill flip="none" rotWithShape="1">
+          <a:gsLst>
+            <a:gs pos="0">
+              <a:schemeClr val="tx2">
+                <a:lumMod val="75000"/>
+              </a:schemeClr>
+            </a:gs>
+            <a:gs pos="50000">
+              <a:schemeClr val="tx2">
+                <a:lumMod val="75000"/>
+              </a:schemeClr>
+            </a:gs>
+            <a:gs pos="50000">
+              <a:srgbClr val="E8E8E8"/>
+            </a:gs>
+          </a:gsLst>
+          <a:lin ang="0" scaled="1"/>
+          <a:tileRect/>
+        </a:gradFill>
+        <a:effectLst/>
+      </p:bgPr>
+    </p:bg>
+    <p:spTree>
+      <p:nvGrpSpPr>
+        <p:cNvPr id="1" name=""/>
+        <p:cNvGrpSpPr/>
+        <p:nvPr/>
+      </p:nvGrpSpPr>
+      <p:grpSpPr>
+        <a:xfrm>
+          <a:off x="0" y="0"/>
+          <a:ext cx="0" cy="0"/>
+          <a:chOff x="0" y="0"/>
+          <a:chExt cx="0" cy="0"/>
+        </a:xfrm>
+      </p:grpSpPr>
+      <p:sp>
+        <p:nvSpPr>
+          <p:cNvPr id="2" name="CustomShape 1"/>
+          <p:cNvSpPr/>
+          <p:nvPr/>
+        </p:nvSpPr>
+        <p:spPr>
+          <a:xfrm>
+            <a:off x="0" y="2303280"/>
+            <a:ext cx="6090840" cy="1322640"/>
+          </a:xfrm>
+          <a:prstGeom prst="rect">
+            <a:avLst/>
+          </a:prstGeom>
+          <a:noFill/>
+          <a:ln>
+            <a:noFill/>
+          </a:ln>
+        </p:spPr>
+        <p:style>
+          <a:lnRef idx="0">
+            <a:scrgbClr r="0" g="0" b="0"/>
+          </a:lnRef>
+          <a:fillRef idx="0">
+            <a:scrgbClr r="0" g="0" b="0"/>
+          </a:fillRef>
+          <a:effectRef idx="0">
+            <a:scrgbClr r="0" g="0" b="0"/>
+          </a:effectRef>
+          <a:fontRef idx="minor"/>
+        </p:style>
+        <p:txBody>
+          <a:bodyPr lIns="90000" tIns="45000" rIns="90000" bIns="45000">
+            <a:noAutofit/>
+          </a:bodyPr>
+          <a:lstStyle/>
+          <a:p>
+            <a:pPr algn="ctr">
+              <a:lnSpc>
+                <a:spcPct val="100000"/>
+              </a:lnSpc>
+            </a:pPr>
+            <a:r>
+              <a:rPr lang="es-ES" sz="8000" b="0" strike="noStrike" spc="-1" dirty="0">
+                <a:solidFill>
+                  <a:srgbClr val="E8E8E8"/>
+                </a:solidFill>
+                <a:latin typeface="Calibri"/>
+                <a:ea typeface="Calibri"/>
+              </a:rPr>
+              <a:t>DEMO</a:t>
+            </a:r>
+            <a:endParaRPr lang="es-ES" sz="8000" b="0" strike="noStrike" spc="-1" dirty="0">
+              <a:latin typeface="Arial"/>
+            </a:endParaRPr>
+          </a:p>
+        </p:txBody>
+      </p:sp>
+      <p:sp>
+        <p:nvSpPr>
+          <p:cNvPr id="3" name="CustomShape 2"/>
+          <p:cNvSpPr/>
+          <p:nvPr/>
+        </p:nvSpPr>
+        <p:spPr>
+          <a:xfrm>
+            <a:off x="6091560" y="2303640"/>
+            <a:ext cx="6090840" cy="1322640"/>
+          </a:xfrm>
+          <a:prstGeom prst="rect">
+            <a:avLst/>
+          </a:prstGeom>
+          <a:noFill/>
+          <a:ln>
+            <a:noFill/>
+          </a:ln>
+        </p:spPr>
+        <p:style>
+          <a:lnRef idx="0">
+            <a:scrgbClr r="0" g="0" b="0"/>
+          </a:lnRef>
+          <a:fillRef idx="0">
+            <a:scrgbClr r="0" g="0" b="0"/>
+          </a:fillRef>
+          <a:effectRef idx="0">
+            <a:scrgbClr r="0" g="0" b="0"/>
+          </a:effectRef>
+          <a:fontRef idx="minor"/>
+        </p:style>
+        <p:txBody>
+          <a:bodyPr lIns="90000" tIns="45000" rIns="90000" bIns="45000">
+            <a:noAutofit/>
+          </a:bodyPr>
+          <a:lstStyle/>
+          <a:p>
+            <a:pPr algn="ctr">
+              <a:lnSpc>
+                <a:spcPct val="100000"/>
+              </a:lnSpc>
+            </a:pPr>
+            <a:r>
+              <a:rPr lang="es-ES" sz="8000" b="0" strike="noStrike" spc="-1">
+                <a:solidFill>
+                  <a:srgbClr val="000000"/>
+                </a:solidFill>
+                <a:latin typeface="Calibri"/>
+                <a:ea typeface="Calibri"/>
+              </a:rPr>
+              <a:t>DANIEL</a:t>
+            </a:r>
+            <a:endParaRPr lang="es-ES" sz="8000" b="0" strike="noStrike" spc="-1">
+              <a:latin typeface="Arial"/>
+            </a:endParaRPr>
+          </a:p>
+        </p:txBody>
+      </p:sp>
+    </p:spTree>
+    <p:extLst>
+      <p:ext uri="{BB962C8B-B14F-4D97-AF65-F5344CB8AC3E}">
+        <p14:creationId xmlns:p14="http://schemas.microsoft.com/office/powerpoint/2010/main" val="366298873"/>
       </p:ext>
     </p:extLst>
   </p:cSld>
@@ -3502,294 +3964,1508 @@
       </p:grpSpPr>
       <p:sp>
         <p:nvSpPr>
-          <p:cNvPr id="4" name="CuadroTexto 3"/>
-          <p:cNvSpPr txBox="1"/>
+          <p:cNvPr id="2" name="CustomShape 1"/>
+          <p:cNvSpPr/>
           <p:nvPr/>
         </p:nvSpPr>
         <p:spPr>
           <a:xfrm>
-            <a:off x="0" y="2303417"/>
-            <a:ext cx="6091645" cy="1446550"/>
+            <a:off x="0" y="2303280"/>
+            <a:ext cx="6090840" cy="1445760"/>
           </a:xfrm>
           <a:prstGeom prst="rect">
             <a:avLst/>
           </a:prstGeom>
           <a:noFill/>
+          <a:ln>
+            <a:noFill/>
+          </a:ln>
         </p:spPr>
-        <p:txBody>
-          <a:bodyPr wrap="square" rtlCol="0">
-            <a:spAutoFit/>
+        <p:style>
+          <a:lnRef idx="0">
+            <a:scrgbClr r="0" g="0" b="0"/>
+          </a:lnRef>
+          <a:fillRef idx="0">
+            <a:scrgbClr r="0" g="0" b="0"/>
+          </a:fillRef>
+          <a:effectRef idx="0">
+            <a:scrgbClr r="0" g="0" b="0"/>
+          </a:effectRef>
+          <a:fontRef idx="minor"/>
+        </p:style>
+        <p:txBody>
+          <a:bodyPr lIns="90000" tIns="45000" rIns="90000" bIns="45000">
+            <a:noAutofit/>
           </a:bodyPr>
           <a:lstStyle/>
           <a:p>
-            <a:pPr algn="ctr"/>
-            <a:r>
-              <a:rPr lang="es-ES" sz="8800" dirty="0" smtClean="0">
+            <a:pPr algn="ctr">
+              <a:lnSpc>
+                <a:spcPct val="100000"/>
+              </a:lnSpc>
+            </a:pPr>
+            <a:r>
+              <a:rPr lang="es-ES" sz="6600" b="0" strike="noStrike" spc="-1">
                 <a:solidFill>
                   <a:srgbClr val="E8E8E8"/>
                 </a:solidFill>
+                <a:latin typeface="Calibri"/>
+                <a:ea typeface="Calibri"/>
               </a:rPr>
-              <a:t>Stuxnet</a:t>
-            </a:r>
-            <a:endParaRPr lang="es-ES" dirty="0">
-              <a:solidFill>
-                <a:srgbClr val="E8E8E8"/>
-              </a:solidFill>
+              <a:t>Requirements Specifications</a:t>
+            </a:r>
+            <a:endParaRPr lang="es-ES" sz="6600" b="0" strike="noStrike" spc="-1">
+              <a:latin typeface="Arial"/>
             </a:endParaRPr>
           </a:p>
         </p:txBody>
       </p:sp>
-      <p:sp>
-        <p:nvSpPr>
-          <p:cNvPr id="6" name="Rectángulo 5"/>
-          <p:cNvSpPr/>
+      <p:graphicFrame>
+        <p:nvGraphicFramePr>
+          <p:cNvPr id="3" name="Table 2"/>
+          <p:cNvGraphicFramePr/>
           <p:nvPr/>
-        </p:nvSpPr>
-        <p:spPr>
-          <a:xfrm>
-            <a:off x="6456458" y="772059"/>
-            <a:ext cx="5367131" cy="5212068"/>
-          </a:xfrm>
-          <a:prstGeom prst="rect">
-            <a:avLst/>
-          </a:prstGeom>
-        </p:spPr>
-        <p:txBody>
-          <a:bodyPr wrap="square">
-            <a:spAutoFit/>
-          </a:bodyPr>
-          <a:lstStyle/>
-          <a:p>
-            <a:pPr marL="342900" lvl="0" indent="-342900">
-              <a:lnSpc>
-                <a:spcPct val="107000"/>
-              </a:lnSpc>
-              <a:spcAft>
-                <a:spcPts val="0"/>
-              </a:spcAft>
-              <a:buFont typeface="Calibri" panose="020F0502020204030204" pitchFamily="34" charset="0"/>
-              <a:buChar char="-"/>
-            </a:pPr>
-            <a:r>
-              <a:rPr lang="en-GB" sz="2400" dirty="0" smtClean="0">
-                <a:latin typeface="Calibri" panose="020F0502020204030204" pitchFamily="34" charset="0"/>
-                <a:ea typeface="Calibri" panose="020F0502020204030204" pitchFamily="34" charset="0"/>
-                <a:cs typeface="Times New Roman" panose="02020603050405020304" pitchFamily="18" charset="0"/>
-              </a:rPr>
-              <a:t>Computer </a:t>
-            </a:r>
-            <a:r>
-              <a:rPr lang="en-GB" sz="2400" dirty="0">
-                <a:latin typeface="Calibri" panose="020F0502020204030204" pitchFamily="34" charset="0"/>
-                <a:ea typeface="Calibri" panose="020F0502020204030204" pitchFamily="34" charset="0"/>
-                <a:cs typeface="Times New Roman" panose="02020603050405020304" pitchFamily="18" charset="0"/>
-              </a:rPr>
-              <a:t>worm</a:t>
-            </a:r>
-            <a:r>
-              <a:rPr lang="en-GB" sz="2400" dirty="0" smtClean="0">
-                <a:latin typeface="Calibri" panose="020F0502020204030204" pitchFamily="34" charset="0"/>
-                <a:ea typeface="Calibri" panose="020F0502020204030204" pitchFamily="34" charset="0"/>
-                <a:cs typeface="Times New Roman" panose="02020603050405020304" pitchFamily="18" charset="0"/>
-              </a:rPr>
-              <a:t>.</a:t>
-            </a:r>
-          </a:p>
-          <a:p>
-            <a:pPr lvl="0">
-              <a:lnSpc>
-                <a:spcPct val="107000"/>
-              </a:lnSpc>
-              <a:spcAft>
-                <a:spcPts val="0"/>
-              </a:spcAft>
-            </a:pPr>
-            <a:endParaRPr lang="es-ES" sz="2400" dirty="0">
-              <a:latin typeface="Calibri" panose="020F0502020204030204" pitchFamily="34" charset="0"/>
-              <a:ea typeface="Calibri" panose="020F0502020204030204" pitchFamily="34" charset="0"/>
-              <a:cs typeface="Times New Roman" panose="02020603050405020304" pitchFamily="18" charset="0"/>
-            </a:endParaRPr>
-          </a:p>
-          <a:p>
-            <a:pPr marL="342900" lvl="0" indent="-342900">
-              <a:lnSpc>
-                <a:spcPct val="107000"/>
-              </a:lnSpc>
-              <a:spcAft>
-                <a:spcPts val="0"/>
-              </a:spcAft>
-              <a:buFont typeface="Calibri" panose="020F0502020204030204" pitchFamily="34" charset="0"/>
-              <a:buChar char="-"/>
-            </a:pPr>
-            <a:r>
-              <a:rPr lang="en-GB" sz="2400" dirty="0">
-                <a:latin typeface="Calibri" panose="020F0502020204030204" pitchFamily="34" charset="0"/>
-                <a:ea typeface="Calibri" panose="020F0502020204030204" pitchFamily="34" charset="0"/>
-                <a:cs typeface="Times New Roman" panose="02020603050405020304" pitchFamily="18" charset="0"/>
-              </a:rPr>
-              <a:t>It affects computers with the Windows operating system</a:t>
-            </a:r>
-            <a:r>
-              <a:rPr lang="en-GB" sz="2400" dirty="0" smtClean="0">
-                <a:latin typeface="Calibri" panose="020F0502020204030204" pitchFamily="34" charset="0"/>
-                <a:ea typeface="Calibri" panose="020F0502020204030204" pitchFamily="34" charset="0"/>
-                <a:cs typeface="Times New Roman" panose="02020603050405020304" pitchFamily="18" charset="0"/>
-              </a:rPr>
-              <a:t>.</a:t>
-            </a:r>
-          </a:p>
-          <a:p>
-            <a:pPr lvl="0">
-              <a:lnSpc>
-                <a:spcPct val="107000"/>
-              </a:lnSpc>
-              <a:spcAft>
-                <a:spcPts val="0"/>
-              </a:spcAft>
-            </a:pPr>
-            <a:endParaRPr lang="es-ES" sz="2400" dirty="0">
-              <a:latin typeface="Calibri" panose="020F0502020204030204" pitchFamily="34" charset="0"/>
-              <a:ea typeface="Calibri" panose="020F0502020204030204" pitchFamily="34" charset="0"/>
-              <a:cs typeface="Times New Roman" panose="02020603050405020304" pitchFamily="18" charset="0"/>
-            </a:endParaRPr>
-          </a:p>
-          <a:p>
-            <a:pPr marL="342900" lvl="0" indent="-342900">
-              <a:lnSpc>
-                <a:spcPct val="107000"/>
-              </a:lnSpc>
-              <a:spcAft>
-                <a:spcPts val="0"/>
-              </a:spcAft>
-              <a:buFont typeface="Calibri" panose="020F0502020204030204" pitchFamily="34" charset="0"/>
-              <a:buChar char="-"/>
-            </a:pPr>
-            <a:r>
-              <a:rPr lang="en-GB" sz="2400" dirty="0">
-                <a:latin typeface="Calibri" panose="020F0502020204030204" pitchFamily="34" charset="0"/>
-                <a:ea typeface="Calibri" panose="020F0502020204030204" pitchFamily="34" charset="0"/>
-                <a:cs typeface="Times New Roman" panose="02020603050405020304" pitchFamily="18" charset="0"/>
-              </a:rPr>
-              <a:t>It is the first known worm that spy and reprogram industrial systems</a:t>
-            </a:r>
-            <a:r>
-              <a:rPr lang="en-GB" sz="2400" dirty="0" smtClean="0">
-                <a:latin typeface="Calibri" panose="020F0502020204030204" pitchFamily="34" charset="0"/>
-                <a:ea typeface="Calibri" panose="020F0502020204030204" pitchFamily="34" charset="0"/>
-                <a:cs typeface="Times New Roman" panose="02020603050405020304" pitchFamily="18" charset="0"/>
-              </a:rPr>
-              <a:t>.</a:t>
-            </a:r>
-          </a:p>
-          <a:p>
-            <a:pPr lvl="0">
-              <a:lnSpc>
-                <a:spcPct val="107000"/>
-              </a:lnSpc>
-              <a:spcAft>
-                <a:spcPts val="0"/>
-              </a:spcAft>
-            </a:pPr>
-            <a:endParaRPr lang="es-ES" sz="2400" dirty="0">
-              <a:latin typeface="Calibri" panose="020F0502020204030204" pitchFamily="34" charset="0"/>
-              <a:ea typeface="Calibri" panose="020F0502020204030204" pitchFamily="34" charset="0"/>
-              <a:cs typeface="Times New Roman" panose="02020603050405020304" pitchFamily="18" charset="0"/>
-            </a:endParaRPr>
-          </a:p>
-          <a:p>
-            <a:pPr marL="342900" lvl="0" indent="-342900">
-              <a:lnSpc>
-                <a:spcPct val="107000"/>
-              </a:lnSpc>
-              <a:spcAft>
-                <a:spcPts val="0"/>
-              </a:spcAft>
-              <a:buFont typeface="Calibri" panose="020F0502020204030204" pitchFamily="34" charset="0"/>
-              <a:buChar char="-"/>
-            </a:pPr>
-            <a:r>
-              <a:rPr lang="en-GB" sz="2400" dirty="0">
-                <a:latin typeface="Calibri" panose="020F0502020204030204" pitchFamily="34" charset="0"/>
-                <a:ea typeface="Calibri" panose="020F0502020204030204" pitchFamily="34" charset="0"/>
-                <a:cs typeface="Times New Roman" panose="02020603050405020304" pitchFamily="18" charset="0"/>
-              </a:rPr>
-              <a:t>Functional prototype of a cyber weapon</a:t>
-            </a:r>
-            <a:r>
-              <a:rPr lang="en-GB" sz="2400" dirty="0" smtClean="0">
-                <a:latin typeface="Calibri" panose="020F0502020204030204" pitchFamily="34" charset="0"/>
-                <a:ea typeface="Calibri" panose="020F0502020204030204" pitchFamily="34" charset="0"/>
-                <a:cs typeface="Times New Roman" panose="02020603050405020304" pitchFamily="18" charset="0"/>
-              </a:rPr>
-              <a:t>.</a:t>
-            </a:r>
-          </a:p>
-          <a:p>
-            <a:pPr lvl="0">
-              <a:lnSpc>
-                <a:spcPct val="107000"/>
-              </a:lnSpc>
-              <a:spcAft>
-                <a:spcPts val="0"/>
-              </a:spcAft>
-            </a:pPr>
-            <a:endParaRPr lang="es-ES" sz="2400" dirty="0">
-              <a:latin typeface="Calibri" panose="020F0502020204030204" pitchFamily="34" charset="0"/>
-              <a:ea typeface="Calibri" panose="020F0502020204030204" pitchFamily="34" charset="0"/>
-              <a:cs typeface="Times New Roman" panose="02020603050405020304" pitchFamily="18" charset="0"/>
-            </a:endParaRPr>
-          </a:p>
-          <a:p>
-            <a:pPr marL="342900" lvl="0" indent="-342900">
-              <a:lnSpc>
-                <a:spcPct val="107000"/>
-              </a:lnSpc>
-              <a:spcAft>
-                <a:spcPts val="800"/>
-              </a:spcAft>
-              <a:buFont typeface="Calibri" panose="020F0502020204030204" pitchFamily="34" charset="0"/>
-              <a:buChar char="-"/>
-            </a:pPr>
-            <a:r>
-              <a:rPr lang="en-GB" sz="2400" dirty="0">
-                <a:latin typeface="Calibri" panose="020F0502020204030204" pitchFamily="34" charset="0"/>
-                <a:ea typeface="Calibri" panose="020F0502020204030204" pitchFamily="34" charset="0"/>
-                <a:cs typeface="Times New Roman" panose="02020603050405020304" pitchFamily="18" charset="0"/>
-              </a:rPr>
-              <a:t>It employs four </a:t>
-            </a:r>
-            <a:r>
-              <a:rPr lang="en-GB" sz="2400" dirty="0">
-                <a:solidFill>
-                  <a:srgbClr val="FF0000"/>
-                </a:solidFill>
-                <a:latin typeface="Calibri" panose="020F0502020204030204" pitchFamily="34" charset="0"/>
-                <a:ea typeface="Calibri" panose="020F0502020204030204" pitchFamily="34" charset="0"/>
-                <a:cs typeface="Times New Roman" panose="02020603050405020304" pitchFamily="18" charset="0"/>
-              </a:rPr>
-              <a:t>zero-day</a:t>
-            </a:r>
-            <a:r>
-              <a:rPr lang="en-GB" sz="2400" dirty="0">
-                <a:latin typeface="Calibri" panose="020F0502020204030204" pitchFamily="34" charset="0"/>
-                <a:ea typeface="Calibri" panose="020F0502020204030204" pitchFamily="34" charset="0"/>
-                <a:cs typeface="Times New Roman" panose="02020603050405020304" pitchFamily="18" charset="0"/>
-              </a:rPr>
-              <a:t> vulnerabilities.</a:t>
-            </a:r>
-            <a:endParaRPr lang="es-ES" sz="2400" dirty="0">
-              <a:effectLst/>
-              <a:latin typeface="Calibri" panose="020F0502020204030204" pitchFamily="34" charset="0"/>
-              <a:ea typeface="Calibri" panose="020F0502020204030204" pitchFamily="34" charset="0"/>
-              <a:cs typeface="Times New Roman" panose="02020603050405020304" pitchFamily="18" charset="0"/>
-            </a:endParaRPr>
-          </a:p>
-        </p:txBody>
-      </p:sp>
+        </p:nvGraphicFramePr>
+        <p:xfrm>
+          <a:off x="6599880" y="524160"/>
+          <a:ext cx="5366880" cy="5770800"/>
+        </p:xfrm>
+        <a:graphic>
+          <a:graphicData uri="http://schemas.openxmlformats.org/drawingml/2006/table">
+            <a:tbl>
+              <a:tblPr/>
+              <a:tblGrid>
+                <a:gridCol w="3462480"/>
+                <a:gridCol w="1904400"/>
+              </a:tblGrid>
+              <a:tr h="412200">
+                <a:tc>
+                  <a:txBody>
+                    <a:bodyPr/>
+                    <a:lstStyle/>
+                    <a:p>
+                      <a:pPr algn="ctr">
+                        <a:lnSpc>
+                          <a:spcPct val="115000"/>
+                        </a:lnSpc>
+                      </a:pPr>
+                      <a:r>
+                        <a:rPr lang="es-ES" sz="1400" b="0" strike="noStrike" spc="-1" dirty="0">
+                          <a:solidFill>
+                            <a:srgbClr val="000000"/>
+                          </a:solidFill>
+                          <a:latin typeface="Arial"/>
+                          <a:ea typeface="Arial"/>
+                        </a:rPr>
+                        <a:t>EXTENSION</a:t>
+                      </a:r>
+                      <a:endParaRPr lang="es-ES" sz="1400" b="0" strike="noStrike" spc="-1" dirty="0">
+                        <a:latin typeface="Arial"/>
+                      </a:endParaRPr>
+                    </a:p>
+                  </a:txBody>
+                  <a:tcPr marL="91080" marR="91080">
+                    <a:lnL w="18720">
+                      <a:solidFill>
+                        <a:srgbClr val="000000"/>
+                      </a:solidFill>
+                    </a:lnL>
+                    <a:lnR w="18720">
+                      <a:solidFill>
+                        <a:srgbClr val="000000"/>
+                      </a:solidFill>
+                    </a:lnR>
+                    <a:lnT w="18720">
+                      <a:solidFill>
+                        <a:srgbClr val="000000"/>
+                      </a:solidFill>
+                    </a:lnT>
+                    <a:lnB w="18720">
+                      <a:solidFill>
+                        <a:srgbClr val="000000"/>
+                      </a:solidFill>
+                    </a:lnB>
+                    <a:noFill/>
+                  </a:tcPr>
+                </a:tc>
+                <a:tc>
+                  <a:txBody>
+                    <a:bodyPr/>
+                    <a:lstStyle/>
+                    <a:p>
+                      <a:pPr algn="ctr">
+                        <a:lnSpc>
+                          <a:spcPct val="115000"/>
+                        </a:lnSpc>
+                      </a:pPr>
+                      <a:r>
+                        <a:rPr lang="es-ES" sz="1400" b="0" strike="noStrike" spc="-1">
+                          <a:solidFill>
+                            <a:srgbClr val="000000"/>
+                          </a:solidFill>
+                          <a:latin typeface="Arial"/>
+                          <a:ea typeface="Arial"/>
+                        </a:rPr>
+                        <a:t>IMPLEMENTED</a:t>
+                      </a:r>
+                      <a:endParaRPr lang="es-ES" sz="1400" b="0" strike="noStrike" spc="-1">
+                        <a:latin typeface="Arial"/>
+                      </a:endParaRPr>
+                    </a:p>
+                  </a:txBody>
+                  <a:tcPr marL="91080" marR="91080">
+                    <a:lnL w="18720">
+                      <a:solidFill>
+                        <a:srgbClr val="000000"/>
+                      </a:solidFill>
+                    </a:lnL>
+                    <a:lnR w="18720">
+                      <a:solidFill>
+                        <a:srgbClr val="000000"/>
+                      </a:solidFill>
+                    </a:lnR>
+                    <a:lnT w="18720">
+                      <a:solidFill>
+                        <a:srgbClr val="000000"/>
+                      </a:solidFill>
+                    </a:lnT>
+                    <a:lnB w="18720">
+                      <a:solidFill>
+                        <a:srgbClr val="000000"/>
+                      </a:solidFill>
+                    </a:lnB>
+                    <a:noFill/>
+                  </a:tcPr>
+                </a:tc>
+              </a:tr>
+              <a:tr h="412200">
+                <a:tc>
+                  <a:txBody>
+                    <a:bodyPr/>
+                    <a:lstStyle/>
+                    <a:p>
+                      <a:pPr algn="ctr">
+                        <a:lnSpc>
+                          <a:spcPct val="115000"/>
+                        </a:lnSpc>
+                      </a:pPr>
+                      <a:r>
+                        <a:rPr lang="es-ES" sz="1400" b="0" strike="noStrike" spc="-1">
+                          <a:solidFill>
+                            <a:srgbClr val="000000"/>
+                          </a:solidFill>
+                          <a:latin typeface="Arial"/>
+                          <a:ea typeface="Arial"/>
+                        </a:rPr>
+                        <a:t>Self-registration</a:t>
+                      </a:r>
+                      <a:endParaRPr lang="es-ES" sz="1400" b="0" strike="noStrike" spc="-1">
+                        <a:latin typeface="Arial"/>
+                      </a:endParaRPr>
+                    </a:p>
+                  </a:txBody>
+                  <a:tcPr marL="91080" marR="91080">
+                    <a:lnL w="18720">
+                      <a:solidFill>
+                        <a:srgbClr val="000000"/>
+                      </a:solidFill>
+                    </a:lnL>
+                    <a:lnR w="18720">
+                      <a:solidFill>
+                        <a:srgbClr val="000000"/>
+                      </a:solidFill>
+                    </a:lnR>
+                    <a:lnT w="18720">
+                      <a:solidFill>
+                        <a:srgbClr val="000000"/>
+                      </a:solidFill>
+                    </a:lnT>
+                    <a:lnB w="18720">
+                      <a:solidFill>
+                        <a:srgbClr val="000000"/>
+                      </a:solidFill>
+                    </a:lnB>
+                    <a:noFill/>
+                  </a:tcPr>
+                </a:tc>
+                <a:tc>
+                  <a:txBody>
+                    <a:bodyPr/>
+                    <a:lstStyle/>
+                    <a:p>
+                      <a:pPr algn="ctr">
+                        <a:lnSpc>
+                          <a:spcPct val="115000"/>
+                        </a:lnSpc>
+                      </a:pPr>
+                      <a:r>
+                        <a:rPr lang="es-ES" sz="1100" b="0" strike="noStrike" spc="-1" dirty="0">
+                          <a:solidFill>
+                            <a:srgbClr val="00B050"/>
+                          </a:solidFill>
+                          <a:latin typeface="Arial"/>
+                          <a:ea typeface="Arial"/>
+                        </a:rPr>
+                        <a:t>YES</a:t>
+                      </a:r>
+                      <a:endParaRPr lang="es-ES" sz="1100" b="0" strike="noStrike" spc="-1" dirty="0">
+                        <a:latin typeface="Arial"/>
+                      </a:endParaRPr>
+                    </a:p>
+                  </a:txBody>
+                  <a:tcPr marL="91080" marR="91080">
+                    <a:lnL w="18720">
+                      <a:solidFill>
+                        <a:srgbClr val="000000"/>
+                      </a:solidFill>
+                    </a:lnL>
+                    <a:lnR w="18720">
+                      <a:solidFill>
+                        <a:srgbClr val="000000"/>
+                      </a:solidFill>
+                    </a:lnR>
+                    <a:lnT w="18720">
+                      <a:solidFill>
+                        <a:srgbClr val="000000"/>
+                      </a:solidFill>
+                    </a:lnT>
+                    <a:lnB w="18720">
+                      <a:solidFill>
+                        <a:srgbClr val="000000"/>
+                      </a:solidFill>
+                    </a:lnB>
+                    <a:noFill/>
+                  </a:tcPr>
+                </a:tc>
+              </a:tr>
+              <a:tr h="412200">
+                <a:tc>
+                  <a:txBody>
+                    <a:bodyPr/>
+                    <a:lstStyle/>
+                    <a:p>
+                      <a:pPr algn="ctr">
+                        <a:lnSpc>
+                          <a:spcPct val="115000"/>
+                        </a:lnSpc>
+                      </a:pPr>
+                      <a:r>
+                        <a:rPr lang="es-ES" sz="1400" b="0" strike="noStrike" spc="-1" dirty="0" err="1">
+                          <a:solidFill>
+                            <a:srgbClr val="000000"/>
+                          </a:solidFill>
+                          <a:latin typeface="Arial"/>
+                          <a:ea typeface="Arial"/>
+                        </a:rPr>
+                        <a:t>Password</a:t>
+                      </a:r>
+                      <a:r>
+                        <a:rPr lang="es-ES" sz="1400" b="0" strike="noStrike" spc="-1" dirty="0">
+                          <a:solidFill>
+                            <a:srgbClr val="000000"/>
+                          </a:solidFill>
+                          <a:latin typeface="Arial"/>
+                          <a:ea typeface="Arial"/>
+                        </a:rPr>
+                        <a:t> </a:t>
+                      </a:r>
+                      <a:r>
+                        <a:rPr lang="es-ES" sz="1400" b="0" strike="noStrike" spc="-1" dirty="0" err="1">
+                          <a:solidFill>
+                            <a:srgbClr val="000000"/>
+                          </a:solidFill>
+                          <a:latin typeface="Arial"/>
+                          <a:ea typeface="Arial"/>
+                        </a:rPr>
+                        <a:t>recovery</a:t>
+                      </a:r>
+                      <a:endParaRPr lang="es-ES" sz="1400" b="0" strike="noStrike" spc="-1" dirty="0">
+                        <a:latin typeface="Arial"/>
+                      </a:endParaRPr>
+                    </a:p>
+                  </a:txBody>
+                  <a:tcPr marL="91080" marR="91080">
+                    <a:lnL w="18720">
+                      <a:solidFill>
+                        <a:srgbClr val="000000"/>
+                      </a:solidFill>
+                    </a:lnL>
+                    <a:lnR w="18720">
+                      <a:solidFill>
+                        <a:srgbClr val="000000"/>
+                      </a:solidFill>
+                    </a:lnR>
+                    <a:lnT w="18720">
+                      <a:solidFill>
+                        <a:srgbClr val="000000"/>
+                      </a:solidFill>
+                    </a:lnT>
+                    <a:lnB w="18720">
+                      <a:solidFill>
+                        <a:srgbClr val="000000"/>
+                      </a:solidFill>
+                    </a:lnB>
+                    <a:noFill/>
+                  </a:tcPr>
+                </a:tc>
+                <a:tc>
+                  <a:txBody>
+                    <a:bodyPr/>
+                    <a:lstStyle/>
+                    <a:p>
+                      <a:pPr algn="ctr">
+                        <a:lnSpc>
+                          <a:spcPct val="115000"/>
+                        </a:lnSpc>
+                      </a:pPr>
+                      <a:r>
+                        <a:rPr lang="es-ES" sz="1100" b="0" strike="noStrike" spc="-1" dirty="0">
+                          <a:solidFill>
+                            <a:srgbClr val="FF0000"/>
+                          </a:solidFill>
+                          <a:latin typeface="Arial"/>
+                          <a:ea typeface="Arial"/>
+                        </a:rPr>
+                        <a:t>NO</a:t>
+                      </a:r>
+                      <a:endParaRPr lang="es-ES" sz="1100" b="0" strike="noStrike" spc="-1" dirty="0">
+                        <a:latin typeface="Arial"/>
+                      </a:endParaRPr>
+                    </a:p>
+                  </a:txBody>
+                  <a:tcPr marL="91080" marR="91080">
+                    <a:lnL w="18720">
+                      <a:solidFill>
+                        <a:srgbClr val="000000"/>
+                      </a:solidFill>
+                    </a:lnL>
+                    <a:lnR w="18720">
+                      <a:solidFill>
+                        <a:srgbClr val="000000"/>
+                      </a:solidFill>
+                    </a:lnR>
+                    <a:lnT w="18720">
+                      <a:solidFill>
+                        <a:srgbClr val="000000"/>
+                      </a:solidFill>
+                    </a:lnT>
+                    <a:lnB w="18720">
+                      <a:solidFill>
+                        <a:srgbClr val="000000"/>
+                      </a:solidFill>
+                    </a:lnB>
+                    <a:noFill/>
+                  </a:tcPr>
+                </a:tc>
+              </a:tr>
+              <a:tr h="412200">
+                <a:tc>
+                  <a:txBody>
+                    <a:bodyPr/>
+                    <a:lstStyle/>
+                    <a:p>
+                      <a:pPr algn="ctr">
+                        <a:lnSpc>
+                          <a:spcPct val="115000"/>
+                        </a:lnSpc>
+                      </a:pPr>
+                      <a:r>
+                        <a:rPr lang="es-ES" sz="1400" b="0" strike="noStrike" spc="-1">
+                          <a:solidFill>
+                            <a:srgbClr val="000000"/>
+                          </a:solidFill>
+                          <a:latin typeface="Arial"/>
+                          <a:ea typeface="Arial"/>
+                        </a:rPr>
+                        <a:t>Messages to several recipients</a:t>
+                      </a:r>
+                      <a:endParaRPr lang="es-ES" sz="1400" b="0" strike="noStrike" spc="-1">
+                        <a:latin typeface="Arial"/>
+                      </a:endParaRPr>
+                    </a:p>
+                  </a:txBody>
+                  <a:tcPr marL="91080" marR="91080">
+                    <a:lnL w="18720">
+                      <a:solidFill>
+                        <a:srgbClr val="000000"/>
+                      </a:solidFill>
+                    </a:lnL>
+                    <a:lnR w="18720">
+                      <a:solidFill>
+                        <a:srgbClr val="000000"/>
+                      </a:solidFill>
+                    </a:lnR>
+                    <a:lnT w="18720">
+                      <a:solidFill>
+                        <a:srgbClr val="000000"/>
+                      </a:solidFill>
+                    </a:lnT>
+                    <a:lnB w="18720">
+                      <a:solidFill>
+                        <a:srgbClr val="000000"/>
+                      </a:solidFill>
+                    </a:lnB>
+                    <a:noFill/>
+                  </a:tcPr>
+                </a:tc>
+                <a:tc>
+                  <a:txBody>
+                    <a:bodyPr/>
+                    <a:lstStyle/>
+                    <a:p>
+                      <a:pPr algn="ctr">
+                        <a:lnSpc>
+                          <a:spcPct val="115000"/>
+                        </a:lnSpc>
+                      </a:pPr>
+                      <a:r>
+                        <a:rPr lang="es-ES" sz="1100" b="0" strike="noStrike" spc="-1" dirty="0">
+                          <a:solidFill>
+                            <a:srgbClr val="00B050"/>
+                          </a:solidFill>
+                          <a:latin typeface="Arial"/>
+                          <a:ea typeface="Arial"/>
+                        </a:rPr>
+                        <a:t>YES</a:t>
+                      </a:r>
+                      <a:endParaRPr lang="es-ES" sz="1100" b="0" strike="noStrike" spc="-1" dirty="0">
+                        <a:latin typeface="Arial"/>
+                      </a:endParaRPr>
+                    </a:p>
+                  </a:txBody>
+                  <a:tcPr marL="91080" marR="91080">
+                    <a:lnL w="18720">
+                      <a:solidFill>
+                        <a:srgbClr val="000000"/>
+                      </a:solidFill>
+                    </a:lnL>
+                    <a:lnR w="18720">
+                      <a:solidFill>
+                        <a:srgbClr val="000000"/>
+                      </a:solidFill>
+                    </a:lnR>
+                    <a:lnT w="18720">
+                      <a:solidFill>
+                        <a:srgbClr val="000000"/>
+                      </a:solidFill>
+                    </a:lnT>
+                    <a:lnB w="18720">
+                      <a:solidFill>
+                        <a:srgbClr val="000000"/>
+                      </a:solidFill>
+                    </a:lnB>
+                    <a:noFill/>
+                  </a:tcPr>
+                </a:tc>
+              </a:tr>
+              <a:tr h="412200">
+                <a:tc>
+                  <a:txBody>
+                    <a:bodyPr/>
+                    <a:lstStyle/>
+                    <a:p>
+                      <a:pPr algn="ctr">
+                        <a:lnSpc>
+                          <a:spcPct val="115000"/>
+                        </a:lnSpc>
+                      </a:pPr>
+                      <a:r>
+                        <a:rPr lang="es-ES" sz="1400" b="0" strike="noStrike" spc="-1">
+                          <a:solidFill>
+                            <a:srgbClr val="000000"/>
+                          </a:solidFill>
+                          <a:latin typeface="Arial"/>
+                          <a:ea typeface="Arial"/>
+                        </a:rPr>
+                        <a:t>Encrypted user password</a:t>
+                      </a:r>
+                      <a:endParaRPr lang="es-ES" sz="1400" b="0" strike="noStrike" spc="-1">
+                        <a:latin typeface="Arial"/>
+                      </a:endParaRPr>
+                    </a:p>
+                  </a:txBody>
+                  <a:tcPr marL="91080" marR="91080">
+                    <a:lnL w="18720">
+                      <a:solidFill>
+                        <a:srgbClr val="000000"/>
+                      </a:solidFill>
+                    </a:lnL>
+                    <a:lnR w="18720">
+                      <a:solidFill>
+                        <a:srgbClr val="000000"/>
+                      </a:solidFill>
+                    </a:lnR>
+                    <a:lnT w="18720">
+                      <a:solidFill>
+                        <a:srgbClr val="000000"/>
+                      </a:solidFill>
+                    </a:lnT>
+                    <a:lnB w="18720">
+                      <a:solidFill>
+                        <a:srgbClr val="000000"/>
+                      </a:solidFill>
+                    </a:lnB>
+                    <a:noFill/>
+                  </a:tcPr>
+                </a:tc>
+                <a:tc>
+                  <a:txBody>
+                    <a:bodyPr/>
+                    <a:lstStyle/>
+                    <a:p>
+                      <a:pPr algn="ctr">
+                        <a:lnSpc>
+                          <a:spcPct val="115000"/>
+                        </a:lnSpc>
+                      </a:pPr>
+                      <a:r>
+                        <a:rPr lang="es-ES" sz="1100" b="0" strike="noStrike" spc="-1" dirty="0">
+                          <a:solidFill>
+                            <a:srgbClr val="00B050"/>
+                          </a:solidFill>
+                          <a:latin typeface="Arial"/>
+                          <a:ea typeface="Arial"/>
+                        </a:rPr>
+                        <a:t>YES</a:t>
+                      </a:r>
+                      <a:endParaRPr lang="es-ES" sz="1100" b="0" strike="noStrike" spc="-1" dirty="0">
+                        <a:latin typeface="Arial"/>
+                      </a:endParaRPr>
+                    </a:p>
+                  </a:txBody>
+                  <a:tcPr marL="91080" marR="91080">
+                    <a:lnL w="18720">
+                      <a:solidFill>
+                        <a:srgbClr val="000000"/>
+                      </a:solidFill>
+                    </a:lnL>
+                    <a:lnR w="18720">
+                      <a:solidFill>
+                        <a:srgbClr val="000000"/>
+                      </a:solidFill>
+                    </a:lnR>
+                    <a:lnT w="18720">
+                      <a:solidFill>
+                        <a:srgbClr val="000000"/>
+                      </a:solidFill>
+                    </a:lnT>
+                    <a:lnB w="18720">
+                      <a:solidFill>
+                        <a:srgbClr val="000000"/>
+                      </a:solidFill>
+                    </a:lnB>
+                    <a:noFill/>
+                  </a:tcPr>
+                </a:tc>
+              </a:tr>
+              <a:tr h="412200">
+                <a:tc>
+                  <a:txBody>
+                    <a:bodyPr/>
+                    <a:lstStyle/>
+                    <a:p>
+                      <a:pPr algn="ctr">
+                        <a:lnSpc>
+                          <a:spcPct val="115000"/>
+                        </a:lnSpc>
+                      </a:pPr>
+                      <a:r>
+                        <a:rPr lang="es-ES" sz="1400" b="0" strike="noStrike" spc="-1">
+                          <a:solidFill>
+                            <a:srgbClr val="000000"/>
+                          </a:solidFill>
+                          <a:latin typeface="Arial"/>
+                          <a:ea typeface="Arial"/>
+                        </a:rPr>
+                        <a:t>User avatar</a:t>
+                      </a:r>
+                      <a:endParaRPr lang="es-ES" sz="1400" b="0" strike="noStrike" spc="-1">
+                        <a:latin typeface="Arial"/>
+                      </a:endParaRPr>
+                    </a:p>
+                  </a:txBody>
+                  <a:tcPr marL="91080" marR="91080">
+                    <a:lnL w="18720">
+                      <a:solidFill>
+                        <a:srgbClr val="000000"/>
+                      </a:solidFill>
+                    </a:lnL>
+                    <a:lnR w="18720">
+                      <a:solidFill>
+                        <a:srgbClr val="000000"/>
+                      </a:solidFill>
+                    </a:lnR>
+                    <a:lnT w="18720">
+                      <a:solidFill>
+                        <a:srgbClr val="000000"/>
+                      </a:solidFill>
+                    </a:lnT>
+                    <a:lnB w="18720">
+                      <a:solidFill>
+                        <a:srgbClr val="000000"/>
+                      </a:solidFill>
+                    </a:lnB>
+                    <a:noFill/>
+                  </a:tcPr>
+                </a:tc>
+                <a:tc>
+                  <a:txBody>
+                    <a:bodyPr/>
+                    <a:lstStyle/>
+                    <a:p>
+                      <a:pPr algn="ctr">
+                        <a:lnSpc>
+                          <a:spcPct val="115000"/>
+                        </a:lnSpc>
+                      </a:pPr>
+                      <a:r>
+                        <a:rPr lang="es-ES" sz="1100" b="0" strike="noStrike" spc="-1" dirty="0">
+                          <a:solidFill>
+                            <a:srgbClr val="00B050"/>
+                          </a:solidFill>
+                          <a:latin typeface="Arial"/>
+                          <a:ea typeface="Arial"/>
+                        </a:rPr>
+                        <a:t>YES</a:t>
+                      </a:r>
+                      <a:endParaRPr lang="es-ES" sz="1100" b="0" strike="noStrike" spc="-1" dirty="0">
+                        <a:latin typeface="Arial"/>
+                      </a:endParaRPr>
+                    </a:p>
+                  </a:txBody>
+                  <a:tcPr marL="91080" marR="91080">
+                    <a:lnL w="18720">
+                      <a:solidFill>
+                        <a:srgbClr val="000000"/>
+                      </a:solidFill>
+                    </a:lnL>
+                    <a:lnR w="18720">
+                      <a:solidFill>
+                        <a:srgbClr val="000000"/>
+                      </a:solidFill>
+                    </a:lnR>
+                    <a:lnT w="18720">
+                      <a:solidFill>
+                        <a:srgbClr val="000000"/>
+                      </a:solidFill>
+                    </a:lnT>
+                    <a:lnB w="18720">
+                      <a:solidFill>
+                        <a:srgbClr val="000000"/>
+                      </a:solidFill>
+                    </a:lnB>
+                    <a:noFill/>
+                  </a:tcPr>
+                </a:tc>
+              </a:tr>
+              <a:tr h="412200">
+                <a:tc>
+                  <a:txBody>
+                    <a:bodyPr/>
+                    <a:lstStyle/>
+                    <a:p>
+                      <a:pPr algn="ctr">
+                        <a:lnSpc>
+                          <a:spcPct val="115000"/>
+                        </a:lnSpc>
+                      </a:pPr>
+                      <a:r>
+                        <a:rPr lang="es-ES" sz="1400" b="0" strike="noStrike" spc="-1">
+                          <a:solidFill>
+                            <a:srgbClr val="000000"/>
+                          </a:solidFill>
+                          <a:latin typeface="Arial"/>
+                          <a:ea typeface="Arial"/>
+                        </a:rPr>
+                        <a:t>User profile</a:t>
+                      </a:r>
+                      <a:endParaRPr lang="es-ES" sz="1400" b="0" strike="noStrike" spc="-1">
+                        <a:latin typeface="Arial"/>
+                      </a:endParaRPr>
+                    </a:p>
+                  </a:txBody>
+                  <a:tcPr marL="91080" marR="91080">
+                    <a:lnL w="18720">
+                      <a:solidFill>
+                        <a:srgbClr val="000000"/>
+                      </a:solidFill>
+                    </a:lnL>
+                    <a:lnR w="18720">
+                      <a:solidFill>
+                        <a:srgbClr val="000000"/>
+                      </a:solidFill>
+                    </a:lnR>
+                    <a:lnT w="18720">
+                      <a:solidFill>
+                        <a:srgbClr val="000000"/>
+                      </a:solidFill>
+                    </a:lnT>
+                    <a:lnB w="18720">
+                      <a:solidFill>
+                        <a:srgbClr val="000000"/>
+                      </a:solidFill>
+                    </a:lnB>
+                    <a:noFill/>
+                  </a:tcPr>
+                </a:tc>
+                <a:tc>
+                  <a:txBody>
+                    <a:bodyPr/>
+                    <a:lstStyle/>
+                    <a:p>
+                      <a:pPr algn="ctr">
+                        <a:lnSpc>
+                          <a:spcPct val="115000"/>
+                        </a:lnSpc>
+                      </a:pPr>
+                      <a:r>
+                        <a:rPr lang="es-ES" sz="1100" b="0" strike="noStrike" spc="-1" dirty="0">
+                          <a:solidFill>
+                            <a:srgbClr val="00B050"/>
+                          </a:solidFill>
+                          <a:latin typeface="Arial"/>
+                          <a:ea typeface="Arial"/>
+                        </a:rPr>
+                        <a:t>YES</a:t>
+                      </a:r>
+                      <a:endParaRPr lang="es-ES" sz="1100" b="0" strike="noStrike" spc="-1" dirty="0">
+                        <a:latin typeface="Arial"/>
+                      </a:endParaRPr>
+                    </a:p>
+                  </a:txBody>
+                  <a:tcPr marL="91080" marR="91080">
+                    <a:lnL w="18720">
+                      <a:solidFill>
+                        <a:srgbClr val="000000"/>
+                      </a:solidFill>
+                    </a:lnL>
+                    <a:lnR w="18720">
+                      <a:solidFill>
+                        <a:srgbClr val="000000"/>
+                      </a:solidFill>
+                    </a:lnR>
+                    <a:lnT w="18720">
+                      <a:solidFill>
+                        <a:srgbClr val="000000"/>
+                      </a:solidFill>
+                    </a:lnT>
+                    <a:lnB w="18720">
+                      <a:solidFill>
+                        <a:srgbClr val="000000"/>
+                      </a:solidFill>
+                    </a:lnB>
+                    <a:noFill/>
+                  </a:tcPr>
+                </a:tc>
+              </a:tr>
+              <a:tr h="412200">
+                <a:tc>
+                  <a:txBody>
+                    <a:bodyPr/>
+                    <a:lstStyle/>
+                    <a:p>
+                      <a:pPr algn="ctr">
+                        <a:lnSpc>
+                          <a:spcPct val="115000"/>
+                        </a:lnSpc>
+                      </a:pPr>
+                      <a:r>
+                        <a:rPr lang="es-ES" sz="1400" b="0" strike="noStrike" spc="-1">
+                          <a:solidFill>
+                            <a:srgbClr val="000000"/>
+                          </a:solidFill>
+                          <a:latin typeface="Arial"/>
+                          <a:ea typeface="Arial"/>
+                        </a:rPr>
+                        <a:t>Friendship</a:t>
+                      </a:r>
+                      <a:endParaRPr lang="es-ES" sz="1400" b="0" strike="noStrike" spc="-1">
+                        <a:latin typeface="Arial"/>
+                      </a:endParaRPr>
+                    </a:p>
+                  </a:txBody>
+                  <a:tcPr marL="91080" marR="91080">
+                    <a:lnL w="18720">
+                      <a:solidFill>
+                        <a:srgbClr val="000000"/>
+                      </a:solidFill>
+                    </a:lnL>
+                    <a:lnR w="18720">
+                      <a:solidFill>
+                        <a:srgbClr val="000000"/>
+                      </a:solidFill>
+                    </a:lnR>
+                    <a:lnT w="18720">
+                      <a:solidFill>
+                        <a:srgbClr val="000000"/>
+                      </a:solidFill>
+                    </a:lnT>
+                    <a:lnB w="18720">
+                      <a:solidFill>
+                        <a:srgbClr val="000000"/>
+                      </a:solidFill>
+                    </a:lnB>
+                    <a:noFill/>
+                  </a:tcPr>
+                </a:tc>
+                <a:tc>
+                  <a:txBody>
+                    <a:bodyPr/>
+                    <a:lstStyle/>
+                    <a:p>
+                      <a:pPr algn="ctr">
+                        <a:lnSpc>
+                          <a:spcPct val="115000"/>
+                        </a:lnSpc>
+                      </a:pPr>
+                      <a:r>
+                        <a:rPr lang="es-ES" sz="1100" b="0" strike="noStrike" spc="-1" dirty="0">
+                          <a:solidFill>
+                            <a:srgbClr val="00B050"/>
+                          </a:solidFill>
+                          <a:latin typeface="Arial"/>
+                          <a:ea typeface="Arial"/>
+                        </a:rPr>
+                        <a:t>YES</a:t>
+                      </a:r>
+                      <a:endParaRPr lang="es-ES" sz="1100" b="0" strike="noStrike" spc="-1" dirty="0">
+                        <a:latin typeface="Arial"/>
+                      </a:endParaRPr>
+                    </a:p>
+                  </a:txBody>
+                  <a:tcPr marL="91080" marR="91080">
+                    <a:lnL w="18720">
+                      <a:solidFill>
+                        <a:srgbClr val="000000"/>
+                      </a:solidFill>
+                    </a:lnL>
+                    <a:lnR w="18720">
+                      <a:solidFill>
+                        <a:srgbClr val="000000"/>
+                      </a:solidFill>
+                    </a:lnR>
+                    <a:lnT w="18720">
+                      <a:solidFill>
+                        <a:srgbClr val="000000"/>
+                      </a:solidFill>
+                    </a:lnT>
+                    <a:lnB w="18720">
+                      <a:solidFill>
+                        <a:srgbClr val="000000"/>
+                      </a:solidFill>
+                    </a:lnB>
+                    <a:noFill/>
+                  </a:tcPr>
+                </a:tc>
+              </a:tr>
+              <a:tr h="412200">
+                <a:tc>
+                  <a:txBody>
+                    <a:bodyPr/>
+                    <a:lstStyle/>
+                    <a:p>
+                      <a:pPr algn="ctr">
+                        <a:lnSpc>
+                          <a:spcPct val="115000"/>
+                        </a:lnSpc>
+                      </a:pPr>
+                      <a:r>
+                        <a:rPr lang="es-ES" sz="1400" b="0" strike="noStrike" spc="-1">
+                          <a:solidFill>
+                            <a:srgbClr val="000000"/>
+                          </a:solidFill>
+                          <a:latin typeface="Arial"/>
+                          <a:ea typeface="Arial"/>
+                        </a:rPr>
+                        <a:t>Groups</a:t>
+                      </a:r>
+                      <a:endParaRPr lang="es-ES" sz="1400" b="0" strike="noStrike" spc="-1">
+                        <a:latin typeface="Arial"/>
+                      </a:endParaRPr>
+                    </a:p>
+                  </a:txBody>
+                  <a:tcPr marL="91080" marR="91080">
+                    <a:lnL w="18720">
+                      <a:solidFill>
+                        <a:srgbClr val="000000"/>
+                      </a:solidFill>
+                    </a:lnL>
+                    <a:lnR w="18720">
+                      <a:solidFill>
+                        <a:srgbClr val="000000"/>
+                      </a:solidFill>
+                    </a:lnR>
+                    <a:lnT w="18720">
+                      <a:solidFill>
+                        <a:srgbClr val="000000"/>
+                      </a:solidFill>
+                    </a:lnT>
+                    <a:lnB w="18720">
+                      <a:solidFill>
+                        <a:srgbClr val="000000"/>
+                      </a:solidFill>
+                    </a:lnB>
+                    <a:noFill/>
+                  </a:tcPr>
+                </a:tc>
+                <a:tc>
+                  <a:txBody>
+                    <a:bodyPr/>
+                    <a:lstStyle/>
+                    <a:p>
+                      <a:pPr algn="ctr">
+                        <a:lnSpc>
+                          <a:spcPct val="115000"/>
+                        </a:lnSpc>
+                      </a:pPr>
+                      <a:r>
+                        <a:rPr lang="es-ES" sz="1100" b="0" strike="noStrike" spc="-1" dirty="0">
+                          <a:solidFill>
+                            <a:srgbClr val="00B050"/>
+                          </a:solidFill>
+                          <a:latin typeface="Arial"/>
+                          <a:ea typeface="Arial"/>
+                        </a:rPr>
+                        <a:t>YES</a:t>
+                      </a:r>
+                      <a:endParaRPr lang="es-ES" sz="1100" b="0" strike="noStrike" spc="-1" dirty="0">
+                        <a:latin typeface="Arial"/>
+                      </a:endParaRPr>
+                    </a:p>
+                  </a:txBody>
+                  <a:tcPr marL="91080" marR="91080">
+                    <a:lnL w="18720">
+                      <a:solidFill>
+                        <a:srgbClr val="000000"/>
+                      </a:solidFill>
+                    </a:lnL>
+                    <a:lnR w="18720">
+                      <a:solidFill>
+                        <a:srgbClr val="000000"/>
+                      </a:solidFill>
+                    </a:lnR>
+                    <a:lnT w="18720">
+                      <a:solidFill>
+                        <a:srgbClr val="000000"/>
+                      </a:solidFill>
+                    </a:lnT>
+                    <a:lnB w="18720">
+                      <a:solidFill>
+                        <a:srgbClr val="000000"/>
+                      </a:solidFill>
+                    </a:lnB>
+                    <a:noFill/>
+                  </a:tcPr>
+                </a:tc>
+              </a:tr>
+              <a:tr h="412200">
+                <a:tc>
+                  <a:txBody>
+                    <a:bodyPr/>
+                    <a:lstStyle/>
+                    <a:p>
+                      <a:pPr algn="ctr">
+                        <a:lnSpc>
+                          <a:spcPct val="115000"/>
+                        </a:lnSpc>
+                      </a:pPr>
+                      <a:r>
+                        <a:rPr lang="es-ES" sz="1400" b="0" strike="noStrike" spc="-1">
+                          <a:solidFill>
+                            <a:srgbClr val="000000"/>
+                          </a:solidFill>
+                          <a:latin typeface="Arial"/>
+                          <a:ea typeface="Arial"/>
+                        </a:rPr>
+                        <a:t>Administration zone</a:t>
+                      </a:r>
+                      <a:endParaRPr lang="es-ES" sz="1400" b="0" strike="noStrike" spc="-1">
+                        <a:latin typeface="Arial"/>
+                      </a:endParaRPr>
+                    </a:p>
+                  </a:txBody>
+                  <a:tcPr marL="91080" marR="91080">
+                    <a:lnL w="18720">
+                      <a:solidFill>
+                        <a:srgbClr val="000000"/>
+                      </a:solidFill>
+                    </a:lnL>
+                    <a:lnR w="18720">
+                      <a:solidFill>
+                        <a:srgbClr val="000000"/>
+                      </a:solidFill>
+                    </a:lnR>
+                    <a:lnT w="18720">
+                      <a:solidFill>
+                        <a:srgbClr val="000000"/>
+                      </a:solidFill>
+                    </a:lnT>
+                    <a:lnB w="18720">
+                      <a:solidFill>
+                        <a:srgbClr val="000000"/>
+                      </a:solidFill>
+                    </a:lnB>
+                    <a:noFill/>
+                  </a:tcPr>
+                </a:tc>
+                <a:tc>
+                  <a:txBody>
+                    <a:bodyPr/>
+                    <a:lstStyle/>
+                    <a:p>
+                      <a:pPr algn="ctr">
+                        <a:lnSpc>
+                          <a:spcPct val="115000"/>
+                        </a:lnSpc>
+                      </a:pPr>
+                      <a:r>
+                        <a:rPr lang="es-ES" sz="1100" b="0" strike="noStrike" spc="-1" dirty="0">
+                          <a:solidFill>
+                            <a:srgbClr val="00B050"/>
+                          </a:solidFill>
+                          <a:latin typeface="Arial"/>
+                          <a:ea typeface="Arial"/>
+                        </a:rPr>
+                        <a:t>YES</a:t>
+                      </a:r>
+                      <a:endParaRPr lang="es-ES" sz="1100" b="0" strike="noStrike" spc="-1" dirty="0">
+                        <a:latin typeface="Arial"/>
+                      </a:endParaRPr>
+                    </a:p>
+                  </a:txBody>
+                  <a:tcPr marL="91080" marR="91080">
+                    <a:lnL w="18720">
+                      <a:solidFill>
+                        <a:srgbClr val="000000"/>
+                      </a:solidFill>
+                    </a:lnL>
+                    <a:lnR w="18720">
+                      <a:solidFill>
+                        <a:srgbClr val="000000"/>
+                      </a:solidFill>
+                    </a:lnR>
+                    <a:lnT w="18720">
+                      <a:solidFill>
+                        <a:srgbClr val="000000"/>
+                      </a:solidFill>
+                    </a:lnT>
+                    <a:lnB w="18720">
+                      <a:solidFill>
+                        <a:srgbClr val="000000"/>
+                      </a:solidFill>
+                    </a:lnB>
+                    <a:noFill/>
+                  </a:tcPr>
+                </a:tc>
+              </a:tr>
+              <a:tr h="412200">
+                <a:tc>
+                  <a:txBody>
+                    <a:bodyPr/>
+                    <a:lstStyle/>
+                    <a:p>
+                      <a:pPr algn="ctr">
+                        <a:lnSpc>
+                          <a:spcPct val="115000"/>
+                        </a:lnSpc>
+                      </a:pPr>
+                      <a:r>
+                        <a:rPr lang="es-ES" sz="1400" b="0" strike="noStrike" spc="-1">
+                          <a:solidFill>
+                            <a:srgbClr val="000000"/>
+                          </a:solidFill>
+                          <a:latin typeface="Arial"/>
+                          <a:ea typeface="Arial"/>
+                        </a:rPr>
+                        <a:t>Attached files</a:t>
+                      </a:r>
+                      <a:endParaRPr lang="es-ES" sz="1400" b="0" strike="noStrike" spc="-1">
+                        <a:latin typeface="Arial"/>
+                      </a:endParaRPr>
+                    </a:p>
+                  </a:txBody>
+                  <a:tcPr marL="91080" marR="91080">
+                    <a:lnL w="18720">
+                      <a:solidFill>
+                        <a:srgbClr val="000000"/>
+                      </a:solidFill>
+                    </a:lnL>
+                    <a:lnR w="18720">
+                      <a:solidFill>
+                        <a:srgbClr val="000000"/>
+                      </a:solidFill>
+                    </a:lnR>
+                    <a:lnT w="18720">
+                      <a:solidFill>
+                        <a:srgbClr val="000000"/>
+                      </a:solidFill>
+                    </a:lnT>
+                    <a:lnB w="18720">
+                      <a:solidFill>
+                        <a:srgbClr val="000000"/>
+                      </a:solidFill>
+                    </a:lnB>
+                    <a:noFill/>
+                  </a:tcPr>
+                </a:tc>
+                <a:tc>
+                  <a:txBody>
+                    <a:bodyPr/>
+                    <a:lstStyle/>
+                    <a:p>
+                      <a:pPr algn="ctr">
+                        <a:lnSpc>
+                          <a:spcPct val="115000"/>
+                        </a:lnSpc>
+                      </a:pPr>
+                      <a:r>
+                        <a:rPr lang="es-ES" sz="1100" b="0" strike="noStrike" spc="-1" dirty="0">
+                          <a:solidFill>
+                            <a:srgbClr val="00B050"/>
+                          </a:solidFill>
+                          <a:latin typeface="Arial"/>
+                          <a:ea typeface="Arial"/>
+                        </a:rPr>
+                        <a:t>YES</a:t>
+                      </a:r>
+                      <a:endParaRPr lang="es-ES" sz="1100" b="0" strike="noStrike" spc="-1" dirty="0">
+                        <a:latin typeface="Arial"/>
+                      </a:endParaRPr>
+                    </a:p>
+                  </a:txBody>
+                  <a:tcPr marL="91080" marR="91080">
+                    <a:lnL w="18720">
+                      <a:solidFill>
+                        <a:srgbClr val="000000"/>
+                      </a:solidFill>
+                    </a:lnL>
+                    <a:lnR w="18720">
+                      <a:solidFill>
+                        <a:srgbClr val="000000"/>
+                      </a:solidFill>
+                    </a:lnR>
+                    <a:lnT w="18720">
+                      <a:solidFill>
+                        <a:srgbClr val="000000"/>
+                      </a:solidFill>
+                    </a:lnT>
+                    <a:lnB w="18720">
+                      <a:solidFill>
+                        <a:srgbClr val="000000"/>
+                      </a:solidFill>
+                    </a:lnB>
+                    <a:noFill/>
+                  </a:tcPr>
+                </a:tc>
+              </a:tr>
+              <a:tr h="412200">
+                <a:tc>
+                  <a:txBody>
+                    <a:bodyPr/>
+                    <a:lstStyle/>
+                    <a:p>
+                      <a:pPr algn="ctr">
+                        <a:lnSpc>
+                          <a:spcPct val="115000"/>
+                        </a:lnSpc>
+                      </a:pPr>
+                      <a:r>
+                        <a:rPr lang="es-ES" sz="1400" b="0" strike="noStrike" spc="-1">
+                          <a:solidFill>
+                            <a:srgbClr val="000000"/>
+                          </a:solidFill>
+                          <a:latin typeface="Arial"/>
+                          <a:ea typeface="Arial"/>
+                        </a:rPr>
+                        <a:t>Images</a:t>
+                      </a:r>
+                      <a:endParaRPr lang="es-ES" sz="1400" b="0" strike="noStrike" spc="-1">
+                        <a:latin typeface="Arial"/>
+                      </a:endParaRPr>
+                    </a:p>
+                  </a:txBody>
+                  <a:tcPr marL="91080" marR="91080">
+                    <a:lnL w="18720">
+                      <a:solidFill>
+                        <a:srgbClr val="000000"/>
+                      </a:solidFill>
+                    </a:lnL>
+                    <a:lnR w="18720">
+                      <a:solidFill>
+                        <a:srgbClr val="000000"/>
+                      </a:solidFill>
+                    </a:lnR>
+                    <a:lnT w="18720">
+                      <a:solidFill>
+                        <a:srgbClr val="000000"/>
+                      </a:solidFill>
+                    </a:lnT>
+                    <a:lnB w="18720">
+                      <a:solidFill>
+                        <a:srgbClr val="000000"/>
+                      </a:solidFill>
+                    </a:lnB>
+                    <a:noFill/>
+                  </a:tcPr>
+                </a:tc>
+                <a:tc>
+                  <a:txBody>
+                    <a:bodyPr/>
+                    <a:lstStyle/>
+                    <a:p>
+                      <a:pPr algn="ctr">
+                        <a:lnSpc>
+                          <a:spcPct val="115000"/>
+                        </a:lnSpc>
+                      </a:pPr>
+                      <a:r>
+                        <a:rPr lang="es-ES" sz="1100" b="0" strike="noStrike" spc="-1" dirty="0">
+                          <a:solidFill>
+                            <a:srgbClr val="00B050"/>
+                          </a:solidFill>
+                          <a:latin typeface="Arial"/>
+                          <a:ea typeface="Arial"/>
+                        </a:rPr>
+                        <a:t>YES</a:t>
+                      </a:r>
+                      <a:endParaRPr lang="es-ES" sz="1100" b="0" strike="noStrike" spc="-1" dirty="0">
+                        <a:latin typeface="Arial"/>
+                      </a:endParaRPr>
+                    </a:p>
+                  </a:txBody>
+                  <a:tcPr marL="91080" marR="91080">
+                    <a:lnL w="18720">
+                      <a:solidFill>
+                        <a:srgbClr val="000000"/>
+                      </a:solidFill>
+                    </a:lnL>
+                    <a:lnR w="18720">
+                      <a:solidFill>
+                        <a:srgbClr val="000000"/>
+                      </a:solidFill>
+                    </a:lnR>
+                    <a:lnT w="18720">
+                      <a:solidFill>
+                        <a:srgbClr val="000000"/>
+                      </a:solidFill>
+                    </a:lnT>
+                    <a:lnB w="18720">
+                      <a:solidFill>
+                        <a:srgbClr val="000000"/>
+                      </a:solidFill>
+                    </a:lnB>
+                    <a:noFill/>
+                  </a:tcPr>
+                </a:tc>
+              </a:tr>
+              <a:tr h="412200">
+                <a:tc>
+                  <a:txBody>
+                    <a:bodyPr/>
+                    <a:lstStyle/>
+                    <a:p>
+                      <a:pPr algn="ctr">
+                        <a:lnSpc>
+                          <a:spcPct val="115000"/>
+                        </a:lnSpc>
+                      </a:pPr>
+                      <a:r>
+                        <a:rPr lang="es-ES" sz="1400" b="0" strike="noStrike" spc="-1">
+                          <a:solidFill>
+                            <a:srgbClr val="000000"/>
+                          </a:solidFill>
+                          <a:latin typeface="Arial"/>
+                          <a:ea typeface="Arial"/>
+                        </a:rPr>
+                        <a:t>AJAX</a:t>
+                      </a:r>
+                      <a:endParaRPr lang="es-ES" sz="1400" b="0" strike="noStrike" spc="-1">
+                        <a:latin typeface="Arial"/>
+                      </a:endParaRPr>
+                    </a:p>
+                  </a:txBody>
+                  <a:tcPr marL="91080" marR="91080">
+                    <a:lnL w="18720">
+                      <a:solidFill>
+                        <a:srgbClr val="000000"/>
+                      </a:solidFill>
+                    </a:lnL>
+                    <a:lnR w="18720">
+                      <a:solidFill>
+                        <a:srgbClr val="000000"/>
+                      </a:solidFill>
+                    </a:lnR>
+                    <a:lnT w="18720">
+                      <a:solidFill>
+                        <a:srgbClr val="000000"/>
+                      </a:solidFill>
+                    </a:lnT>
+                    <a:lnB w="18720">
+                      <a:solidFill>
+                        <a:srgbClr val="000000"/>
+                      </a:solidFill>
+                    </a:lnB>
+                    <a:noFill/>
+                  </a:tcPr>
+                </a:tc>
+                <a:tc>
+                  <a:txBody>
+                    <a:bodyPr/>
+                    <a:lstStyle/>
+                    <a:p>
+                      <a:pPr algn="ctr">
+                        <a:lnSpc>
+                          <a:spcPct val="115000"/>
+                        </a:lnSpc>
+                      </a:pPr>
+                      <a:r>
+                        <a:rPr lang="es-ES" sz="1100" b="0" strike="noStrike" spc="-1" dirty="0">
+                          <a:solidFill>
+                            <a:srgbClr val="00B050"/>
+                          </a:solidFill>
+                          <a:latin typeface="Arial"/>
+                          <a:ea typeface="Arial"/>
+                        </a:rPr>
+                        <a:t>YES</a:t>
+                      </a:r>
+                      <a:endParaRPr lang="es-ES" sz="1100" b="0" strike="noStrike" spc="-1" dirty="0">
+                        <a:latin typeface="Arial"/>
+                      </a:endParaRPr>
+                    </a:p>
+                  </a:txBody>
+                  <a:tcPr marL="91080" marR="91080">
+                    <a:lnL w="18720">
+                      <a:solidFill>
+                        <a:srgbClr val="000000"/>
+                      </a:solidFill>
+                    </a:lnL>
+                    <a:lnR w="18720">
+                      <a:solidFill>
+                        <a:srgbClr val="000000"/>
+                      </a:solidFill>
+                    </a:lnR>
+                    <a:lnT w="18720">
+                      <a:solidFill>
+                        <a:srgbClr val="000000"/>
+                      </a:solidFill>
+                    </a:lnT>
+                    <a:lnB w="18720">
+                      <a:solidFill>
+                        <a:srgbClr val="000000"/>
+                      </a:solidFill>
+                    </a:lnB>
+                    <a:noFill/>
+                  </a:tcPr>
+                </a:tc>
+              </a:tr>
+              <a:tr h="412200">
+                <a:tc>
+                  <a:txBody>
+                    <a:bodyPr/>
+                    <a:lstStyle/>
+                    <a:p>
+                      <a:pPr algn="ctr">
+                        <a:lnSpc>
+                          <a:spcPct val="115000"/>
+                        </a:lnSpc>
+                      </a:pPr>
+                      <a:r>
+                        <a:rPr lang="es-ES" sz="1400" b="0" strike="noStrike" spc="-1">
+                          <a:solidFill>
+                            <a:srgbClr val="000000"/>
+                          </a:solidFill>
+                          <a:latin typeface="Arial"/>
+                          <a:ea typeface="Arial"/>
+                        </a:rPr>
+                        <a:t>Presentation</a:t>
+                      </a:r>
+                      <a:endParaRPr lang="es-ES" sz="1400" b="0" strike="noStrike" spc="-1">
+                        <a:latin typeface="Arial"/>
+                      </a:endParaRPr>
+                    </a:p>
+                  </a:txBody>
+                  <a:tcPr marL="91080" marR="91080">
+                    <a:lnL w="18720">
+                      <a:solidFill>
+                        <a:srgbClr val="000000"/>
+                      </a:solidFill>
+                    </a:lnL>
+                    <a:lnR w="18720">
+                      <a:solidFill>
+                        <a:srgbClr val="000000"/>
+                      </a:solidFill>
+                    </a:lnR>
+                    <a:lnT w="18720">
+                      <a:solidFill>
+                        <a:srgbClr val="000000"/>
+                      </a:solidFill>
+                    </a:lnT>
+                    <a:lnB w="18720">
+                      <a:solidFill>
+                        <a:srgbClr val="000000"/>
+                      </a:solidFill>
+                    </a:lnB>
+                    <a:noFill/>
+                  </a:tcPr>
+                </a:tc>
+                <a:tc>
+                  <a:txBody>
+                    <a:bodyPr/>
+                    <a:lstStyle/>
+                    <a:p>
+                      <a:pPr algn="ctr">
+                        <a:lnSpc>
+                          <a:spcPct val="115000"/>
+                        </a:lnSpc>
+                      </a:pPr>
+                      <a:r>
+                        <a:rPr lang="es-ES" sz="1100" b="0" strike="noStrike" spc="-1" dirty="0">
+                          <a:solidFill>
+                            <a:srgbClr val="00B050"/>
+                          </a:solidFill>
+                          <a:latin typeface="Arial"/>
+                          <a:ea typeface="Arial"/>
+                        </a:rPr>
+                        <a:t>YES</a:t>
+                      </a:r>
+                      <a:endParaRPr lang="es-ES" sz="1100" b="0" strike="noStrike" spc="-1" dirty="0">
+                        <a:latin typeface="Arial"/>
+                      </a:endParaRPr>
+                    </a:p>
+                  </a:txBody>
+                  <a:tcPr marL="91080" marR="91080">
+                    <a:lnL w="18720">
+                      <a:solidFill>
+                        <a:srgbClr val="000000"/>
+                      </a:solidFill>
+                    </a:lnL>
+                    <a:lnR w="18720">
+                      <a:solidFill>
+                        <a:srgbClr val="000000"/>
+                      </a:solidFill>
+                    </a:lnR>
+                    <a:lnT w="18720">
+                      <a:solidFill>
+                        <a:srgbClr val="000000"/>
+                      </a:solidFill>
+                    </a:lnT>
+                    <a:lnB w="18720">
+                      <a:solidFill>
+                        <a:srgbClr val="000000"/>
+                      </a:solidFill>
+                    </a:lnB>
+                    <a:noFill/>
+                  </a:tcPr>
+                </a:tc>
+              </a:tr>
+            </a:tbl>
+          </a:graphicData>
+        </a:graphic>
+      </p:graphicFrame>
     </p:spTree>
     <p:extLst>
       <p:ext uri="{BB962C8B-B14F-4D97-AF65-F5344CB8AC3E}">
-        <p14:creationId xmlns:p14="http://schemas.microsoft.com/office/powerpoint/2010/main" val="2359219761"/>
+        <p14:creationId xmlns:p14="http://schemas.microsoft.com/office/powerpoint/2010/main" val="823816009"/>
       </p:ext>
     </p:extLst>
   </p:cSld>
@@ -3849,267 +5525,109 @@
       </p:grpSpPr>
       <p:sp>
         <p:nvSpPr>
-          <p:cNvPr id="4" name="CuadroTexto 3"/>
-          <p:cNvSpPr txBox="1"/>
+          <p:cNvPr id="2" name="CustomShape 1"/>
+          <p:cNvSpPr/>
           <p:nvPr/>
         </p:nvSpPr>
         <p:spPr>
           <a:xfrm>
-            <a:off x="0" y="2303417"/>
-            <a:ext cx="6091645" cy="1446550"/>
+            <a:off x="0" y="2303280"/>
+            <a:ext cx="6090840" cy="1445760"/>
           </a:xfrm>
           <a:prstGeom prst="rect">
             <a:avLst/>
           </a:prstGeom>
           <a:noFill/>
+          <a:ln>
+            <a:noFill/>
+          </a:ln>
         </p:spPr>
-        <p:txBody>
-          <a:bodyPr wrap="square" rtlCol="0">
-            <a:spAutoFit/>
+        <p:style>
+          <a:lnRef idx="0">
+            <a:scrgbClr r="0" g="0" b="0"/>
+          </a:lnRef>
+          <a:fillRef idx="0">
+            <a:scrgbClr r="0" g="0" b="0"/>
+          </a:fillRef>
+          <a:effectRef idx="0">
+            <a:scrgbClr r="0" g="0" b="0"/>
+          </a:effectRef>
+          <a:fontRef idx="minor"/>
+        </p:style>
+        <p:txBody>
+          <a:bodyPr lIns="90000" tIns="45000" rIns="90000" bIns="45000">
+            <a:noAutofit/>
           </a:bodyPr>
           <a:lstStyle/>
           <a:p>
-            <a:pPr algn="ctr"/>
-            <a:r>
-              <a:rPr lang="es-ES" sz="8800" dirty="0" smtClean="0">
+            <a:pPr algn="ctr">
+              <a:lnSpc>
+                <a:spcPct val="100000"/>
+              </a:lnSpc>
+            </a:pPr>
+            <a:r>
+              <a:rPr lang="es-ES" sz="8800" b="0" strike="noStrike" spc="-1">
                 <a:solidFill>
                   <a:srgbClr val="E8E8E8"/>
                 </a:solidFill>
+                <a:latin typeface="Calibri"/>
+                <a:ea typeface="Calibri"/>
               </a:rPr>
-              <a:t>Zero-Day</a:t>
-            </a:r>
-            <a:endParaRPr lang="es-ES" dirty="0">
-              <a:solidFill>
-                <a:srgbClr val="E8E8E8"/>
-              </a:solidFill>
+              <a:t>Screen</a:t>
+            </a:r>
+            <a:endParaRPr lang="es-ES" sz="8800" b="0" strike="noStrike" spc="-1">
+              <a:latin typeface="Arial"/>
+            </a:endParaRPr>
+          </a:p>
+          <a:p>
+            <a:pPr algn="ctr">
+              <a:lnSpc>
+                <a:spcPct val="100000"/>
+              </a:lnSpc>
+            </a:pPr>
+            <a:r>
+              <a:rPr lang="es-ES" sz="8800" b="0" strike="noStrike" spc="-1">
+                <a:solidFill>
+                  <a:srgbClr val="E8E8E8"/>
+                </a:solidFill>
+                <a:latin typeface="Calibri"/>
+                <a:ea typeface="Calibri"/>
+              </a:rPr>
+              <a:t>Map</a:t>
+            </a:r>
+            <a:endParaRPr lang="es-ES" sz="8800" b="0" strike="noStrike" spc="-1">
+              <a:latin typeface="Arial"/>
             </a:endParaRPr>
           </a:p>
         </p:txBody>
       </p:sp>
       <p:pic>
         <p:nvPicPr>
-          <p:cNvPr id="1026" name="Picture 2" descr="Resultado de imagen de zero-day table price"/>
-          <p:cNvPicPr>
-            <a:picLocks noChangeAspect="1" noChangeArrowheads="1"/>
-          </p:cNvPicPr>
+          <p:cNvPr id="3" name="Imagen 2"/>
+          <p:cNvPicPr/>
           <p:nvPr/>
         </p:nvPicPr>
         <p:blipFill>
-          <a:blip r:embed="rId2">
-            <a:extLst>
-              <a:ext uri="{28A0092B-C50C-407E-A947-70E740481C1C}">
-                <a14:useLocalDpi xmlns:a14="http://schemas.microsoft.com/office/drawing/2010/main" val="0"/>
-              </a:ext>
-            </a:extLst>
-          </a:blip>
-          <a:srcRect/>
-          <a:stretch>
-            <a:fillRect/>
-          </a:stretch>
+          <a:blip r:embed="rId2"/>
+          <a:stretch/>
         </p:blipFill>
-        <p:spPr bwMode="auto">
+        <p:spPr>
           <a:xfrm>
-            <a:off x="7112967" y="3924896"/>
-            <a:ext cx="3810000" cy="2771776"/>
+            <a:off x="6288064" y="729411"/>
+            <a:ext cx="5798880" cy="5853330"/>
           </a:xfrm>
           <a:prstGeom prst="rect">
             <a:avLst/>
           </a:prstGeom>
-          <a:noFill/>
-          <a:extLst>
-            <a:ext uri="{909E8E84-426E-40DD-AFC4-6F175D3DCCD1}">
-              <a14:hiddenFill xmlns:a14="http://schemas.microsoft.com/office/drawing/2010/main">
-                <a:solidFill>
-                  <a:srgbClr val="FFFFFF"/>
-                </a:solidFill>
-              </a14:hiddenFill>
-            </a:ext>
-          </a:extLst>
+          <a:ln>
+            <a:noFill/>
+          </a:ln>
         </p:spPr>
       </p:pic>
-      <p:sp>
-        <p:nvSpPr>
-          <p:cNvPr id="3" name="Rectángulo 2"/>
-          <p:cNvSpPr/>
-          <p:nvPr/>
-        </p:nvSpPr>
-        <p:spPr>
-          <a:xfrm>
-            <a:off x="6343016" y="333647"/>
-            <a:ext cx="5703210" cy="3416320"/>
-          </a:xfrm>
-          <a:prstGeom prst="rect">
-            <a:avLst/>
-          </a:prstGeom>
-        </p:spPr>
-        <p:txBody>
-          <a:bodyPr wrap="square">
-            <a:spAutoFit/>
-          </a:bodyPr>
-          <a:lstStyle/>
-          <a:p>
-            <a:pPr marL="342900" lvl="0" indent="-342900">
-              <a:spcAft>
-                <a:spcPts val="0"/>
-              </a:spcAft>
-              <a:buFont typeface="Calibri" panose="020F0502020204030204" pitchFamily="34" charset="0"/>
-              <a:buChar char="-"/>
-            </a:pPr>
-            <a:r>
-              <a:rPr lang="en-GB" sz="2400" dirty="0">
-                <a:latin typeface="Calibri" panose="020F0502020204030204" pitchFamily="34" charset="0"/>
-                <a:ea typeface="Calibri" panose="020F0502020204030204" pitchFamily="34" charset="0"/>
-                <a:cs typeface="Times New Roman" panose="02020603050405020304" pitchFamily="18" charset="0"/>
-              </a:rPr>
-              <a:t>It is an attack against an application or system.</a:t>
-            </a:r>
-            <a:endParaRPr lang="es-ES" sz="2400" dirty="0">
-              <a:latin typeface="Calibri" panose="020F0502020204030204" pitchFamily="34" charset="0"/>
-              <a:ea typeface="Calibri" panose="020F0502020204030204" pitchFamily="34" charset="0"/>
-              <a:cs typeface="Times New Roman" panose="02020603050405020304" pitchFamily="18" charset="0"/>
-            </a:endParaRPr>
-          </a:p>
-          <a:p>
-            <a:pPr marL="457200">
-              <a:spcAft>
-                <a:spcPts val="0"/>
-              </a:spcAft>
-            </a:pPr>
-            <a:r>
-              <a:rPr lang="en-GB" sz="2400" dirty="0">
-                <a:latin typeface="Calibri" panose="020F0502020204030204" pitchFamily="34" charset="0"/>
-                <a:ea typeface="Calibri" panose="020F0502020204030204" pitchFamily="34" charset="0"/>
-                <a:cs typeface="Times New Roman" panose="02020603050405020304" pitchFamily="18" charset="0"/>
-              </a:rPr>
-              <a:t> </a:t>
-            </a:r>
-            <a:endParaRPr lang="es-ES" sz="2400" dirty="0">
-              <a:latin typeface="Calibri" panose="020F0502020204030204" pitchFamily="34" charset="0"/>
-              <a:ea typeface="Calibri" panose="020F0502020204030204" pitchFamily="34" charset="0"/>
-              <a:cs typeface="Times New Roman" panose="02020603050405020304" pitchFamily="18" charset="0"/>
-            </a:endParaRPr>
-          </a:p>
-          <a:p>
-            <a:pPr marL="342900" lvl="0" indent="-342900">
-              <a:spcAft>
-                <a:spcPts val="0"/>
-              </a:spcAft>
-              <a:buFont typeface="Calibri" panose="020F0502020204030204" pitchFamily="34" charset="0"/>
-              <a:buChar char="-"/>
-            </a:pPr>
-            <a:r>
-              <a:rPr lang="en-GB" sz="2400" dirty="0">
-                <a:latin typeface="Calibri" panose="020F0502020204030204" pitchFamily="34" charset="0"/>
-                <a:ea typeface="Calibri" panose="020F0502020204030204" pitchFamily="34" charset="0"/>
-                <a:cs typeface="Times New Roman" panose="02020603050405020304" pitchFamily="18" charset="0"/>
-              </a:rPr>
-              <a:t>Execution of malicious code.</a:t>
-            </a:r>
-            <a:endParaRPr lang="es-ES" sz="2400" dirty="0">
-              <a:latin typeface="Calibri" panose="020F0502020204030204" pitchFamily="34" charset="0"/>
-              <a:ea typeface="Calibri" panose="020F0502020204030204" pitchFamily="34" charset="0"/>
-              <a:cs typeface="Times New Roman" panose="02020603050405020304" pitchFamily="18" charset="0"/>
-            </a:endParaRPr>
-          </a:p>
-          <a:p>
-            <a:pPr marL="457200">
-              <a:spcAft>
-                <a:spcPts val="0"/>
-              </a:spcAft>
-            </a:pPr>
-            <a:r>
-              <a:rPr lang="en-GB" sz="2400" dirty="0">
-                <a:latin typeface="Calibri" panose="020F0502020204030204" pitchFamily="34" charset="0"/>
-                <a:ea typeface="Calibri" panose="020F0502020204030204" pitchFamily="34" charset="0"/>
-                <a:cs typeface="Times New Roman" panose="02020603050405020304" pitchFamily="18" charset="0"/>
-              </a:rPr>
-              <a:t> </a:t>
-            </a:r>
-            <a:endParaRPr lang="es-ES" sz="2400" dirty="0">
-              <a:latin typeface="Calibri" panose="020F0502020204030204" pitchFamily="34" charset="0"/>
-              <a:ea typeface="Calibri" panose="020F0502020204030204" pitchFamily="34" charset="0"/>
-              <a:cs typeface="Times New Roman" panose="02020603050405020304" pitchFamily="18" charset="0"/>
-            </a:endParaRPr>
-          </a:p>
-          <a:p>
-            <a:pPr marL="342900" lvl="0" indent="-342900">
-              <a:spcAft>
-                <a:spcPts val="0"/>
-              </a:spcAft>
-              <a:buFont typeface="Calibri" panose="020F0502020204030204" pitchFamily="34" charset="0"/>
-              <a:buChar char="-"/>
-            </a:pPr>
-            <a:r>
-              <a:rPr lang="en-GB" sz="2400" dirty="0">
-                <a:latin typeface="Calibri" panose="020F0502020204030204" pitchFamily="34" charset="0"/>
-                <a:ea typeface="Calibri" panose="020F0502020204030204" pitchFamily="34" charset="0"/>
-                <a:cs typeface="Times New Roman" panose="02020603050405020304" pitchFamily="18" charset="0"/>
-              </a:rPr>
-              <a:t>Vulnerabilities that are unknown.</a:t>
-            </a:r>
-            <a:endParaRPr lang="es-ES" sz="2400" dirty="0">
-              <a:latin typeface="Calibri" panose="020F0502020204030204" pitchFamily="34" charset="0"/>
-              <a:ea typeface="Calibri" panose="020F0502020204030204" pitchFamily="34" charset="0"/>
-              <a:cs typeface="Times New Roman" panose="02020603050405020304" pitchFamily="18" charset="0"/>
-            </a:endParaRPr>
-          </a:p>
-          <a:p>
-            <a:pPr marL="457200">
-              <a:spcAft>
-                <a:spcPts val="0"/>
-              </a:spcAft>
-            </a:pPr>
-            <a:r>
-              <a:rPr lang="en-GB" sz="2400" dirty="0">
-                <a:latin typeface="Calibri" panose="020F0502020204030204" pitchFamily="34" charset="0"/>
-                <a:ea typeface="Calibri" panose="020F0502020204030204" pitchFamily="34" charset="0"/>
-                <a:cs typeface="Times New Roman" panose="02020603050405020304" pitchFamily="18" charset="0"/>
-              </a:rPr>
-              <a:t> </a:t>
-            </a:r>
-            <a:endParaRPr lang="es-ES" sz="2400" dirty="0">
-              <a:latin typeface="Calibri" panose="020F0502020204030204" pitchFamily="34" charset="0"/>
-              <a:ea typeface="Calibri" panose="020F0502020204030204" pitchFamily="34" charset="0"/>
-              <a:cs typeface="Times New Roman" panose="02020603050405020304" pitchFamily="18" charset="0"/>
-            </a:endParaRPr>
-          </a:p>
-          <a:p>
-            <a:pPr marL="342900" lvl="0" indent="-342900">
-              <a:spcAft>
-                <a:spcPts val="800"/>
-              </a:spcAft>
-              <a:buFont typeface="Calibri" panose="020F0502020204030204" pitchFamily="34" charset="0"/>
-              <a:buChar char="-"/>
-            </a:pPr>
-            <a:r>
-              <a:rPr lang="en-GB" sz="2400" dirty="0" smtClean="0">
-                <a:latin typeface="Calibri" panose="020F0502020204030204" pitchFamily="34" charset="0"/>
-                <a:ea typeface="Calibri" panose="020F0502020204030204" pitchFamily="34" charset="0"/>
-                <a:cs typeface="Times New Roman" panose="02020603050405020304" pitchFamily="18" charset="0"/>
-              </a:rPr>
-              <a:t>The </a:t>
-            </a:r>
-            <a:r>
-              <a:rPr lang="en-GB" sz="2400" dirty="0">
-                <a:latin typeface="Calibri" panose="020F0502020204030204" pitchFamily="34" charset="0"/>
-                <a:ea typeface="Calibri" panose="020F0502020204030204" pitchFamily="34" charset="0"/>
-                <a:cs typeface="Times New Roman" panose="02020603050405020304" pitchFamily="18" charset="0"/>
-              </a:rPr>
-              <a:t>most dangerous instruments of a computer war.</a:t>
-            </a:r>
-            <a:endParaRPr lang="es-ES" sz="2400" dirty="0">
-              <a:effectLst/>
-              <a:latin typeface="Calibri" panose="020F0502020204030204" pitchFamily="34" charset="0"/>
-              <a:ea typeface="Calibri" panose="020F0502020204030204" pitchFamily="34" charset="0"/>
-              <a:cs typeface="Times New Roman" panose="02020603050405020304" pitchFamily="18" charset="0"/>
-            </a:endParaRPr>
-          </a:p>
-        </p:txBody>
-      </p:sp>
     </p:spTree>
     <p:extLst>
       <p:ext uri="{BB962C8B-B14F-4D97-AF65-F5344CB8AC3E}">
-        <p14:creationId xmlns:p14="http://schemas.microsoft.com/office/powerpoint/2010/main" val="201440114"/>
+        <p14:creationId xmlns:p14="http://schemas.microsoft.com/office/powerpoint/2010/main" val="949072257"/>
       </p:ext>
     </p:extLst>
   </p:cSld>
@@ -4167,67 +5685,111 @@
           <a:chExt cx="0" cy="0"/>
         </a:xfrm>
       </p:grpSpPr>
-      <p:graphicFrame>
-        <p:nvGraphicFramePr>
-          <p:cNvPr id="5" name="Objeto 4"/>
-          <p:cNvGraphicFramePr>
-            <a:graphicFrameLocks noChangeAspect="1"/>
-          </p:cNvGraphicFramePr>
-          <p:nvPr>
-            <p:extLst>
-              <p:ext uri="{D42A27DB-BD31-4B8C-83A1-F6EECF244321}">
-                <p14:modId xmlns:p14="http://schemas.microsoft.com/office/powerpoint/2010/main" val="442984721"/>
-              </p:ext>
-            </p:extLst>
-          </p:nvPr>
-        </p:nvGraphicFramePr>
-        <p:xfrm>
-          <a:off x="1455806" y="103367"/>
-          <a:ext cx="9286406" cy="6618374"/>
-        </p:xfrm>
-        <a:graphic>
-          <a:graphicData uri="http://schemas.openxmlformats.org/presentationml/2006/ole">
-            <mc:AlternateContent xmlns:mc="http://schemas.openxmlformats.org/markup-compatibility/2006">
-              <mc:Choice xmlns:v="urn:schemas-microsoft-com:vml" Requires="v">
-                <p:oleObj spid="_x0000_s2056" name="Image" r:id="rId3" imgW="11403000" imgH="8126640" progId="Photoshop.Image.18">
-                  <p:embed/>
-                </p:oleObj>
-              </mc:Choice>
-              <mc:Fallback>
-                <p:oleObj name="Image" r:id="rId3" imgW="11403000" imgH="8126640" progId="Photoshop.Image.18">
-                  <p:embed/>
-                  <p:pic>
-                    <p:nvPicPr>
-                      <p:cNvPr id="0" name=""/>
-                      <p:cNvPicPr/>
-                      <p:nvPr/>
-                    </p:nvPicPr>
-                    <p:blipFill>
-                      <a:blip r:embed="rId4"/>
-                      <a:stretch>
-                        <a:fillRect/>
-                      </a:stretch>
-                    </p:blipFill>
-                    <p:spPr>
-                      <a:xfrm>
-                        <a:off x="1455806" y="103367"/>
-                        <a:ext cx="9286406" cy="6618374"/>
-                      </a:xfrm>
-                      <a:prstGeom prst="rect">
-                        <a:avLst/>
-                      </a:prstGeom>
-                    </p:spPr>
-                  </p:pic>
-                </p:oleObj>
-              </mc:Fallback>
-            </mc:AlternateContent>
-          </a:graphicData>
-        </a:graphic>
-      </p:graphicFrame>
+      <p:sp>
+        <p:nvSpPr>
+          <p:cNvPr id="2" name="CustomShape 1"/>
+          <p:cNvSpPr/>
+          <p:nvPr/>
+        </p:nvSpPr>
+        <p:spPr>
+          <a:xfrm>
+            <a:off x="0" y="2303280"/>
+            <a:ext cx="6090840" cy="1445760"/>
+          </a:xfrm>
+          <a:prstGeom prst="rect">
+            <a:avLst/>
+          </a:prstGeom>
+          <a:noFill/>
+          <a:ln>
+            <a:noFill/>
+          </a:ln>
+        </p:spPr>
+        <p:style>
+          <a:lnRef idx="0">
+            <a:scrgbClr r="0" g="0" b="0"/>
+          </a:lnRef>
+          <a:fillRef idx="0">
+            <a:scrgbClr r="0" g="0" b="0"/>
+          </a:fillRef>
+          <a:effectRef idx="0">
+            <a:scrgbClr r="0" g="0" b="0"/>
+          </a:effectRef>
+          <a:fontRef idx="minor"/>
+        </p:style>
+        <p:txBody>
+          <a:bodyPr lIns="90000" tIns="45000" rIns="90000" bIns="45000">
+            <a:noAutofit/>
+          </a:bodyPr>
+          <a:lstStyle/>
+          <a:p>
+            <a:pPr algn="ctr">
+              <a:lnSpc>
+                <a:spcPct val="100000"/>
+              </a:lnSpc>
+            </a:pPr>
+            <a:r>
+              <a:rPr lang="es-ES" sz="8800" b="0" strike="noStrike" spc="-1" dirty="0">
+                <a:solidFill>
+                  <a:srgbClr val="E8E8E8"/>
+                </a:solidFill>
+                <a:latin typeface="Calibri"/>
+                <a:ea typeface="Calibri"/>
+              </a:rPr>
+              <a:t>E-R </a:t>
+            </a:r>
+            <a:endParaRPr lang="es-ES" sz="8800" b="0" strike="noStrike" spc="-1" dirty="0">
+              <a:latin typeface="Arial"/>
+            </a:endParaRPr>
+          </a:p>
+          <a:p>
+            <a:pPr algn="ctr">
+              <a:lnSpc>
+                <a:spcPct val="100000"/>
+              </a:lnSpc>
+            </a:pPr>
+            <a:r>
+              <a:rPr lang="es-ES" sz="8800" b="0" strike="noStrike" spc="-1" dirty="0" err="1">
+                <a:solidFill>
+                  <a:srgbClr val="E8E8E8"/>
+                </a:solidFill>
+                <a:latin typeface="Calibri"/>
+                <a:ea typeface="Calibri"/>
+              </a:rPr>
+              <a:t>Scheme</a:t>
+            </a:r>
+            <a:endParaRPr lang="es-ES" sz="8800" b="0" strike="noStrike" spc="-1" dirty="0">
+              <a:latin typeface="Arial"/>
+            </a:endParaRPr>
+          </a:p>
+        </p:txBody>
+      </p:sp>
+      <p:pic>
+        <p:nvPicPr>
+          <p:cNvPr id="3" name="Google Shape;104;p16"/>
+          <p:cNvPicPr/>
+          <p:nvPr/>
+        </p:nvPicPr>
+        <p:blipFill>
+          <a:blip r:embed="rId2"/>
+          <a:stretch/>
+        </p:blipFill>
+        <p:spPr>
+          <a:xfrm>
+            <a:off x="6231470" y="1210235"/>
+            <a:ext cx="5864257" cy="5202367"/>
+          </a:xfrm>
+          <a:prstGeom prst="rect">
+            <a:avLst/>
+          </a:prstGeom>
+          <a:ln>
+            <a:noFill/>
+          </a:ln>
+        </p:spPr>
+      </p:pic>
     </p:spTree>
     <p:extLst>
       <p:ext uri="{BB962C8B-B14F-4D97-AF65-F5344CB8AC3E}">
-        <p14:creationId xmlns:p14="http://schemas.microsoft.com/office/powerpoint/2010/main" val="3559718507"/>
+        <p14:creationId xmlns:p14="http://schemas.microsoft.com/office/powerpoint/2010/main" val="2470415090"/>
       </p:ext>
     </p:extLst>
   </p:cSld>
@@ -4285,217 +5847,141 @@
           <a:chExt cx="0" cy="0"/>
         </a:xfrm>
       </p:grpSpPr>
-      <p:pic>
-        <p:nvPicPr>
-          <p:cNvPr id="3" name="Imagen 2"/>
-          <p:cNvPicPr>
-            <a:picLocks noChangeAspect="1"/>
-          </p:cNvPicPr>
+      <p:sp>
+        <p:nvSpPr>
+          <p:cNvPr id="2" name="CustomShape 1"/>
+          <p:cNvSpPr/>
           <p:nvPr/>
-        </p:nvPicPr>
-        <p:blipFill>
-          <a:blip r:embed="rId2">
-            <a:extLst>
-              <a:ext uri="{28A0092B-C50C-407E-A947-70E740481C1C}">
-                <a14:useLocalDpi xmlns:a14="http://schemas.microsoft.com/office/drawing/2010/main" val="0"/>
-              </a:ext>
-            </a:extLst>
-          </a:blip>
-          <a:stretch>
-            <a:fillRect/>
-          </a:stretch>
-        </p:blipFill>
+        </p:nvSpPr>
         <p:spPr>
           <a:xfrm>
-            <a:off x="194292" y="978866"/>
-            <a:ext cx="5654937" cy="4913051"/>
+            <a:off x="233365" y="427129"/>
+            <a:ext cx="5646960" cy="1445760"/>
           </a:xfrm>
           <a:prstGeom prst="rect">
             <a:avLst/>
           </a:prstGeom>
+          <a:noFill/>
+          <a:ln>
+            <a:noFill/>
+          </a:ln>
         </p:spPr>
-      </p:pic>
-      <p:sp>
-        <p:nvSpPr>
-          <p:cNvPr id="5" name="Rectángulo 4"/>
-          <p:cNvSpPr/>
+        <p:style>
+          <a:lnRef idx="0">
+            <a:scrgbClr r="0" g="0" b="0"/>
+          </a:lnRef>
+          <a:fillRef idx="0">
+            <a:scrgbClr r="0" g="0" b="0"/>
+          </a:fillRef>
+          <a:effectRef idx="0">
+            <a:scrgbClr r="0" g="0" b="0"/>
+          </a:effectRef>
+          <a:fontRef idx="minor"/>
+        </p:style>
+        <p:txBody>
+          <a:bodyPr lIns="90000" tIns="45000" rIns="90000" bIns="45000">
+            <a:noAutofit/>
+          </a:bodyPr>
+          <a:lstStyle/>
+          <a:p>
+            <a:pPr algn="ctr">
+              <a:lnSpc>
+                <a:spcPct val="100000"/>
+              </a:lnSpc>
+            </a:pPr>
+            <a:r>
+              <a:rPr lang="es-ES" sz="6000" b="0" strike="noStrike" spc="-1" dirty="0" err="1">
+                <a:solidFill>
+                  <a:srgbClr val="E8E8E8"/>
+                </a:solidFill>
+                <a:latin typeface="Calibri"/>
+                <a:ea typeface="Calibri"/>
+              </a:rPr>
+              <a:t>Logical</a:t>
+            </a:r>
+            <a:r>
+              <a:rPr lang="es-ES" sz="6000" b="0" strike="noStrike" spc="-1" dirty="0">
+                <a:solidFill>
+                  <a:srgbClr val="E8E8E8"/>
+                </a:solidFill>
+                <a:latin typeface="Calibri"/>
+                <a:ea typeface="Calibri"/>
+              </a:rPr>
+              <a:t> </a:t>
+            </a:r>
+            <a:r>
+              <a:rPr lang="es-ES" sz="6000" b="0" strike="noStrike" spc="-1" dirty="0" err="1">
+                <a:solidFill>
+                  <a:srgbClr val="E8E8E8"/>
+                </a:solidFill>
+                <a:latin typeface="Calibri"/>
+                <a:ea typeface="Calibri"/>
+              </a:rPr>
+              <a:t>Model</a:t>
+            </a:r>
+            <a:r>
+              <a:rPr lang="es-ES" sz="6000" b="0" strike="noStrike" spc="-1" dirty="0">
+                <a:solidFill>
+                  <a:srgbClr val="E8E8E8"/>
+                </a:solidFill>
+                <a:latin typeface="Calibri"/>
+                <a:ea typeface="Calibri"/>
+              </a:rPr>
+              <a:t> of </a:t>
+            </a:r>
+            <a:r>
+              <a:rPr lang="es-ES" sz="6000" b="0" strike="noStrike" spc="-1" dirty="0" err="1">
+                <a:solidFill>
+                  <a:srgbClr val="E8E8E8"/>
+                </a:solidFill>
+                <a:latin typeface="Calibri"/>
+                <a:ea typeface="Calibri"/>
+              </a:rPr>
+              <a:t>the</a:t>
+            </a:r>
+            <a:r>
+              <a:rPr lang="es-ES" sz="6000" b="0" strike="noStrike" spc="-1" dirty="0">
+                <a:solidFill>
+                  <a:srgbClr val="E8E8E8"/>
+                </a:solidFill>
+                <a:latin typeface="Calibri"/>
+                <a:ea typeface="Calibri"/>
+              </a:rPr>
+              <a:t> Database</a:t>
+            </a:r>
+            <a:endParaRPr lang="es-ES" sz="6000" b="0" strike="noStrike" spc="-1" dirty="0">
+              <a:latin typeface="Arial"/>
+            </a:endParaRPr>
+          </a:p>
+        </p:txBody>
+      </p:sp>
+      <p:pic>
+        <p:nvPicPr>
+          <p:cNvPr id="3" name="Google Shape;110;p17"/>
+          <p:cNvPicPr/>
           <p:nvPr/>
-        </p:nvSpPr>
+        </p:nvPicPr>
+        <p:blipFill>
+          <a:blip r:embed="rId2"/>
+          <a:stretch/>
+        </p:blipFill>
         <p:spPr>
           <a:xfrm>
-            <a:off x="6663192" y="631770"/>
-            <a:ext cx="4662919" cy="5607241"/>
+            <a:off x="1721520" y="3119760"/>
+            <a:ext cx="8748000" cy="3325320"/>
           </a:xfrm>
           <a:prstGeom prst="rect">
             <a:avLst/>
           </a:prstGeom>
+          <a:ln>
+            <a:noFill/>
+          </a:ln>
         </p:spPr>
-        <p:txBody>
-          <a:bodyPr wrap="square">
-            <a:spAutoFit/>
-          </a:bodyPr>
-          <a:lstStyle/>
-          <a:p>
-            <a:pPr marL="342900" lvl="0" indent="-342900">
-              <a:lnSpc>
-                <a:spcPct val="107000"/>
-              </a:lnSpc>
-              <a:spcAft>
-                <a:spcPts val="0"/>
-              </a:spcAft>
-              <a:buFont typeface="Calibri" panose="020F0502020204030204" pitchFamily="34" charset="0"/>
-              <a:buChar char="-"/>
-            </a:pPr>
-            <a:r>
-              <a:rPr lang="en-GB" sz="2400" dirty="0">
-                <a:latin typeface="Calibri" panose="020F0502020204030204" pitchFamily="34" charset="0"/>
-                <a:ea typeface="Calibri" panose="020F0502020204030204" pitchFamily="34" charset="0"/>
-                <a:cs typeface="Times New Roman" panose="02020603050405020304" pitchFamily="18" charset="0"/>
-              </a:rPr>
-              <a:t>The virus was designed to slowly sabotage the nuclear power plant</a:t>
-            </a:r>
-            <a:r>
-              <a:rPr lang="en-GB" sz="2400" dirty="0" smtClean="0">
-                <a:latin typeface="Calibri" panose="020F0502020204030204" pitchFamily="34" charset="0"/>
-                <a:ea typeface="Calibri" panose="020F0502020204030204" pitchFamily="34" charset="0"/>
-                <a:cs typeface="Times New Roman" panose="02020603050405020304" pitchFamily="18" charset="0"/>
-              </a:rPr>
-              <a:t>.</a:t>
-            </a:r>
-          </a:p>
-          <a:p>
-            <a:pPr lvl="0">
-              <a:lnSpc>
-                <a:spcPct val="107000"/>
-              </a:lnSpc>
-              <a:spcAft>
-                <a:spcPts val="0"/>
-              </a:spcAft>
-            </a:pPr>
-            <a:endParaRPr lang="es-ES" sz="2400" dirty="0">
-              <a:latin typeface="Calibri" panose="020F0502020204030204" pitchFamily="34" charset="0"/>
-              <a:ea typeface="Calibri" panose="020F0502020204030204" pitchFamily="34" charset="0"/>
-              <a:cs typeface="Times New Roman" panose="02020603050405020304" pitchFamily="18" charset="0"/>
-            </a:endParaRPr>
-          </a:p>
-          <a:p>
-            <a:pPr marL="342900" lvl="0" indent="-342900">
-              <a:lnSpc>
-                <a:spcPct val="107000"/>
-              </a:lnSpc>
-              <a:spcAft>
-                <a:spcPts val="0"/>
-              </a:spcAft>
-              <a:buFont typeface="Calibri" panose="020F0502020204030204" pitchFamily="34" charset="0"/>
-              <a:buChar char="-"/>
-            </a:pPr>
-            <a:r>
-              <a:rPr lang="en-GB" sz="2400" dirty="0">
-                <a:latin typeface="Calibri" panose="020F0502020204030204" pitchFamily="34" charset="0"/>
-                <a:ea typeface="Calibri" panose="020F0502020204030204" pitchFamily="34" charset="0"/>
-                <a:cs typeface="Times New Roman" panose="02020603050405020304" pitchFamily="18" charset="0"/>
-              </a:rPr>
-              <a:t>Stuxnet has already infected more than 100,000 computer systems around the world</a:t>
-            </a:r>
-            <a:r>
-              <a:rPr lang="en-GB" sz="2400" dirty="0" smtClean="0">
-                <a:latin typeface="Calibri" panose="020F0502020204030204" pitchFamily="34" charset="0"/>
-                <a:ea typeface="Calibri" panose="020F0502020204030204" pitchFamily="34" charset="0"/>
-                <a:cs typeface="Times New Roman" panose="02020603050405020304" pitchFamily="18" charset="0"/>
-              </a:rPr>
-              <a:t>.</a:t>
-            </a:r>
-          </a:p>
-          <a:p>
-            <a:pPr lvl="0">
-              <a:lnSpc>
-                <a:spcPct val="107000"/>
-              </a:lnSpc>
-              <a:spcAft>
-                <a:spcPts val="0"/>
-              </a:spcAft>
-            </a:pPr>
-            <a:endParaRPr lang="es-ES" sz="2400" dirty="0">
-              <a:latin typeface="Calibri" panose="020F0502020204030204" pitchFamily="34" charset="0"/>
-              <a:ea typeface="Calibri" panose="020F0502020204030204" pitchFamily="34" charset="0"/>
-              <a:cs typeface="Times New Roman" panose="02020603050405020304" pitchFamily="18" charset="0"/>
-            </a:endParaRPr>
-          </a:p>
-          <a:p>
-            <a:pPr marL="342900" lvl="0" indent="-342900">
-              <a:lnSpc>
-                <a:spcPct val="107000"/>
-              </a:lnSpc>
-              <a:spcAft>
-                <a:spcPts val="0"/>
-              </a:spcAft>
-              <a:buFont typeface="Calibri" panose="020F0502020204030204" pitchFamily="34" charset="0"/>
-              <a:buChar char="-"/>
-            </a:pPr>
-            <a:r>
-              <a:rPr lang="en-GB" sz="2400" dirty="0">
-                <a:latin typeface="Calibri" panose="020F0502020204030204" pitchFamily="34" charset="0"/>
-                <a:ea typeface="Calibri" panose="020F0502020204030204" pitchFamily="34" charset="0"/>
-                <a:cs typeface="Times New Roman" panose="02020603050405020304" pitchFamily="18" charset="0"/>
-              </a:rPr>
-              <a:t>At first it was intended to steal information</a:t>
-            </a:r>
-            <a:r>
-              <a:rPr lang="en-GB" sz="2400" dirty="0" smtClean="0">
-                <a:latin typeface="Calibri" panose="020F0502020204030204" pitchFamily="34" charset="0"/>
-                <a:ea typeface="Calibri" panose="020F0502020204030204" pitchFamily="34" charset="0"/>
-                <a:cs typeface="Times New Roman" panose="02020603050405020304" pitchFamily="18" charset="0"/>
-              </a:rPr>
-              <a:t>.</a:t>
-            </a:r>
-          </a:p>
-          <a:p>
-            <a:pPr lvl="0">
-              <a:lnSpc>
-                <a:spcPct val="107000"/>
-              </a:lnSpc>
-              <a:spcAft>
-                <a:spcPts val="0"/>
-              </a:spcAft>
-            </a:pPr>
-            <a:endParaRPr lang="es-ES" sz="2400" dirty="0">
-              <a:latin typeface="Calibri" panose="020F0502020204030204" pitchFamily="34" charset="0"/>
-              <a:ea typeface="Calibri" panose="020F0502020204030204" pitchFamily="34" charset="0"/>
-              <a:cs typeface="Times New Roman" panose="02020603050405020304" pitchFamily="18" charset="0"/>
-            </a:endParaRPr>
-          </a:p>
-          <a:p>
-            <a:pPr marL="342900" lvl="0" indent="-342900">
-              <a:lnSpc>
-                <a:spcPct val="107000"/>
-              </a:lnSpc>
-              <a:spcAft>
-                <a:spcPts val="800"/>
-              </a:spcAft>
-              <a:buFont typeface="Calibri" panose="020F0502020204030204" pitchFamily="34" charset="0"/>
-              <a:buChar char="-"/>
-            </a:pPr>
-            <a:r>
-              <a:rPr lang="en-GB" sz="2400" dirty="0">
-                <a:latin typeface="Calibri" panose="020F0502020204030204" pitchFamily="34" charset="0"/>
-                <a:ea typeface="Calibri" panose="020F0502020204030204" pitchFamily="34" charset="0"/>
-                <a:cs typeface="Times New Roman" panose="02020603050405020304" pitchFamily="18" charset="0"/>
-              </a:rPr>
-              <a:t>Code specifically designed to attack the Iranian nuclear power plant systems.</a:t>
-            </a:r>
-            <a:endParaRPr lang="es-ES" sz="2400" dirty="0">
-              <a:effectLst/>
-              <a:latin typeface="Calibri" panose="020F0502020204030204" pitchFamily="34" charset="0"/>
-              <a:ea typeface="Calibri" panose="020F0502020204030204" pitchFamily="34" charset="0"/>
-              <a:cs typeface="Times New Roman" panose="02020603050405020304" pitchFamily="18" charset="0"/>
-            </a:endParaRPr>
-          </a:p>
-        </p:txBody>
-      </p:sp>
+      </p:pic>
     </p:spTree>
     <p:extLst>
       <p:ext uri="{BB962C8B-B14F-4D97-AF65-F5344CB8AC3E}">
-        <p14:creationId xmlns:p14="http://schemas.microsoft.com/office/powerpoint/2010/main" val="1839797631"/>
+        <p14:creationId xmlns:p14="http://schemas.microsoft.com/office/powerpoint/2010/main" val="29828349"/>
       </p:ext>
     </p:extLst>
   </p:cSld>
@@ -4553,549 +6039,131 @@
           <a:chExt cx="0" cy="0"/>
         </a:xfrm>
       </p:grpSpPr>
-      <p:pic>
-        <p:nvPicPr>
-          <p:cNvPr id="1026" name="Picture 2" descr="Resultado de imagen de stuxnet"/>
-          <p:cNvPicPr>
-            <a:picLocks noChangeAspect="1" noChangeArrowheads="1"/>
-          </p:cNvPicPr>
+      <p:sp>
+        <p:nvSpPr>
+          <p:cNvPr id="2" name="CustomShape 1"/>
+          <p:cNvSpPr/>
           <p:nvPr/>
-        </p:nvPicPr>
-        <p:blipFill>
-          <a:blip r:embed="rId2">
-            <a:extLst>
-              <a:ext uri="{28A0092B-C50C-407E-A947-70E740481C1C}">
-                <a14:useLocalDpi xmlns:a14="http://schemas.microsoft.com/office/drawing/2010/main" val="0"/>
-              </a:ext>
-            </a:extLst>
-          </a:blip>
-          <a:srcRect/>
-          <a:stretch>
-            <a:fillRect/>
-          </a:stretch>
-        </p:blipFill>
-        <p:spPr bwMode="auto">
+        </p:nvSpPr>
+        <p:spPr>
           <a:xfrm>
-            <a:off x="6341386" y="1515175"/>
-            <a:ext cx="5605598" cy="3690353"/>
+            <a:off x="51480" y="428400"/>
+            <a:ext cx="6090840" cy="1445760"/>
           </a:xfrm>
           <a:prstGeom prst="rect">
             <a:avLst/>
           </a:prstGeom>
           <a:noFill/>
-          <a:extLst>
-            <a:ext uri="{909E8E84-426E-40DD-AFC4-6F175D3DCCD1}">
-              <a14:hiddenFill xmlns:a14="http://schemas.microsoft.com/office/drawing/2010/main">
+          <a:ln>
+            <a:noFill/>
+          </a:ln>
+        </p:spPr>
+        <p:style>
+          <a:lnRef idx="0">
+            <a:scrgbClr r="0" g="0" b="0"/>
+          </a:lnRef>
+          <a:fillRef idx="0">
+            <a:scrgbClr r="0" g="0" b="0"/>
+          </a:fillRef>
+          <a:effectRef idx="0">
+            <a:scrgbClr r="0" g="0" b="0"/>
+          </a:effectRef>
+          <a:fontRef idx="minor"/>
+        </p:style>
+        <p:txBody>
+          <a:bodyPr lIns="90000" tIns="45000" rIns="90000" bIns="45000">
+            <a:noAutofit/>
+          </a:bodyPr>
+          <a:lstStyle/>
+          <a:p>
+            <a:pPr algn="ctr">
+              <a:lnSpc>
+                <a:spcPct val="100000"/>
+              </a:lnSpc>
+            </a:pPr>
+            <a:r>
+              <a:rPr lang="es-ES" sz="6000" b="0" strike="noStrike" spc="-1" dirty="0">
                 <a:solidFill>
-                  <a:srgbClr val="FFFFFF"/>
+                  <a:srgbClr val="E8E8E8"/>
                 </a:solidFill>
-              </a14:hiddenFill>
-            </a:ext>
-          </a:extLst>
-        </p:spPr>
-      </p:pic>
-      <p:sp>
-        <p:nvSpPr>
-          <p:cNvPr id="3" name="Rectángulo 2"/>
-          <p:cNvSpPr/>
+                <a:latin typeface="Calibri"/>
+                <a:ea typeface="Calibri"/>
+              </a:rPr>
+              <a:t>Data </a:t>
+            </a:r>
+            <a:r>
+              <a:rPr lang="es-ES" sz="6000" b="0" strike="noStrike" spc="-1" dirty="0" err="1">
+                <a:solidFill>
+                  <a:srgbClr val="E8E8E8"/>
+                </a:solidFill>
+                <a:latin typeface="Calibri"/>
+                <a:ea typeface="Calibri"/>
+              </a:rPr>
+              <a:t>into</a:t>
+            </a:r>
+            <a:endParaRPr lang="es-ES" sz="6000" b="0" strike="noStrike" spc="-1" dirty="0">
+              <a:latin typeface="Arial"/>
+            </a:endParaRPr>
+          </a:p>
+          <a:p>
+            <a:pPr algn="ctr">
+              <a:lnSpc>
+                <a:spcPct val="100000"/>
+              </a:lnSpc>
+            </a:pPr>
+            <a:r>
+              <a:rPr lang="es-ES" sz="6000" b="0" strike="noStrike" spc="-1" dirty="0">
+                <a:solidFill>
+                  <a:srgbClr val="E8E8E8"/>
+                </a:solidFill>
+                <a:latin typeface="Calibri"/>
+                <a:ea typeface="Calibri"/>
+              </a:rPr>
+              <a:t>The </a:t>
+            </a:r>
+            <a:r>
+              <a:rPr lang="es-ES" sz="6000" b="0" strike="noStrike" spc="-1" dirty="0" err="1">
+                <a:solidFill>
+                  <a:srgbClr val="E8E8E8"/>
+                </a:solidFill>
+                <a:latin typeface="Calibri"/>
+                <a:ea typeface="Calibri"/>
+              </a:rPr>
+              <a:t>database</a:t>
+            </a:r>
+            <a:endParaRPr lang="es-ES" sz="6000" b="0" strike="noStrike" spc="-1" dirty="0">
+              <a:latin typeface="Arial"/>
+            </a:endParaRPr>
+          </a:p>
+        </p:txBody>
+      </p:sp>
+      <p:pic>
+        <p:nvPicPr>
+          <p:cNvPr id="3" name="Google Shape;116;p18"/>
+          <p:cNvPicPr/>
           <p:nvPr/>
-        </p:nvSpPr>
+        </p:nvPicPr>
+        <p:blipFill>
+          <a:blip r:embed="rId2"/>
+          <a:stretch/>
+        </p:blipFill>
         <p:spPr>
           <a:xfrm>
-            <a:off x="241188" y="514958"/>
-            <a:ext cx="5475799" cy="5690789"/>
+            <a:off x="152280" y="2913480"/>
+            <a:ext cx="11886480" cy="3090960"/>
           </a:xfrm>
           <a:prstGeom prst="rect">
             <a:avLst/>
           </a:prstGeom>
+          <a:ln>
+            <a:noFill/>
+          </a:ln>
         </p:spPr>
-        <p:txBody>
-          <a:bodyPr wrap="square">
-            <a:spAutoFit/>
-          </a:bodyPr>
-          <a:lstStyle/>
-          <a:p>
-            <a:pPr marL="342900" lvl="0" indent="-342900">
-              <a:lnSpc>
-                <a:spcPct val="107000"/>
-              </a:lnSpc>
-              <a:spcAft>
-                <a:spcPts val="0"/>
-              </a:spcAft>
-              <a:buFont typeface="Calibri" panose="020F0502020204030204" pitchFamily="34" charset="0"/>
-              <a:buChar char="-"/>
-            </a:pPr>
-            <a:r>
-              <a:rPr lang="en-GB" sz="2000" dirty="0">
-                <a:solidFill>
-                  <a:schemeClr val="bg1"/>
-                </a:solidFill>
-                <a:latin typeface="Calibri" panose="020F0502020204030204" pitchFamily="34" charset="0"/>
-                <a:ea typeface="Calibri" panose="020F0502020204030204" pitchFamily="34" charset="0"/>
-                <a:cs typeface="Times New Roman" panose="02020603050405020304" pitchFamily="18" charset="0"/>
-              </a:rPr>
-              <a:t>The worm found the software that controls the </a:t>
-            </a:r>
-            <a:r>
-              <a:rPr lang="en-GB" sz="2000" dirty="0" smtClean="0">
-                <a:solidFill>
-                  <a:schemeClr val="bg1"/>
-                </a:solidFill>
-                <a:latin typeface="Calibri" panose="020F0502020204030204" pitchFamily="34" charset="0"/>
-                <a:ea typeface="Calibri" panose="020F0502020204030204" pitchFamily="34" charset="0"/>
-                <a:cs typeface="Times New Roman" panose="02020603050405020304" pitchFamily="18" charset="0"/>
-              </a:rPr>
-              <a:t>centrifuges</a:t>
-            </a:r>
-          </a:p>
-          <a:p>
-            <a:pPr lvl="0">
-              <a:lnSpc>
-                <a:spcPct val="107000"/>
-              </a:lnSpc>
-              <a:spcAft>
-                <a:spcPts val="0"/>
-              </a:spcAft>
-            </a:pPr>
-            <a:endParaRPr lang="es-ES" sz="2000" dirty="0">
-              <a:solidFill>
-                <a:schemeClr val="bg1"/>
-              </a:solidFill>
-              <a:latin typeface="Calibri" panose="020F0502020204030204" pitchFamily="34" charset="0"/>
-              <a:ea typeface="Calibri" panose="020F0502020204030204" pitchFamily="34" charset="0"/>
-              <a:cs typeface="Times New Roman" panose="02020603050405020304" pitchFamily="18" charset="0"/>
-            </a:endParaRPr>
-          </a:p>
-          <a:p>
-            <a:pPr marL="342900" lvl="0" indent="-342900">
-              <a:lnSpc>
-                <a:spcPct val="107000"/>
-              </a:lnSpc>
-              <a:spcAft>
-                <a:spcPts val="0"/>
-              </a:spcAft>
-              <a:buFont typeface="Calibri" panose="020F0502020204030204" pitchFamily="34" charset="0"/>
-              <a:buChar char="-"/>
-            </a:pPr>
-            <a:r>
-              <a:rPr lang="en-GB" sz="2000" dirty="0">
-                <a:solidFill>
-                  <a:schemeClr val="bg1"/>
-                </a:solidFill>
-                <a:latin typeface="Calibri" panose="020F0502020204030204" pitchFamily="34" charset="0"/>
-                <a:ea typeface="Calibri" panose="020F0502020204030204" pitchFamily="34" charset="0"/>
-                <a:cs typeface="Times New Roman" panose="02020603050405020304" pitchFamily="18" charset="0"/>
-              </a:rPr>
-              <a:t>He took control of the machines</a:t>
-            </a:r>
-            <a:r>
-              <a:rPr lang="en-GB" sz="2000" dirty="0" smtClean="0">
-                <a:solidFill>
-                  <a:schemeClr val="bg1"/>
-                </a:solidFill>
-                <a:latin typeface="Calibri" panose="020F0502020204030204" pitchFamily="34" charset="0"/>
-                <a:ea typeface="Calibri" panose="020F0502020204030204" pitchFamily="34" charset="0"/>
-                <a:cs typeface="Times New Roman" panose="02020603050405020304" pitchFamily="18" charset="0"/>
-              </a:rPr>
-              <a:t>.</a:t>
-            </a:r>
-          </a:p>
-          <a:p>
-            <a:pPr lvl="0">
-              <a:lnSpc>
-                <a:spcPct val="107000"/>
-              </a:lnSpc>
-              <a:spcAft>
-                <a:spcPts val="0"/>
-              </a:spcAft>
-            </a:pPr>
-            <a:endParaRPr lang="es-ES" sz="2000" dirty="0">
-              <a:solidFill>
-                <a:schemeClr val="bg1"/>
-              </a:solidFill>
-              <a:latin typeface="Calibri" panose="020F0502020204030204" pitchFamily="34" charset="0"/>
-              <a:ea typeface="Calibri" panose="020F0502020204030204" pitchFamily="34" charset="0"/>
-              <a:cs typeface="Times New Roman" panose="02020603050405020304" pitchFamily="18" charset="0"/>
-            </a:endParaRPr>
-          </a:p>
-          <a:p>
-            <a:pPr marL="342900" lvl="0" indent="-342900">
-              <a:lnSpc>
-                <a:spcPct val="107000"/>
-              </a:lnSpc>
-              <a:spcAft>
-                <a:spcPts val="0"/>
-              </a:spcAft>
-              <a:buFont typeface="Calibri" panose="020F0502020204030204" pitchFamily="34" charset="0"/>
-              <a:buChar char="-"/>
-            </a:pPr>
-            <a:r>
-              <a:rPr lang="en-GB" sz="2000" dirty="0">
-                <a:solidFill>
-                  <a:schemeClr val="bg1"/>
-                </a:solidFill>
-                <a:latin typeface="Calibri" panose="020F0502020204030204" pitchFamily="34" charset="0"/>
-                <a:ea typeface="Calibri" panose="020F0502020204030204" pitchFamily="34" charset="0"/>
-                <a:cs typeface="Times New Roman" panose="02020603050405020304" pitchFamily="18" charset="0"/>
-              </a:rPr>
-              <a:t>First the centrifuges will turn dangerously fast</a:t>
-            </a:r>
-            <a:r>
-              <a:rPr lang="en-GB" sz="2000" dirty="0" smtClean="0">
-                <a:solidFill>
-                  <a:schemeClr val="bg1"/>
-                </a:solidFill>
-                <a:latin typeface="Calibri" panose="020F0502020204030204" pitchFamily="34" charset="0"/>
-                <a:ea typeface="Calibri" panose="020F0502020204030204" pitchFamily="34" charset="0"/>
-                <a:cs typeface="Times New Roman" panose="02020603050405020304" pitchFamily="18" charset="0"/>
-              </a:rPr>
-              <a:t>.</a:t>
-            </a:r>
-          </a:p>
-          <a:p>
-            <a:pPr lvl="0">
-              <a:lnSpc>
-                <a:spcPct val="107000"/>
-              </a:lnSpc>
-              <a:spcAft>
-                <a:spcPts val="0"/>
-              </a:spcAft>
-            </a:pPr>
-            <a:endParaRPr lang="es-ES" sz="2000" dirty="0">
-              <a:solidFill>
-                <a:schemeClr val="bg1"/>
-              </a:solidFill>
-              <a:latin typeface="Calibri" panose="020F0502020204030204" pitchFamily="34" charset="0"/>
-              <a:ea typeface="Calibri" panose="020F0502020204030204" pitchFamily="34" charset="0"/>
-              <a:cs typeface="Times New Roman" panose="02020603050405020304" pitchFamily="18" charset="0"/>
-            </a:endParaRPr>
-          </a:p>
-          <a:p>
-            <a:pPr marL="342900" lvl="0" indent="-342900">
-              <a:lnSpc>
-                <a:spcPct val="107000"/>
-              </a:lnSpc>
-              <a:spcAft>
-                <a:spcPts val="0"/>
-              </a:spcAft>
-              <a:buFont typeface="Calibri" panose="020F0502020204030204" pitchFamily="34" charset="0"/>
-              <a:buChar char="-"/>
-            </a:pPr>
-            <a:r>
-              <a:rPr lang="en-GB" sz="2000" dirty="0">
-                <a:solidFill>
-                  <a:schemeClr val="bg1"/>
-                </a:solidFill>
-                <a:latin typeface="Calibri" panose="020F0502020204030204" pitchFamily="34" charset="0"/>
-                <a:ea typeface="Calibri" panose="020F0502020204030204" pitchFamily="34" charset="0"/>
-                <a:cs typeface="Times New Roman" panose="02020603050405020304" pitchFamily="18" charset="0"/>
-              </a:rPr>
-              <a:t>Then, it slowed the centrifuges for about 50 minutes</a:t>
-            </a:r>
-            <a:r>
-              <a:rPr lang="en-GB" sz="2000" dirty="0" smtClean="0">
-                <a:solidFill>
-                  <a:schemeClr val="bg1"/>
-                </a:solidFill>
-                <a:latin typeface="Calibri" panose="020F0502020204030204" pitchFamily="34" charset="0"/>
-                <a:ea typeface="Calibri" panose="020F0502020204030204" pitchFamily="34" charset="0"/>
-                <a:cs typeface="Times New Roman" panose="02020603050405020304" pitchFamily="18" charset="0"/>
-              </a:rPr>
-              <a:t>.</a:t>
-            </a:r>
-          </a:p>
-          <a:p>
-            <a:pPr lvl="0">
-              <a:lnSpc>
-                <a:spcPct val="107000"/>
-              </a:lnSpc>
-              <a:spcAft>
-                <a:spcPts val="0"/>
-              </a:spcAft>
-            </a:pPr>
-            <a:endParaRPr lang="es-ES" sz="2000" dirty="0">
-              <a:solidFill>
-                <a:schemeClr val="bg1"/>
-              </a:solidFill>
-              <a:latin typeface="Calibri" panose="020F0502020204030204" pitchFamily="34" charset="0"/>
-              <a:ea typeface="Calibri" panose="020F0502020204030204" pitchFamily="34" charset="0"/>
-              <a:cs typeface="Times New Roman" panose="02020603050405020304" pitchFamily="18" charset="0"/>
-            </a:endParaRPr>
-          </a:p>
-          <a:p>
-            <a:pPr marL="342900" lvl="0" indent="-342900">
-              <a:lnSpc>
-                <a:spcPct val="107000"/>
-              </a:lnSpc>
-              <a:spcAft>
-                <a:spcPts val="0"/>
-              </a:spcAft>
-              <a:buFont typeface="Calibri" panose="020F0502020204030204" pitchFamily="34" charset="0"/>
-              <a:buChar char="-"/>
-            </a:pPr>
-            <a:r>
-              <a:rPr lang="en-GB" sz="2000" dirty="0">
-                <a:solidFill>
-                  <a:schemeClr val="bg1"/>
-                </a:solidFill>
-                <a:latin typeface="Calibri" panose="020F0502020204030204" pitchFamily="34" charset="0"/>
-                <a:ea typeface="Calibri" panose="020F0502020204030204" pitchFamily="34" charset="0"/>
-                <a:cs typeface="Times New Roman" panose="02020603050405020304" pitchFamily="18" charset="0"/>
-              </a:rPr>
-              <a:t>This was repeated for several months</a:t>
-            </a:r>
-            <a:r>
-              <a:rPr lang="en-GB" sz="2000" dirty="0" smtClean="0">
-                <a:solidFill>
-                  <a:schemeClr val="bg1"/>
-                </a:solidFill>
-                <a:latin typeface="Calibri" panose="020F0502020204030204" pitchFamily="34" charset="0"/>
-                <a:ea typeface="Calibri" panose="020F0502020204030204" pitchFamily="34" charset="0"/>
-                <a:cs typeface="Times New Roman" panose="02020603050405020304" pitchFamily="18" charset="0"/>
-              </a:rPr>
-              <a:t>.</a:t>
-            </a:r>
-          </a:p>
-          <a:p>
-            <a:pPr lvl="0">
-              <a:lnSpc>
-                <a:spcPct val="107000"/>
-              </a:lnSpc>
-              <a:spcAft>
-                <a:spcPts val="0"/>
-              </a:spcAft>
-            </a:pPr>
-            <a:endParaRPr lang="es-ES" sz="2000" dirty="0">
-              <a:solidFill>
-                <a:schemeClr val="bg1"/>
-              </a:solidFill>
-              <a:latin typeface="Calibri" panose="020F0502020204030204" pitchFamily="34" charset="0"/>
-              <a:ea typeface="Calibri" panose="020F0502020204030204" pitchFamily="34" charset="0"/>
-              <a:cs typeface="Times New Roman" panose="02020603050405020304" pitchFamily="18" charset="0"/>
-            </a:endParaRPr>
-          </a:p>
-          <a:p>
-            <a:pPr marL="342900" lvl="0" indent="-342900">
-              <a:lnSpc>
-                <a:spcPct val="107000"/>
-              </a:lnSpc>
-              <a:spcAft>
-                <a:spcPts val="0"/>
-              </a:spcAft>
-              <a:buFont typeface="Calibri" panose="020F0502020204030204" pitchFamily="34" charset="0"/>
-              <a:buChar char="-"/>
-            </a:pPr>
-            <a:r>
-              <a:rPr lang="en-GB" sz="2000" dirty="0" smtClean="0">
-                <a:solidFill>
-                  <a:schemeClr val="bg1"/>
-                </a:solidFill>
-                <a:latin typeface="Calibri" panose="020F0502020204030204" pitchFamily="34" charset="0"/>
-                <a:ea typeface="Calibri" panose="020F0502020204030204" pitchFamily="34" charset="0"/>
-                <a:cs typeface="Times New Roman" panose="02020603050405020304" pitchFamily="18" charset="0"/>
-              </a:rPr>
-              <a:t>The </a:t>
-            </a:r>
-            <a:r>
-              <a:rPr lang="en-GB" sz="2000" dirty="0">
-                <a:solidFill>
-                  <a:schemeClr val="bg1"/>
-                </a:solidFill>
-                <a:latin typeface="Calibri" panose="020F0502020204030204" pitchFamily="34" charset="0"/>
-                <a:ea typeface="Calibri" panose="020F0502020204030204" pitchFamily="34" charset="0"/>
-                <a:cs typeface="Times New Roman" panose="02020603050405020304" pitchFamily="18" charset="0"/>
-              </a:rPr>
-              <a:t>tension caused by the speeds caused the infected machines, some, to disintegrate</a:t>
-            </a:r>
-            <a:r>
-              <a:rPr lang="en-GB" sz="2000" dirty="0" smtClean="0">
-                <a:solidFill>
-                  <a:schemeClr val="bg1"/>
-                </a:solidFill>
-                <a:latin typeface="Calibri" panose="020F0502020204030204" pitchFamily="34" charset="0"/>
-                <a:ea typeface="Calibri" panose="020F0502020204030204" pitchFamily="34" charset="0"/>
-                <a:cs typeface="Times New Roman" panose="02020603050405020304" pitchFamily="18" charset="0"/>
-              </a:rPr>
-              <a:t>.</a:t>
-            </a:r>
-          </a:p>
-          <a:p>
-            <a:pPr lvl="0">
-              <a:lnSpc>
-                <a:spcPct val="107000"/>
-              </a:lnSpc>
-              <a:spcAft>
-                <a:spcPts val="0"/>
-              </a:spcAft>
-            </a:pPr>
-            <a:endParaRPr lang="es-ES" sz="2000" dirty="0">
-              <a:solidFill>
-                <a:schemeClr val="bg1"/>
-              </a:solidFill>
-              <a:latin typeface="Calibri" panose="020F0502020204030204" pitchFamily="34" charset="0"/>
-              <a:ea typeface="Calibri" panose="020F0502020204030204" pitchFamily="34" charset="0"/>
-              <a:cs typeface="Times New Roman" panose="02020603050405020304" pitchFamily="18" charset="0"/>
-            </a:endParaRPr>
-          </a:p>
-          <a:p>
-            <a:pPr marL="342900" lvl="0" indent="-342900">
-              <a:lnSpc>
-                <a:spcPct val="107000"/>
-              </a:lnSpc>
-              <a:spcAft>
-                <a:spcPts val="0"/>
-              </a:spcAft>
-              <a:buFont typeface="Calibri" panose="020F0502020204030204" pitchFamily="34" charset="0"/>
-              <a:buChar char="-"/>
-            </a:pPr>
-            <a:r>
-              <a:rPr lang="es-ES" sz="2000" dirty="0">
-                <a:solidFill>
-                  <a:schemeClr val="bg1"/>
-                </a:solidFill>
-                <a:latin typeface="Calibri" panose="020F0502020204030204" pitchFamily="34" charset="0"/>
-                <a:ea typeface="Calibri" panose="020F0502020204030204" pitchFamily="34" charset="0"/>
-                <a:cs typeface="Times New Roman" panose="02020603050405020304" pitchFamily="18" charset="0"/>
-              </a:rPr>
-              <a:t>1000 </a:t>
-            </a:r>
-            <a:r>
-              <a:rPr lang="es-ES" sz="2000" dirty="0" err="1">
-                <a:solidFill>
-                  <a:schemeClr val="bg1"/>
-                </a:solidFill>
-                <a:latin typeface="Calibri" panose="020F0502020204030204" pitchFamily="34" charset="0"/>
-                <a:ea typeface="Calibri" panose="020F0502020204030204" pitchFamily="34" charset="0"/>
-                <a:cs typeface="Times New Roman" panose="02020603050405020304" pitchFamily="18" charset="0"/>
-              </a:rPr>
-              <a:t>centrifuges</a:t>
-            </a:r>
-            <a:r>
-              <a:rPr lang="es-ES" sz="2000" dirty="0">
-                <a:solidFill>
-                  <a:schemeClr val="bg1"/>
-                </a:solidFill>
-                <a:latin typeface="Calibri" panose="020F0502020204030204" pitchFamily="34" charset="0"/>
-                <a:ea typeface="Calibri" panose="020F0502020204030204" pitchFamily="34" charset="0"/>
-                <a:cs typeface="Times New Roman" panose="02020603050405020304" pitchFamily="18" charset="0"/>
-              </a:rPr>
-              <a:t> </a:t>
-            </a:r>
-            <a:r>
-              <a:rPr lang="es-ES" sz="2000" dirty="0" err="1">
-                <a:solidFill>
-                  <a:schemeClr val="bg1"/>
-                </a:solidFill>
-                <a:latin typeface="Calibri" panose="020F0502020204030204" pitchFamily="34" charset="0"/>
-                <a:ea typeface="Calibri" panose="020F0502020204030204" pitchFamily="34" charset="0"/>
-                <a:cs typeface="Times New Roman" panose="02020603050405020304" pitchFamily="18" charset="0"/>
-              </a:rPr>
-              <a:t>was</a:t>
-            </a:r>
-            <a:r>
-              <a:rPr lang="es-ES" sz="2000" dirty="0">
-                <a:solidFill>
-                  <a:schemeClr val="bg1"/>
-                </a:solidFill>
-                <a:latin typeface="Calibri" panose="020F0502020204030204" pitchFamily="34" charset="0"/>
-                <a:ea typeface="Calibri" panose="020F0502020204030204" pitchFamily="34" charset="0"/>
-                <a:cs typeface="Times New Roman" panose="02020603050405020304" pitchFamily="18" charset="0"/>
-              </a:rPr>
-              <a:t> </a:t>
-            </a:r>
-            <a:r>
-              <a:rPr lang="es-ES" sz="2000" dirty="0" err="1" smtClean="0">
-                <a:solidFill>
-                  <a:schemeClr val="bg1"/>
-                </a:solidFill>
-                <a:latin typeface="Calibri" panose="020F0502020204030204" pitchFamily="34" charset="0"/>
-                <a:ea typeface="Calibri" panose="020F0502020204030204" pitchFamily="34" charset="0"/>
-                <a:cs typeface="Times New Roman" panose="02020603050405020304" pitchFamily="18" charset="0"/>
-              </a:rPr>
-              <a:t>destroyed</a:t>
-            </a:r>
-            <a:r>
-              <a:rPr lang="es-ES" sz="2000" dirty="0" smtClean="0">
-                <a:solidFill>
-                  <a:schemeClr val="bg1"/>
-                </a:solidFill>
-                <a:latin typeface="Calibri" panose="020F0502020204030204" pitchFamily="34" charset="0"/>
-                <a:ea typeface="Calibri" panose="020F0502020204030204" pitchFamily="34" charset="0"/>
-                <a:cs typeface="Times New Roman" panose="02020603050405020304" pitchFamily="18" charset="0"/>
-              </a:rPr>
-              <a:t>. </a:t>
-            </a:r>
-            <a:r>
-              <a:rPr lang="es-ES" sz="2000" dirty="0" err="1" smtClean="0">
-                <a:solidFill>
-                  <a:schemeClr val="bg1"/>
-                </a:solidFill>
-                <a:latin typeface="Calibri" panose="020F0502020204030204" pitchFamily="34" charset="0"/>
-                <a:ea typeface="Calibri" panose="020F0502020204030204" pitchFamily="34" charset="0"/>
-                <a:cs typeface="Times New Roman" panose="02020603050405020304" pitchFamily="18" charset="0"/>
-              </a:rPr>
-              <a:t>Around</a:t>
-            </a:r>
-            <a:r>
-              <a:rPr lang="es-ES" sz="2000" dirty="0" smtClean="0">
-                <a:solidFill>
-                  <a:schemeClr val="bg1"/>
-                </a:solidFill>
-                <a:latin typeface="Calibri" panose="020F0502020204030204" pitchFamily="34" charset="0"/>
-                <a:ea typeface="Calibri" panose="020F0502020204030204" pitchFamily="34" charset="0"/>
-                <a:cs typeface="Times New Roman" panose="02020603050405020304" pitchFamily="18" charset="0"/>
-              </a:rPr>
-              <a:t> </a:t>
-            </a:r>
-            <a:r>
-              <a:rPr lang="en-GB" sz="2000" dirty="0" smtClean="0">
-                <a:solidFill>
-                  <a:schemeClr val="bg1"/>
-                </a:solidFill>
-                <a:latin typeface="Calibri" panose="020F0502020204030204" pitchFamily="34" charset="0"/>
-                <a:ea typeface="Calibri" panose="020F0502020204030204" pitchFamily="34" charset="0"/>
-                <a:cs typeface="Times New Roman" panose="02020603050405020304" pitchFamily="18" charset="0"/>
-              </a:rPr>
-              <a:t>20</a:t>
-            </a:r>
-            <a:r>
-              <a:rPr lang="en-GB" sz="2000" dirty="0">
-                <a:solidFill>
-                  <a:schemeClr val="bg1"/>
-                </a:solidFill>
-                <a:latin typeface="Calibri" panose="020F0502020204030204" pitchFamily="34" charset="0"/>
-                <a:ea typeface="Calibri" panose="020F0502020204030204" pitchFamily="34" charset="0"/>
-                <a:cs typeface="Times New Roman" panose="02020603050405020304" pitchFamily="18" charset="0"/>
-              </a:rPr>
-              <a:t>% of </a:t>
-            </a:r>
-            <a:r>
-              <a:rPr lang="en-GB" sz="2000" dirty="0" smtClean="0">
-                <a:solidFill>
-                  <a:schemeClr val="bg1"/>
-                </a:solidFill>
-                <a:latin typeface="Calibri" panose="020F0502020204030204" pitchFamily="34" charset="0"/>
-                <a:ea typeface="Calibri" panose="020F0502020204030204" pitchFamily="34" charset="0"/>
-                <a:cs typeface="Times New Roman" panose="02020603050405020304" pitchFamily="18" charset="0"/>
-              </a:rPr>
-              <a:t>them.</a:t>
-            </a:r>
-            <a:endParaRPr lang="es-ES" sz="2000" dirty="0">
-              <a:solidFill>
-                <a:schemeClr val="bg1"/>
-              </a:solidFill>
-              <a:effectLst/>
-              <a:latin typeface="Calibri" panose="020F0502020204030204" pitchFamily="34" charset="0"/>
-              <a:ea typeface="Calibri" panose="020F0502020204030204" pitchFamily="34" charset="0"/>
-              <a:cs typeface="Times New Roman" panose="02020603050405020304" pitchFamily="18" charset="0"/>
-            </a:endParaRPr>
-          </a:p>
-        </p:txBody>
-      </p:sp>
+      </p:pic>
     </p:spTree>
     <p:extLst>
       <p:ext uri="{BB962C8B-B14F-4D97-AF65-F5344CB8AC3E}">
-        <p14:creationId xmlns:p14="http://schemas.microsoft.com/office/powerpoint/2010/main" val="3327624246"/>
+        <p14:creationId xmlns:p14="http://schemas.microsoft.com/office/powerpoint/2010/main" val="698148836"/>
       </p:ext>
     </p:extLst>
   </p:cSld>
@@ -5153,251 +6221,111 @@
           <a:chExt cx="0" cy="0"/>
         </a:xfrm>
       </p:grpSpPr>
-      <p:pic>
-        <p:nvPicPr>
-          <p:cNvPr id="5" name="Picture 2" descr="Resultado de imagen de centrifugadoras stuxnet"/>
-          <p:cNvPicPr>
-            <a:picLocks noChangeAspect="1" noChangeArrowheads="1"/>
-          </p:cNvPicPr>
+      <p:sp>
+        <p:nvSpPr>
+          <p:cNvPr id="2" name="CustomShape 1"/>
+          <p:cNvSpPr/>
           <p:nvPr/>
-        </p:nvPicPr>
-        <p:blipFill>
-          <a:blip r:embed="rId2">
-            <a:extLst>
-              <a:ext uri="{28A0092B-C50C-407E-A947-70E740481C1C}">
-                <a14:useLocalDpi xmlns:a14="http://schemas.microsoft.com/office/drawing/2010/main" val="0"/>
-              </a:ext>
-            </a:extLst>
-          </a:blip>
-          <a:srcRect/>
-          <a:stretch>
-            <a:fillRect/>
-          </a:stretch>
-        </p:blipFill>
-        <p:spPr bwMode="auto">
+        </p:nvSpPr>
+        <p:spPr>
           <a:xfrm>
-            <a:off x="378514" y="1432560"/>
-            <a:ext cx="5484413" cy="3656275"/>
+            <a:off x="51480" y="428400"/>
+            <a:ext cx="6090840" cy="1445760"/>
           </a:xfrm>
           <a:prstGeom prst="rect">
             <a:avLst/>
           </a:prstGeom>
           <a:noFill/>
-          <a:extLst>
-            <a:ext uri="{909E8E84-426E-40DD-AFC4-6F175D3DCCD1}">
-              <a14:hiddenFill xmlns:a14="http://schemas.microsoft.com/office/drawing/2010/main">
+          <a:ln>
+            <a:noFill/>
+          </a:ln>
+        </p:spPr>
+        <p:style>
+          <a:lnRef idx="0">
+            <a:scrgbClr r="0" g="0" b="0"/>
+          </a:lnRef>
+          <a:fillRef idx="0">
+            <a:scrgbClr r="0" g="0" b="0"/>
+          </a:fillRef>
+          <a:effectRef idx="0">
+            <a:scrgbClr r="0" g="0" b="0"/>
+          </a:effectRef>
+          <a:fontRef idx="minor"/>
+        </p:style>
+        <p:txBody>
+          <a:bodyPr lIns="90000" tIns="45000" rIns="90000" bIns="45000">
+            <a:noAutofit/>
+          </a:bodyPr>
+          <a:lstStyle/>
+          <a:p>
+            <a:pPr algn="ctr">
+              <a:lnSpc>
+                <a:spcPct val="100000"/>
+              </a:lnSpc>
+            </a:pPr>
+            <a:r>
+              <a:rPr lang="es-ES" sz="6000" b="0" strike="noStrike" spc="-1" dirty="0" err="1">
                 <a:solidFill>
-                  <a:srgbClr val="FFFFFF"/>
+                  <a:srgbClr val="E8E8E8"/>
                 </a:solidFill>
-              </a14:hiddenFill>
-            </a:ext>
-          </a:extLst>
-        </p:spPr>
-      </p:pic>
-      <p:sp>
-        <p:nvSpPr>
-          <p:cNvPr id="3" name="Rectángulo 2"/>
-          <p:cNvSpPr/>
+                <a:latin typeface="Calibri"/>
+                <a:ea typeface="Calibri"/>
+              </a:rPr>
+              <a:t>Room</a:t>
+            </a:r>
+            <a:r>
+              <a:rPr lang="es-ES" sz="6000" b="0" strike="noStrike" spc="-1" dirty="0">
+                <a:solidFill>
+                  <a:srgbClr val="E8E8E8"/>
+                </a:solidFill>
+                <a:latin typeface="Calibri"/>
+                <a:ea typeface="Calibri"/>
+              </a:rPr>
+              <a:t> </a:t>
+            </a:r>
+            <a:r>
+              <a:rPr lang="es-ES" sz="6000" b="0" strike="noStrike" spc="-1" dirty="0" err="1">
+                <a:solidFill>
+                  <a:srgbClr val="E8E8E8"/>
+                </a:solidFill>
+                <a:latin typeface="Calibri"/>
+                <a:ea typeface="Calibri"/>
+              </a:rPr>
+              <a:t>Table</a:t>
+            </a:r>
+            <a:endParaRPr lang="es-ES" sz="6000" b="0" strike="noStrike" spc="-1" dirty="0">
+              <a:latin typeface="Arial"/>
+            </a:endParaRPr>
+          </a:p>
+        </p:txBody>
+      </p:sp>
+      <p:pic>
+        <p:nvPicPr>
+          <p:cNvPr id="3" name="Google Shape;128;p20"/>
+          <p:cNvPicPr/>
           <p:nvPr/>
-        </p:nvSpPr>
+        </p:nvPicPr>
+        <p:blipFill>
+          <a:blip r:embed="rId2"/>
+          <a:stretch/>
+        </p:blipFill>
         <p:spPr>
           <a:xfrm>
-            <a:off x="6313336" y="1247421"/>
-            <a:ext cx="5629523" cy="4026552"/>
+            <a:off x="2680249" y="2976283"/>
+            <a:ext cx="6743731" cy="2776376"/>
           </a:xfrm>
           <a:prstGeom prst="rect">
             <a:avLst/>
           </a:prstGeom>
+          <a:ln>
+            <a:noFill/>
+          </a:ln>
         </p:spPr>
-        <p:txBody>
-          <a:bodyPr wrap="square">
-            <a:spAutoFit/>
-          </a:bodyPr>
-          <a:lstStyle/>
-          <a:p>
-            <a:pPr marL="342900" lvl="0" indent="-342900">
-              <a:lnSpc>
-                <a:spcPct val="107000"/>
-              </a:lnSpc>
-              <a:spcAft>
-                <a:spcPts val="0"/>
-              </a:spcAft>
-              <a:buFont typeface="Calibri" panose="020F0502020204030204" pitchFamily="34" charset="0"/>
-              <a:buChar char="-"/>
-            </a:pPr>
-            <a:r>
-              <a:rPr lang="en-GB" sz="2400" dirty="0" err="1">
-                <a:latin typeface="Calibri" panose="020F0502020204030204" pitchFamily="34" charset="0"/>
-                <a:ea typeface="Calibri" panose="020F0502020204030204" pitchFamily="34" charset="0"/>
-                <a:cs typeface="Times New Roman" panose="02020603050405020304" pitchFamily="18" charset="0"/>
-              </a:rPr>
-              <a:t>Natanz</a:t>
-            </a:r>
-            <a:r>
-              <a:rPr lang="en-GB" sz="2400" dirty="0">
-                <a:latin typeface="Calibri" panose="020F0502020204030204" pitchFamily="34" charset="0"/>
-                <a:ea typeface="Calibri" panose="020F0502020204030204" pitchFamily="34" charset="0"/>
-                <a:cs typeface="Times New Roman" panose="02020603050405020304" pitchFamily="18" charset="0"/>
-              </a:rPr>
-              <a:t> is a uranium enrichment plant.</a:t>
-            </a:r>
-            <a:endParaRPr lang="es-ES" sz="2400" dirty="0">
-              <a:latin typeface="Calibri" panose="020F0502020204030204" pitchFamily="34" charset="0"/>
-              <a:ea typeface="Calibri" panose="020F0502020204030204" pitchFamily="34" charset="0"/>
-              <a:cs typeface="Times New Roman" panose="02020603050405020304" pitchFamily="18" charset="0"/>
-            </a:endParaRPr>
-          </a:p>
-          <a:p>
-            <a:pPr marL="457200">
-              <a:lnSpc>
-                <a:spcPct val="107000"/>
-              </a:lnSpc>
-              <a:spcAft>
-                <a:spcPts val="0"/>
-              </a:spcAft>
-            </a:pPr>
-            <a:r>
-              <a:rPr lang="en-GB" sz="2400" dirty="0">
-                <a:latin typeface="Calibri" panose="020F0502020204030204" pitchFamily="34" charset="0"/>
-                <a:ea typeface="Calibri" panose="020F0502020204030204" pitchFamily="34" charset="0"/>
-                <a:cs typeface="Times New Roman" panose="02020603050405020304" pitchFamily="18" charset="0"/>
-              </a:rPr>
-              <a:t> </a:t>
-            </a:r>
-            <a:endParaRPr lang="es-ES" sz="2400" dirty="0">
-              <a:latin typeface="Calibri" panose="020F0502020204030204" pitchFamily="34" charset="0"/>
-              <a:ea typeface="Calibri" panose="020F0502020204030204" pitchFamily="34" charset="0"/>
-              <a:cs typeface="Times New Roman" panose="02020603050405020304" pitchFamily="18" charset="0"/>
-            </a:endParaRPr>
-          </a:p>
-          <a:p>
-            <a:pPr marL="342900" lvl="0" indent="-342900">
-              <a:lnSpc>
-                <a:spcPct val="107000"/>
-              </a:lnSpc>
-              <a:spcAft>
-                <a:spcPts val="0"/>
-              </a:spcAft>
-              <a:buFont typeface="Calibri" panose="020F0502020204030204" pitchFamily="34" charset="0"/>
-              <a:buChar char="-"/>
-            </a:pPr>
-            <a:r>
-              <a:rPr lang="en-GB" sz="2400" dirty="0">
-                <a:latin typeface="Calibri" panose="020F0502020204030204" pitchFamily="34" charset="0"/>
-                <a:ea typeface="Calibri" panose="020F0502020204030204" pitchFamily="34" charset="0"/>
-                <a:cs typeface="Times New Roman" panose="02020603050405020304" pitchFamily="18" charset="0"/>
-              </a:rPr>
-              <a:t>In May 2009, Iran was enriching uranium with 4,920 centrifuges.</a:t>
-            </a:r>
-            <a:endParaRPr lang="es-ES" sz="2400" dirty="0">
-              <a:latin typeface="Calibri" panose="020F0502020204030204" pitchFamily="34" charset="0"/>
-              <a:ea typeface="Calibri" panose="020F0502020204030204" pitchFamily="34" charset="0"/>
-              <a:cs typeface="Times New Roman" panose="02020603050405020304" pitchFamily="18" charset="0"/>
-            </a:endParaRPr>
-          </a:p>
-          <a:p>
-            <a:pPr marL="457200">
-              <a:lnSpc>
-                <a:spcPct val="107000"/>
-              </a:lnSpc>
-              <a:spcAft>
-                <a:spcPts val="0"/>
-              </a:spcAft>
-            </a:pPr>
-            <a:r>
-              <a:rPr lang="en-GB" sz="2400" dirty="0">
-                <a:latin typeface="Calibri" panose="020F0502020204030204" pitchFamily="34" charset="0"/>
-                <a:ea typeface="Calibri" panose="020F0502020204030204" pitchFamily="34" charset="0"/>
-                <a:cs typeface="Times New Roman" panose="02020603050405020304" pitchFamily="18" charset="0"/>
-              </a:rPr>
-              <a:t> </a:t>
-            </a:r>
-            <a:endParaRPr lang="es-ES" sz="2400" dirty="0">
-              <a:latin typeface="Calibri" panose="020F0502020204030204" pitchFamily="34" charset="0"/>
-              <a:ea typeface="Calibri" panose="020F0502020204030204" pitchFamily="34" charset="0"/>
-              <a:cs typeface="Times New Roman" panose="02020603050405020304" pitchFamily="18" charset="0"/>
-            </a:endParaRPr>
-          </a:p>
-          <a:p>
-            <a:pPr marL="342900" lvl="0" indent="-342900">
-              <a:lnSpc>
-                <a:spcPct val="107000"/>
-              </a:lnSpc>
-              <a:spcAft>
-                <a:spcPts val="0"/>
-              </a:spcAft>
-              <a:buFont typeface="Calibri" panose="020F0502020204030204" pitchFamily="34" charset="0"/>
-              <a:buChar char="-"/>
-            </a:pPr>
-            <a:r>
-              <a:rPr lang="en-GB" sz="2400" dirty="0">
-                <a:latin typeface="Calibri" panose="020F0502020204030204" pitchFamily="34" charset="0"/>
-                <a:ea typeface="Calibri" panose="020F0502020204030204" pitchFamily="34" charset="0"/>
-                <a:cs typeface="Times New Roman" panose="02020603050405020304" pitchFamily="18" charset="0"/>
-              </a:rPr>
-              <a:t>The amount of centrifuges dropped after the Stuxnet attack (June 2009).</a:t>
-            </a:r>
-            <a:endParaRPr lang="es-ES" sz="2400" dirty="0">
-              <a:latin typeface="Calibri" panose="020F0502020204030204" pitchFamily="34" charset="0"/>
-              <a:ea typeface="Calibri" panose="020F0502020204030204" pitchFamily="34" charset="0"/>
-              <a:cs typeface="Times New Roman" panose="02020603050405020304" pitchFamily="18" charset="0"/>
-            </a:endParaRPr>
-          </a:p>
-          <a:p>
-            <a:pPr marL="457200">
-              <a:lnSpc>
-                <a:spcPct val="107000"/>
-              </a:lnSpc>
-              <a:spcAft>
-                <a:spcPts val="0"/>
-              </a:spcAft>
-            </a:pPr>
-            <a:r>
-              <a:rPr lang="en-GB" sz="2400" dirty="0">
-                <a:latin typeface="Calibri" panose="020F0502020204030204" pitchFamily="34" charset="0"/>
-                <a:ea typeface="Calibri" panose="020F0502020204030204" pitchFamily="34" charset="0"/>
-                <a:cs typeface="Times New Roman" panose="02020603050405020304" pitchFamily="18" charset="0"/>
-              </a:rPr>
-              <a:t> </a:t>
-            </a:r>
-            <a:endParaRPr lang="es-ES" sz="2400" dirty="0">
-              <a:latin typeface="Calibri" panose="020F0502020204030204" pitchFamily="34" charset="0"/>
-              <a:ea typeface="Calibri" panose="020F0502020204030204" pitchFamily="34" charset="0"/>
-              <a:cs typeface="Times New Roman" panose="02020603050405020304" pitchFamily="18" charset="0"/>
-            </a:endParaRPr>
-          </a:p>
-          <a:p>
-            <a:pPr marL="342900" lvl="0" indent="-342900">
-              <a:lnSpc>
-                <a:spcPct val="107000"/>
-              </a:lnSpc>
-              <a:spcAft>
-                <a:spcPts val="800"/>
-              </a:spcAft>
-              <a:buFont typeface="Calibri" panose="020F0502020204030204" pitchFamily="34" charset="0"/>
-              <a:buChar char="-"/>
-            </a:pPr>
-            <a:r>
-              <a:rPr lang="en-GB" sz="2400" dirty="0">
-                <a:latin typeface="Calibri" panose="020F0502020204030204" pitchFamily="34" charset="0"/>
-                <a:ea typeface="Calibri" panose="020F0502020204030204" pitchFamily="34" charset="0"/>
-                <a:cs typeface="Times New Roman" panose="02020603050405020304" pitchFamily="18" charset="0"/>
-              </a:rPr>
-              <a:t>Iran operated 1,148 centrifuges less (In January 2010).</a:t>
-            </a:r>
-            <a:endParaRPr lang="es-ES" sz="2400" dirty="0">
-              <a:effectLst/>
-              <a:latin typeface="Calibri" panose="020F0502020204030204" pitchFamily="34" charset="0"/>
-              <a:ea typeface="Calibri" panose="020F0502020204030204" pitchFamily="34" charset="0"/>
-              <a:cs typeface="Times New Roman" panose="02020603050405020304" pitchFamily="18" charset="0"/>
-            </a:endParaRPr>
-          </a:p>
-        </p:txBody>
-      </p:sp>
+      </p:pic>
     </p:spTree>
     <p:extLst>
       <p:ext uri="{BB962C8B-B14F-4D97-AF65-F5344CB8AC3E}">
-        <p14:creationId xmlns:p14="http://schemas.microsoft.com/office/powerpoint/2010/main" val="3071864883"/>
+        <p14:creationId xmlns:p14="http://schemas.microsoft.com/office/powerpoint/2010/main" val="4141222833"/>
       </p:ext>
     </p:extLst>
   </p:cSld>
@@ -5457,255 +6385,89 @@
       </p:grpSpPr>
       <p:sp>
         <p:nvSpPr>
-          <p:cNvPr id="4" name="CuadroTexto 3"/>
-          <p:cNvSpPr txBox="1"/>
+          <p:cNvPr id="2" name="CustomShape 1"/>
+          <p:cNvSpPr/>
           <p:nvPr/>
         </p:nvSpPr>
         <p:spPr>
           <a:xfrm>
-            <a:off x="0" y="2303417"/>
-            <a:ext cx="6091645" cy="1446550"/>
+            <a:off x="51480" y="428400"/>
+            <a:ext cx="6090840" cy="1445760"/>
           </a:xfrm>
           <a:prstGeom prst="rect">
             <a:avLst/>
           </a:prstGeom>
           <a:noFill/>
+          <a:ln>
+            <a:noFill/>
+          </a:ln>
         </p:spPr>
-        <p:txBody>
-          <a:bodyPr wrap="square" rtlCol="0">
-            <a:spAutoFit/>
+        <p:style>
+          <a:lnRef idx="0">
+            <a:scrgbClr r="0" g="0" b="0"/>
+          </a:lnRef>
+          <a:fillRef idx="0">
+            <a:scrgbClr r="0" g="0" b="0"/>
+          </a:fillRef>
+          <a:effectRef idx="0">
+            <a:scrgbClr r="0" g="0" b="0"/>
+          </a:effectRef>
+          <a:fontRef idx="minor"/>
+        </p:style>
+        <p:txBody>
+          <a:bodyPr lIns="90000" tIns="45000" rIns="90000" bIns="45000">
+            <a:noAutofit/>
           </a:bodyPr>
           <a:lstStyle/>
           <a:p>
-            <a:pPr algn="ctr"/>
-            <a:r>
-              <a:rPr lang="es-ES" sz="8800" dirty="0" smtClean="0">
+            <a:pPr algn="ctr">
+              <a:lnSpc>
+                <a:spcPct val="100000"/>
+              </a:lnSpc>
+            </a:pPr>
+            <a:r>
+              <a:rPr lang="es-ES" sz="6000" b="0" strike="noStrike" spc="-1">
                 <a:solidFill>
                   <a:srgbClr val="E8E8E8"/>
                 </a:solidFill>
+                <a:latin typeface="Calibri"/>
+                <a:ea typeface="Calibri"/>
               </a:rPr>
-              <a:t>WHO?</a:t>
-            </a:r>
-            <a:endParaRPr lang="es-ES" dirty="0">
-              <a:solidFill>
-                <a:srgbClr val="E8E8E8"/>
-              </a:solidFill>
+              <a:t>User_Room Table</a:t>
+            </a:r>
+            <a:endParaRPr lang="es-ES" sz="6000" b="0" strike="noStrike" spc="-1">
+              <a:latin typeface="Arial"/>
             </a:endParaRPr>
           </a:p>
         </p:txBody>
       </p:sp>
-      <p:sp>
-        <p:nvSpPr>
-          <p:cNvPr id="5" name="Rectángulo 4"/>
-          <p:cNvSpPr/>
+      <p:pic>
+        <p:nvPicPr>
+          <p:cNvPr id="3" name="Google Shape;134;p21"/>
+          <p:cNvPicPr/>
           <p:nvPr/>
-        </p:nvSpPr>
+        </p:nvPicPr>
+        <p:blipFill>
+          <a:blip r:embed="rId2"/>
+          <a:stretch/>
+        </p:blipFill>
         <p:spPr>
           <a:xfrm>
-            <a:off x="6363694" y="865185"/>
-            <a:ext cx="5157746" cy="5032147"/>
+            <a:off x="3456607" y="1667436"/>
+            <a:ext cx="5167440" cy="4939729"/>
           </a:xfrm>
           <a:prstGeom prst="rect">
             <a:avLst/>
           </a:prstGeom>
+          <a:ln>
+            <a:noFill/>
+          </a:ln>
         </p:spPr>
-        <p:txBody>
-          <a:bodyPr wrap="square">
-            <a:spAutoFit/>
-          </a:bodyPr>
-          <a:lstStyle/>
-          <a:p>
-            <a:pPr marL="342900" lvl="0" indent="-342900">
-              <a:lnSpc>
-                <a:spcPct val="107000"/>
-              </a:lnSpc>
-              <a:spcAft>
-                <a:spcPts val="0"/>
-              </a:spcAft>
-              <a:buFont typeface="Calibri" panose="020F0502020204030204" pitchFamily="34" charset="0"/>
-              <a:buChar char="-"/>
-            </a:pPr>
-            <a:r>
-              <a:rPr lang="en-GB" sz="2000" dirty="0" smtClean="0">
-                <a:latin typeface="Calibri" panose="020F0502020204030204" pitchFamily="34" charset="0"/>
-                <a:ea typeface="Calibri" panose="020F0502020204030204" pitchFamily="34" charset="0"/>
-                <a:cs typeface="Times New Roman" panose="02020603050405020304" pitchFamily="18" charset="0"/>
-              </a:rPr>
-              <a:t>Stuxnet was </a:t>
-            </a:r>
-            <a:r>
-              <a:rPr lang="en-GB" sz="2000" dirty="0">
-                <a:latin typeface="Calibri" panose="020F0502020204030204" pitchFamily="34" charset="0"/>
-                <a:ea typeface="Calibri" panose="020F0502020204030204" pitchFamily="34" charset="0"/>
-                <a:cs typeface="Times New Roman" panose="02020603050405020304" pitchFamily="18" charset="0"/>
-              </a:rPr>
-              <a:t>created by the United States and </a:t>
-            </a:r>
-            <a:r>
-              <a:rPr lang="en-GB" sz="2000" dirty="0" smtClean="0">
-                <a:latin typeface="Calibri" panose="020F0502020204030204" pitchFamily="34" charset="0"/>
-                <a:ea typeface="Calibri" panose="020F0502020204030204" pitchFamily="34" charset="0"/>
-                <a:cs typeface="Times New Roman" panose="02020603050405020304" pitchFamily="18" charset="0"/>
-              </a:rPr>
-              <a:t>Israel.</a:t>
-            </a:r>
-            <a:endParaRPr lang="es-ES" sz="2000" dirty="0">
-              <a:latin typeface="Calibri" panose="020F0502020204030204" pitchFamily="34" charset="0"/>
-              <a:ea typeface="Calibri" panose="020F0502020204030204" pitchFamily="34" charset="0"/>
-              <a:cs typeface="Times New Roman" panose="02020603050405020304" pitchFamily="18" charset="0"/>
-            </a:endParaRPr>
-          </a:p>
-          <a:p>
-            <a:pPr marL="457200">
-              <a:lnSpc>
-                <a:spcPct val="107000"/>
-              </a:lnSpc>
-              <a:spcAft>
-                <a:spcPts val="0"/>
-              </a:spcAft>
-            </a:pPr>
-            <a:r>
-              <a:rPr lang="en-GB" sz="2000" dirty="0">
-                <a:latin typeface="Calibri" panose="020F0502020204030204" pitchFamily="34" charset="0"/>
-                <a:ea typeface="Calibri" panose="020F0502020204030204" pitchFamily="34" charset="0"/>
-                <a:cs typeface="Times New Roman" panose="02020603050405020304" pitchFamily="18" charset="0"/>
-              </a:rPr>
-              <a:t> </a:t>
-            </a:r>
-            <a:endParaRPr lang="es-ES" sz="2000" dirty="0">
-              <a:latin typeface="Calibri" panose="020F0502020204030204" pitchFamily="34" charset="0"/>
-              <a:ea typeface="Calibri" panose="020F0502020204030204" pitchFamily="34" charset="0"/>
-              <a:cs typeface="Times New Roman" panose="02020603050405020304" pitchFamily="18" charset="0"/>
-            </a:endParaRPr>
-          </a:p>
-          <a:p>
-            <a:pPr marL="342900" lvl="0" indent="-342900">
-              <a:lnSpc>
-                <a:spcPct val="107000"/>
-              </a:lnSpc>
-              <a:spcAft>
-                <a:spcPts val="0"/>
-              </a:spcAft>
-              <a:buFont typeface="Calibri" panose="020F0502020204030204" pitchFamily="34" charset="0"/>
-              <a:buChar char="-"/>
-            </a:pPr>
-            <a:r>
-              <a:rPr lang="en-GB" sz="2000" dirty="0">
-                <a:latin typeface="Calibri" panose="020F0502020204030204" pitchFamily="34" charset="0"/>
-                <a:ea typeface="Calibri" panose="020F0502020204030204" pitchFamily="34" charset="0"/>
-                <a:cs typeface="Times New Roman" panose="02020603050405020304" pitchFamily="18" charset="0"/>
-              </a:rPr>
-              <a:t>Although US and Israeli officials refuse to talk about it.</a:t>
-            </a:r>
-            <a:endParaRPr lang="es-ES" sz="2000" dirty="0">
-              <a:latin typeface="Calibri" panose="020F0502020204030204" pitchFamily="34" charset="0"/>
-              <a:ea typeface="Calibri" panose="020F0502020204030204" pitchFamily="34" charset="0"/>
-              <a:cs typeface="Times New Roman" panose="02020603050405020304" pitchFamily="18" charset="0"/>
-            </a:endParaRPr>
-          </a:p>
-          <a:p>
-            <a:pPr marL="457200">
-              <a:lnSpc>
-                <a:spcPct val="107000"/>
-              </a:lnSpc>
-              <a:spcAft>
-                <a:spcPts val="0"/>
-              </a:spcAft>
-            </a:pPr>
-            <a:r>
-              <a:rPr lang="en-GB" sz="2000" dirty="0">
-                <a:latin typeface="Calibri" panose="020F0502020204030204" pitchFamily="34" charset="0"/>
-                <a:ea typeface="Calibri" panose="020F0502020204030204" pitchFamily="34" charset="0"/>
-                <a:cs typeface="Times New Roman" panose="02020603050405020304" pitchFamily="18" charset="0"/>
-              </a:rPr>
-              <a:t> </a:t>
-            </a:r>
-            <a:endParaRPr lang="es-ES" sz="2000" dirty="0">
-              <a:latin typeface="Calibri" panose="020F0502020204030204" pitchFamily="34" charset="0"/>
-              <a:ea typeface="Calibri" panose="020F0502020204030204" pitchFamily="34" charset="0"/>
-              <a:cs typeface="Times New Roman" panose="02020603050405020304" pitchFamily="18" charset="0"/>
-            </a:endParaRPr>
-          </a:p>
-          <a:p>
-            <a:pPr marL="342900" lvl="0" indent="-342900">
-              <a:lnSpc>
-                <a:spcPct val="107000"/>
-              </a:lnSpc>
-              <a:spcAft>
-                <a:spcPts val="0"/>
-              </a:spcAft>
-              <a:buFont typeface="Calibri" panose="020F0502020204030204" pitchFamily="34" charset="0"/>
-              <a:buChar char="-"/>
-            </a:pPr>
-            <a:r>
-              <a:rPr lang="en-GB" sz="2000" dirty="0">
-                <a:latin typeface="Calibri" panose="020F0502020204030204" pitchFamily="34" charset="0"/>
-                <a:ea typeface="Calibri" panose="020F0502020204030204" pitchFamily="34" charset="0"/>
-                <a:cs typeface="Times New Roman" panose="02020603050405020304" pitchFamily="18" charset="0"/>
-              </a:rPr>
-              <a:t>The most important cause for the delay of the nuclear clock seems to be Stuxnet, the most sophisticated cyber weapon that has been used in history. The seeds for more versions and attacks.</a:t>
-            </a:r>
-            <a:endParaRPr lang="es-ES" sz="2000" dirty="0">
-              <a:latin typeface="Calibri" panose="020F0502020204030204" pitchFamily="34" charset="0"/>
-              <a:ea typeface="Calibri" panose="020F0502020204030204" pitchFamily="34" charset="0"/>
-              <a:cs typeface="Times New Roman" panose="02020603050405020304" pitchFamily="18" charset="0"/>
-            </a:endParaRPr>
-          </a:p>
-          <a:p>
-            <a:pPr marL="457200">
-              <a:lnSpc>
-                <a:spcPct val="107000"/>
-              </a:lnSpc>
-              <a:spcAft>
-                <a:spcPts val="0"/>
-              </a:spcAft>
-            </a:pPr>
-            <a:r>
-              <a:rPr lang="en-GB" sz="2000" dirty="0">
-                <a:latin typeface="Calibri" panose="020F0502020204030204" pitchFamily="34" charset="0"/>
-                <a:ea typeface="Calibri" panose="020F0502020204030204" pitchFamily="34" charset="0"/>
-                <a:cs typeface="Times New Roman" panose="02020603050405020304" pitchFamily="18" charset="0"/>
-              </a:rPr>
-              <a:t> </a:t>
-            </a:r>
-            <a:endParaRPr lang="es-ES" sz="2000" dirty="0">
-              <a:latin typeface="Calibri" panose="020F0502020204030204" pitchFamily="34" charset="0"/>
-              <a:ea typeface="Calibri" panose="020F0502020204030204" pitchFamily="34" charset="0"/>
-              <a:cs typeface="Times New Roman" panose="02020603050405020304" pitchFamily="18" charset="0"/>
-            </a:endParaRPr>
-          </a:p>
-          <a:p>
-            <a:pPr marL="342900" lvl="0" indent="-342900">
-              <a:lnSpc>
-                <a:spcPct val="107000"/>
-              </a:lnSpc>
-              <a:spcAft>
-                <a:spcPts val="800"/>
-              </a:spcAft>
-              <a:buFont typeface="Calibri" panose="020F0502020204030204" pitchFamily="34" charset="0"/>
-              <a:buChar char="-"/>
-            </a:pPr>
-            <a:r>
-              <a:rPr lang="en-GB" sz="2000" dirty="0">
-                <a:latin typeface="Calibri" panose="020F0502020204030204" pitchFamily="34" charset="0"/>
-                <a:ea typeface="Calibri" panose="020F0502020204030204" pitchFamily="34" charset="0"/>
-                <a:cs typeface="Times New Roman" panose="02020603050405020304" pitchFamily="18" charset="0"/>
-              </a:rPr>
-              <a:t>Finally, the New York Times confirmed that a virus developed and funded by Israel and the United States.</a:t>
-            </a:r>
-            <a:endParaRPr lang="es-ES" sz="2000" dirty="0">
-              <a:effectLst/>
-              <a:latin typeface="Calibri" panose="020F0502020204030204" pitchFamily="34" charset="0"/>
-              <a:ea typeface="Calibri" panose="020F0502020204030204" pitchFamily="34" charset="0"/>
-              <a:cs typeface="Times New Roman" panose="02020603050405020304" pitchFamily="18" charset="0"/>
-            </a:endParaRPr>
-          </a:p>
-        </p:txBody>
-      </p:sp>
+      </p:pic>
     </p:spTree>
     <p:extLst>
       <p:ext uri="{BB962C8B-B14F-4D97-AF65-F5344CB8AC3E}">
-        <p14:creationId xmlns:p14="http://schemas.microsoft.com/office/powerpoint/2010/main" val="3722946296"/>
+        <p14:creationId xmlns:p14="http://schemas.microsoft.com/office/powerpoint/2010/main" val="3945344988"/>
       </p:ext>
     </p:extLst>
   </p:cSld>
@@ -5765,181 +6527,89 @@
       </p:grpSpPr>
       <p:sp>
         <p:nvSpPr>
-          <p:cNvPr id="4" name="CuadroTexto 3"/>
-          <p:cNvSpPr txBox="1"/>
+          <p:cNvPr id="2" name="CustomShape 1"/>
+          <p:cNvSpPr/>
           <p:nvPr/>
         </p:nvSpPr>
         <p:spPr>
           <a:xfrm>
-            <a:off x="0" y="2303417"/>
-            <a:ext cx="6091645" cy="1323439"/>
+            <a:off x="51480" y="428400"/>
+            <a:ext cx="6090840" cy="1445760"/>
           </a:xfrm>
           <a:prstGeom prst="rect">
             <a:avLst/>
           </a:prstGeom>
           <a:noFill/>
+          <a:ln>
+            <a:noFill/>
+          </a:ln>
         </p:spPr>
-        <p:txBody>
-          <a:bodyPr wrap="square" rtlCol="0">
-            <a:spAutoFit/>
+        <p:style>
+          <a:lnRef idx="0">
+            <a:scrgbClr r="0" g="0" b="0"/>
+          </a:lnRef>
+          <a:fillRef idx="0">
+            <a:scrgbClr r="0" g="0" b="0"/>
+          </a:fillRef>
+          <a:effectRef idx="0">
+            <a:scrgbClr r="0" g="0" b="0"/>
+          </a:effectRef>
+          <a:fontRef idx="minor"/>
+        </p:style>
+        <p:txBody>
+          <a:bodyPr lIns="90000" tIns="45000" rIns="90000" bIns="45000">
+            <a:noAutofit/>
           </a:bodyPr>
           <a:lstStyle/>
           <a:p>
-            <a:pPr algn="ctr"/>
-            <a:r>
-              <a:rPr lang="es-ES" sz="8000" dirty="0" err="1" smtClean="0">
+            <a:pPr algn="ctr">
+              <a:lnSpc>
+                <a:spcPct val="100000"/>
+              </a:lnSpc>
+            </a:pPr>
+            <a:r>
+              <a:rPr lang="es-ES" sz="6000" b="0" strike="noStrike" spc="-1">
                 <a:solidFill>
                   <a:srgbClr val="E8E8E8"/>
                 </a:solidFill>
+                <a:latin typeface="Calibri"/>
+                <a:ea typeface="Calibri"/>
               </a:rPr>
-              <a:t>Conclusions</a:t>
-            </a:r>
-            <a:endParaRPr lang="es-ES" dirty="0">
-              <a:solidFill>
-                <a:srgbClr val="E8E8E8"/>
-              </a:solidFill>
+              <a:t>Friend Table</a:t>
+            </a:r>
+            <a:endParaRPr lang="es-ES" sz="6000" b="0" strike="noStrike" spc="-1">
+              <a:latin typeface="Arial"/>
             </a:endParaRPr>
           </a:p>
         </p:txBody>
       </p:sp>
-      <p:sp>
-        <p:nvSpPr>
-          <p:cNvPr id="7" name="Rectángulo 6"/>
-          <p:cNvSpPr/>
+      <p:pic>
+        <p:nvPicPr>
+          <p:cNvPr id="3" name="Google Shape;140;p22"/>
+          <p:cNvPicPr/>
           <p:nvPr/>
-        </p:nvSpPr>
+        </p:nvPicPr>
+        <p:blipFill>
+          <a:blip r:embed="rId2"/>
+          <a:stretch/>
+        </p:blipFill>
         <p:spPr>
           <a:xfrm>
-            <a:off x="6575730" y="1697467"/>
-            <a:ext cx="5279666" cy="3230628"/>
+            <a:off x="2392744" y="2698009"/>
+            <a:ext cx="6748692" cy="2922861"/>
           </a:xfrm>
           <a:prstGeom prst="rect">
             <a:avLst/>
           </a:prstGeom>
+          <a:ln>
+            <a:noFill/>
+          </a:ln>
         </p:spPr>
-        <p:txBody>
-          <a:bodyPr wrap="square">
-            <a:spAutoFit/>
-          </a:bodyPr>
-          <a:lstStyle/>
-          <a:p>
-            <a:pPr marL="342900" lvl="0" indent="-342900">
-              <a:lnSpc>
-                <a:spcPct val="107000"/>
-              </a:lnSpc>
-              <a:spcAft>
-                <a:spcPts val="0"/>
-              </a:spcAft>
-              <a:buFont typeface="Calibri" panose="020F0502020204030204" pitchFamily="34" charset="0"/>
-              <a:buChar char="-"/>
-            </a:pPr>
-            <a:r>
-              <a:rPr lang="en-GB" sz="3200" dirty="0">
-                <a:latin typeface="Calibri" panose="020F0502020204030204" pitchFamily="34" charset="0"/>
-                <a:ea typeface="Calibri" panose="020F0502020204030204" pitchFamily="34" charset="0"/>
-                <a:cs typeface="Times New Roman" panose="02020603050405020304" pitchFamily="18" charset="0"/>
-              </a:rPr>
-              <a:t>The danger of viruses </a:t>
-            </a:r>
-            <a:r>
-              <a:rPr lang="en-GB" sz="3200" dirty="0" smtClean="0">
-                <a:latin typeface="Calibri" panose="020F0502020204030204" pitchFamily="34" charset="0"/>
-                <a:ea typeface="Calibri" panose="020F0502020204030204" pitchFamily="34" charset="0"/>
-                <a:cs typeface="Times New Roman" panose="02020603050405020304" pitchFamily="18" charset="0"/>
-              </a:rPr>
-              <a:t>today</a:t>
-            </a:r>
-          </a:p>
-          <a:p>
-            <a:pPr lvl="0">
-              <a:lnSpc>
-                <a:spcPct val="107000"/>
-              </a:lnSpc>
-              <a:spcAft>
-                <a:spcPts val="0"/>
-              </a:spcAft>
-            </a:pPr>
-            <a:endParaRPr lang="es-ES" sz="3200" dirty="0">
-              <a:latin typeface="Calibri" panose="020F0502020204030204" pitchFamily="34" charset="0"/>
-              <a:ea typeface="Calibri" panose="020F0502020204030204" pitchFamily="34" charset="0"/>
-              <a:cs typeface="Times New Roman" panose="02020603050405020304" pitchFamily="18" charset="0"/>
-            </a:endParaRPr>
-          </a:p>
-          <a:p>
-            <a:pPr marL="342900" lvl="0" indent="-342900">
-              <a:lnSpc>
-                <a:spcPct val="107000"/>
-              </a:lnSpc>
-              <a:spcAft>
-                <a:spcPts val="0"/>
-              </a:spcAft>
-              <a:buFont typeface="Calibri" panose="020F0502020204030204" pitchFamily="34" charset="0"/>
-              <a:buChar char="-"/>
-            </a:pPr>
-            <a:r>
-              <a:rPr lang="en-GB" sz="3200" dirty="0">
-                <a:latin typeface="Calibri" panose="020F0502020204030204" pitchFamily="34" charset="0"/>
-                <a:ea typeface="Calibri" panose="020F0502020204030204" pitchFamily="34" charset="0"/>
-                <a:cs typeface="Times New Roman" panose="02020603050405020304" pitchFamily="18" charset="0"/>
-              </a:rPr>
-              <a:t>Need to protect </a:t>
-            </a:r>
-            <a:r>
-              <a:rPr lang="en-GB" sz="3200" dirty="0" smtClean="0">
-                <a:latin typeface="Calibri" panose="020F0502020204030204" pitchFamily="34" charset="0"/>
-                <a:ea typeface="Calibri" panose="020F0502020204030204" pitchFamily="34" charset="0"/>
-                <a:cs typeface="Times New Roman" panose="02020603050405020304" pitchFamily="18" charset="0"/>
-              </a:rPr>
-              <a:t>ourselves</a:t>
-            </a:r>
-          </a:p>
-          <a:p>
-            <a:pPr lvl="0">
-              <a:lnSpc>
-                <a:spcPct val="107000"/>
-              </a:lnSpc>
-              <a:spcAft>
-                <a:spcPts val="0"/>
-              </a:spcAft>
-            </a:pPr>
-            <a:endParaRPr lang="es-ES" sz="3200" dirty="0" smtClean="0">
-              <a:latin typeface="Calibri" panose="020F0502020204030204" pitchFamily="34" charset="0"/>
-              <a:ea typeface="Calibri" panose="020F0502020204030204" pitchFamily="34" charset="0"/>
-              <a:cs typeface="Times New Roman" panose="02020603050405020304" pitchFamily="18" charset="0"/>
-            </a:endParaRPr>
-          </a:p>
-          <a:p>
-            <a:pPr marL="342900" lvl="0" indent="-342900">
-              <a:lnSpc>
-                <a:spcPct val="107000"/>
-              </a:lnSpc>
-              <a:spcAft>
-                <a:spcPts val="800"/>
-              </a:spcAft>
-              <a:buFont typeface="Calibri" panose="020F0502020204030204" pitchFamily="34" charset="0"/>
-              <a:buChar char="-"/>
-            </a:pPr>
-            <a:r>
-              <a:rPr lang="en-GB" sz="3200" dirty="0">
-                <a:latin typeface="Calibri" panose="020F0502020204030204" pitchFamily="34" charset="0"/>
-                <a:ea typeface="Calibri" panose="020F0502020204030204" pitchFamily="34" charset="0"/>
-                <a:cs typeface="Times New Roman" panose="02020603050405020304" pitchFamily="18" charset="0"/>
-              </a:rPr>
-              <a:t>World War III will be with ones and zeros.</a:t>
-            </a:r>
-            <a:endParaRPr lang="es-ES" sz="3200" dirty="0">
-              <a:effectLst/>
-              <a:latin typeface="Calibri" panose="020F0502020204030204" pitchFamily="34" charset="0"/>
-              <a:ea typeface="Calibri" panose="020F0502020204030204" pitchFamily="34" charset="0"/>
-              <a:cs typeface="Times New Roman" panose="02020603050405020304" pitchFamily="18" charset="0"/>
-            </a:endParaRPr>
-          </a:p>
-        </p:txBody>
-      </p:sp>
+      </p:pic>
     </p:spTree>
     <p:extLst>
       <p:ext uri="{BB962C8B-B14F-4D97-AF65-F5344CB8AC3E}">
-        <p14:creationId xmlns:p14="http://schemas.microsoft.com/office/powerpoint/2010/main" val="1001013733"/>
+        <p14:creationId xmlns:p14="http://schemas.microsoft.com/office/powerpoint/2010/main" val="1315997528"/>
       </p:ext>
     </p:extLst>
   </p:cSld>
